--- a/寻路算法.pptx
+++ b/寻路算法.pptx
@@ -2,10 +2,14 @@
 <file path=ppt/presentation.xml><?xml version="1.0" encoding="utf-8"?>
 <p:presentation xmlns:a="http://schemas.openxmlformats.org/drawingml/2006/main" xmlns:r="http://schemas.openxmlformats.org/officeDocument/2006/relationships" xmlns:p="http://schemas.openxmlformats.org/presentationml/2006/main" saveSubsetFonts="1">
   <p:sldMasterIdLst>
-    <p:sldMasterId id="2147483660" r:id="rId1"/>
+    <p:sldMasterId id="2147483869" r:id="rId1"/>
   </p:sldMasterIdLst>
   <p:sldIdLst>
     <p:sldId id="256" r:id="rId2"/>
+    <p:sldId id="257" r:id="rId3"/>
+    <p:sldId id="258" r:id="rId4"/>
+    <p:sldId id="259" r:id="rId5"/>
+    <p:sldId id="260" r:id="rId6"/>
   </p:sldIdLst>
   <p:sldSz cx="12192000" cy="6858000"/>
   <p:notesSz cx="6858000" cy="9144000"/>
@@ -104,11 +108,16 @@
       </a:defRPr>
     </a:lvl9pPr>
   </p:defaultTextStyle>
+  <p:extLst>
+    <p:ext uri="{EFAFB233-063F-42B5-8137-9DF3F51BA10A}">
+      <p15:sldGuideLst xmlns:p15="http://schemas.microsoft.com/office/powerpoint/2012/main"/>
+    </p:ext>
+  </p:extLst>
 </p:presentation>
 </file>
 
 <file path=ppt/slideLayouts/slideLayout1.xml><?xml version="1.0" encoding="utf-8"?>
-<p:sldLayout xmlns:a="http://schemas.openxmlformats.org/drawingml/2006/main" xmlns:r="http://schemas.openxmlformats.org/officeDocument/2006/relationships" xmlns:p="http://schemas.openxmlformats.org/presentationml/2006/main" showMasterSp="0" type="title" preserve="1">
+<p:sldLayout xmlns:a="http://schemas.openxmlformats.org/drawingml/2006/main" xmlns:r="http://schemas.openxmlformats.org/officeDocument/2006/relationships" xmlns:p="http://schemas.openxmlformats.org/presentationml/2006/main" type="title" preserve="1">
   <p:cSld name="标题幻灯片">
     <p:spTree>
       <p:nvGrpSpPr>
@@ -126,82 +135,6 @@
       </p:grpSpPr>
       <p:sp>
         <p:nvSpPr>
-          <p:cNvPr id="7" name="Rectangle 6"/>
-          <p:cNvSpPr/>
-          <p:nvPr/>
-        </p:nvSpPr>
-        <p:spPr>
-          <a:xfrm>
-            <a:off x="3175" y="6400800"/>
-            <a:ext cx="12188825" cy="457200"/>
-          </a:xfrm>
-          <a:prstGeom prst="rect">
-            <a:avLst/>
-          </a:prstGeom>
-          <a:solidFill>
-            <a:schemeClr val="accent2"/>
-          </a:solidFill>
-          <a:ln>
-            <a:noFill/>
-          </a:ln>
-        </p:spPr>
-        <p:style>
-          <a:lnRef idx="2">
-            <a:schemeClr val="accent1">
-              <a:shade val="50000"/>
-            </a:schemeClr>
-          </a:lnRef>
-          <a:fillRef idx="1">
-            <a:schemeClr val="accent1"/>
-          </a:fillRef>
-          <a:effectRef idx="0">
-            <a:schemeClr val="accent1"/>
-          </a:effectRef>
-          <a:fontRef idx="minor">
-            <a:schemeClr val="lt1"/>
-          </a:fontRef>
-        </p:style>
-      </p:sp>
-      <p:sp>
-        <p:nvSpPr>
-          <p:cNvPr id="8" name="Rectangle 7"/>
-          <p:cNvSpPr/>
-          <p:nvPr/>
-        </p:nvSpPr>
-        <p:spPr>
-          <a:xfrm>
-            <a:off x="15" y="6334316"/>
-            <a:ext cx="12188825" cy="64008"/>
-          </a:xfrm>
-          <a:prstGeom prst="rect">
-            <a:avLst/>
-          </a:prstGeom>
-          <a:solidFill>
-            <a:schemeClr val="accent1"/>
-          </a:solidFill>
-          <a:ln>
-            <a:noFill/>
-          </a:ln>
-        </p:spPr>
-        <p:style>
-          <a:lnRef idx="2">
-            <a:schemeClr val="accent1">
-              <a:shade val="50000"/>
-            </a:schemeClr>
-          </a:lnRef>
-          <a:fillRef idx="1">
-            <a:schemeClr val="accent1"/>
-          </a:fillRef>
-          <a:effectRef idx="0">
-            <a:schemeClr val="accent1"/>
-          </a:effectRef>
-          <a:fontRef idx="minor">
-            <a:schemeClr val="lt1"/>
-          </a:fontRef>
-        </p:style>
-      </p:sp>
-      <p:sp>
-        <p:nvSpPr>
           <p:cNvPr id="2" name="Title 1"/>
           <p:cNvSpPr>
             <a:spLocks noGrp="1"/>
@@ -212,27 +145,17 @@
         </p:nvSpPr>
         <p:spPr>
           <a:xfrm>
-            <a:off x="1097280" y="758952"/>
-            <a:ext cx="10058400" cy="3566160"/>
+            <a:off x="2417779" y="802298"/>
+            <a:ext cx="8637073" cy="2541431"/>
           </a:xfrm>
         </p:spPr>
         <p:txBody>
-          <a:bodyPr anchor="b">
+          <a:bodyPr bIns="0" anchor="b">
             <a:normAutofit/>
           </a:bodyPr>
           <a:lstStyle>
             <a:lvl1pPr algn="l">
-              <a:lnSpc>
-                <a:spcPct val="85000"/>
-              </a:lnSpc>
-              <a:defRPr sz="8000" spc="-50" baseline="0">
-                <a:solidFill>
-                  <a:schemeClr val="tx1">
-                    <a:lumMod val="85000"/>
-                    <a:lumOff val="15000"/>
-                  </a:schemeClr>
-                </a:solidFill>
-              </a:defRPr>
+              <a:defRPr sz="6600"/>
             </a:lvl1pPr>
           </a:lstStyle>
           <a:p>
@@ -256,55 +179,54 @@
         </p:nvSpPr>
         <p:spPr>
           <a:xfrm>
-            <a:off x="1100051" y="4455620"/>
-            <a:ext cx="10058400" cy="1143000"/>
+            <a:off x="2417780" y="3531204"/>
+            <a:ext cx="8637072" cy="977621"/>
           </a:xfrm>
         </p:spPr>
         <p:txBody>
-          <a:bodyPr lIns="91440" rIns="91440">
+          <a:bodyPr tIns="91440" bIns="91440">
             <a:normAutofit/>
           </a:bodyPr>
           <a:lstStyle>
             <a:lvl1pPr marL="0" indent="0" algn="l">
               <a:buNone/>
-              <a:defRPr sz="2400" cap="all" spc="200" baseline="0">
+              <a:defRPr sz="1800" b="0" cap="all" baseline="0">
                 <a:solidFill>
-                  <a:schemeClr val="tx2"/>
+                  <a:schemeClr val="tx1"/>
                 </a:solidFill>
-                <a:latin typeface="+mj-lt"/>
               </a:defRPr>
             </a:lvl1pPr>
             <a:lvl2pPr marL="457200" indent="0" algn="ctr">
               <a:buNone/>
-              <a:defRPr sz="2400"/>
+              <a:defRPr sz="1800"/>
             </a:lvl2pPr>
             <a:lvl3pPr marL="914400" indent="0" algn="ctr">
               <a:buNone/>
-              <a:defRPr sz="2400"/>
+              <a:defRPr sz="1800"/>
             </a:lvl3pPr>
             <a:lvl4pPr marL="1371600" indent="0" algn="ctr">
               <a:buNone/>
-              <a:defRPr sz="2000"/>
+              <a:defRPr sz="1600"/>
             </a:lvl4pPr>
             <a:lvl5pPr marL="1828800" indent="0" algn="ctr">
               <a:buNone/>
-              <a:defRPr sz="2000"/>
+              <a:defRPr sz="1600"/>
             </a:lvl5pPr>
             <a:lvl6pPr marL="2286000" indent="0" algn="ctr">
               <a:buNone/>
-              <a:defRPr sz="2000"/>
+              <a:defRPr sz="1600"/>
             </a:lvl6pPr>
             <a:lvl7pPr marL="2743200" indent="0" algn="ctr">
               <a:buNone/>
-              <a:defRPr sz="2000"/>
+              <a:defRPr sz="1600"/>
             </a:lvl7pPr>
             <a:lvl8pPr marL="3200400" indent="0" algn="ctr">
               <a:buNone/>
-              <a:defRPr sz="2000"/>
+              <a:defRPr sz="1600"/>
             </a:lvl8pPr>
             <a:lvl9pPr marL="3657600" indent="0" algn="ctr">
               <a:buNone/>
-              <a:defRPr sz="2000"/>
+              <a:defRPr sz="1600"/>
             </a:lvl9pPr>
           </a:lstStyle>
           <a:p>
@@ -333,7 +255,7 @@
           <a:p>
             <a:fld id="{CD4C7CB1-F3D1-44D9-8BCE-3B5093233591}" type="datetimeFigureOut">
               <a:rPr lang="zh-CN" altLang="en-US" smtClean="0"/>
-              <a:t>2018/12/2</a:t>
+              <a:t>2018/12/3</a:t>
             </a:fld>
             <a:endParaRPr lang="zh-CN" altLang="en-US"/>
           </a:p>
@@ -349,7 +271,12 @@
             <p:ph type="ftr" sz="quarter" idx="11"/>
           </p:nvPr>
         </p:nvSpPr>
-        <p:spPr/>
+        <p:spPr>
+          <a:xfrm>
+            <a:off x="2416500" y="329307"/>
+            <a:ext cx="4973915" cy="309201"/>
+          </a:xfrm>
+        </p:spPr>
         <p:txBody>
           <a:bodyPr/>
           <a:lstStyle/>
@@ -368,7 +295,12 @@
             <p:ph type="sldNum" sz="quarter" idx="12"/>
           </p:nvPr>
         </p:nvSpPr>
-        <p:spPr/>
+        <p:spPr>
+          <a:xfrm>
+            <a:off x="1437664" y="798973"/>
+            <a:ext cx="811019" cy="503578"/>
+          </a:xfrm>
+        </p:spPr>
         <p:txBody>
           <a:bodyPr/>
           <a:lstStyle/>
@@ -383,35 +315,28 @@
       </p:sp>
       <p:cxnSp>
         <p:nvCxnSpPr>
-          <p:cNvPr id="9" name="Straight Connector 8"/>
+          <p:cNvPr id="15" name="Straight Connector 14"/>
           <p:cNvCxnSpPr/>
           <p:nvPr/>
         </p:nvCxnSpPr>
         <p:spPr>
           <a:xfrm>
-            <a:off x="1207658" y="4343400"/>
-            <a:ext cx="9875520" cy="0"/>
+            <a:off x="2417780" y="3528542"/>
+            <a:ext cx="8637072" cy="0"/>
           </a:xfrm>
           <a:prstGeom prst="line">
             <a:avLst/>
           </a:prstGeom>
-          <a:ln w="6350">
-            <a:solidFill>
-              <a:schemeClr val="tx1">
-                <a:lumMod val="50000"/>
-                <a:lumOff val="50000"/>
-              </a:schemeClr>
-            </a:solidFill>
-          </a:ln>
+          <a:ln w="31750"/>
         </p:spPr>
         <p:style>
-          <a:lnRef idx="1">
+          <a:lnRef idx="3">
             <a:schemeClr val="accent1"/>
           </a:lnRef>
           <a:fillRef idx="0">
             <a:schemeClr val="accent1"/>
           </a:fillRef>
-          <a:effectRef idx="0">
+          <a:effectRef idx="2">
             <a:schemeClr val="accent1"/>
           </a:effectRef>
           <a:fontRef idx="minor">
@@ -422,7 +347,7 @@
     </p:spTree>
     <p:extLst>
       <p:ext uri="{BB962C8B-B14F-4D97-AF65-F5344CB8AC3E}">
-        <p14:creationId xmlns:p14="http://schemas.microsoft.com/office/powerpoint/2010/main" val="530376036"/>
+        <p14:creationId xmlns:p14="http://schemas.microsoft.com/office/powerpoint/2010/main" val="3717088290"/>
       </p:ext>
     </p:extLst>
   </p:cSld>
@@ -484,7 +409,7 @@
         </p:nvSpPr>
         <p:spPr/>
         <p:txBody>
-          <a:bodyPr vert="eaVert" lIns="45720" tIns="0" rIns="45720" bIns="0"/>
+          <a:bodyPr vert="eaVert"/>
           <a:lstStyle/>
           <a:p>
             <a:pPr lvl="0"/>
@@ -541,7 +466,7 @@
           <a:p>
             <a:fld id="{CD4C7CB1-F3D1-44D9-8BCE-3B5093233591}" type="datetimeFigureOut">
               <a:rPr lang="zh-CN" altLang="en-US" smtClean="0"/>
-              <a:t>2018/12/2</a:t>
+              <a:t>2018/12/3</a:t>
             </a:fld>
             <a:endParaRPr lang="zh-CN" altLang="en-US"/>
           </a:p>
@@ -589,10 +514,41 @@
           </a:p>
         </p:txBody>
       </p:sp>
+      <p:cxnSp>
+        <p:nvCxnSpPr>
+          <p:cNvPr id="26" name="Straight Connector 25"/>
+          <p:cNvCxnSpPr/>
+          <p:nvPr/>
+        </p:nvCxnSpPr>
+        <p:spPr>
+          <a:xfrm>
+            <a:off x="1453896" y="1847088"/>
+            <a:ext cx="9607522" cy="0"/>
+          </a:xfrm>
+          <a:prstGeom prst="line">
+            <a:avLst/>
+          </a:prstGeom>
+          <a:ln w="31750"/>
+        </p:spPr>
+        <p:style>
+          <a:lnRef idx="3">
+            <a:schemeClr val="accent1"/>
+          </a:lnRef>
+          <a:fillRef idx="0">
+            <a:schemeClr val="accent1"/>
+          </a:fillRef>
+          <a:effectRef idx="2">
+            <a:schemeClr val="accent1"/>
+          </a:effectRef>
+          <a:fontRef idx="minor">
+            <a:schemeClr val="tx1"/>
+          </a:fontRef>
+        </p:style>
+      </p:cxnSp>
     </p:spTree>
     <p:extLst>
       <p:ext uri="{BB962C8B-B14F-4D97-AF65-F5344CB8AC3E}">
-        <p14:creationId xmlns:p14="http://schemas.microsoft.com/office/powerpoint/2010/main" val="776612052"/>
+        <p14:creationId xmlns:p14="http://schemas.microsoft.com/office/powerpoint/2010/main" val="2950095838"/>
       </p:ext>
     </p:extLst>
   </p:cSld>
@@ -603,7 +559,7 @@
 </file>
 
 <file path=ppt/slideLayouts/slideLayout11.xml><?xml version="1.0" encoding="utf-8"?>
-<p:sldLayout xmlns:a="http://schemas.openxmlformats.org/drawingml/2006/main" xmlns:r="http://schemas.openxmlformats.org/officeDocument/2006/relationships" xmlns:p="http://schemas.openxmlformats.org/presentationml/2006/main" showMasterSp="0" type="vertTitleAndTx" preserve="1">
+<p:sldLayout xmlns:a="http://schemas.openxmlformats.org/drawingml/2006/main" xmlns:r="http://schemas.openxmlformats.org/officeDocument/2006/relationships" xmlns:p="http://schemas.openxmlformats.org/presentationml/2006/main" type="vertTitleAndTx" preserve="1">
   <p:cSld name="竖排标题与文本">
     <p:spTree>
       <p:nvGrpSpPr>
@@ -621,82 +577,6 @@
       </p:grpSpPr>
       <p:sp>
         <p:nvSpPr>
-          <p:cNvPr id="7" name="Rectangle 6"/>
-          <p:cNvSpPr/>
-          <p:nvPr/>
-        </p:nvSpPr>
-        <p:spPr>
-          <a:xfrm>
-            <a:off x="3175" y="6400800"/>
-            <a:ext cx="12188825" cy="457200"/>
-          </a:xfrm>
-          <a:prstGeom prst="rect">
-            <a:avLst/>
-          </a:prstGeom>
-          <a:solidFill>
-            <a:schemeClr val="accent2"/>
-          </a:solidFill>
-          <a:ln>
-            <a:noFill/>
-          </a:ln>
-        </p:spPr>
-        <p:style>
-          <a:lnRef idx="2">
-            <a:schemeClr val="accent1">
-              <a:shade val="50000"/>
-            </a:schemeClr>
-          </a:lnRef>
-          <a:fillRef idx="1">
-            <a:schemeClr val="accent1"/>
-          </a:fillRef>
-          <a:effectRef idx="0">
-            <a:schemeClr val="accent1"/>
-          </a:effectRef>
-          <a:fontRef idx="minor">
-            <a:schemeClr val="lt1"/>
-          </a:fontRef>
-        </p:style>
-      </p:sp>
-      <p:sp>
-        <p:nvSpPr>
-          <p:cNvPr id="8" name="Rectangle 7"/>
-          <p:cNvSpPr/>
-          <p:nvPr/>
-        </p:nvSpPr>
-        <p:spPr>
-          <a:xfrm>
-            <a:off x="15" y="6334316"/>
-            <a:ext cx="12188825" cy="64008"/>
-          </a:xfrm>
-          <a:prstGeom prst="rect">
-            <a:avLst/>
-          </a:prstGeom>
-          <a:solidFill>
-            <a:schemeClr val="accent1"/>
-          </a:solidFill>
-          <a:ln>
-            <a:noFill/>
-          </a:ln>
-        </p:spPr>
-        <p:style>
-          <a:lnRef idx="2">
-            <a:schemeClr val="accent1">
-              <a:shade val="50000"/>
-            </a:schemeClr>
-          </a:lnRef>
-          <a:fillRef idx="1">
-            <a:schemeClr val="accent1"/>
-          </a:fillRef>
-          <a:effectRef idx="0">
-            <a:schemeClr val="accent1"/>
-          </a:effectRef>
-          <a:fontRef idx="minor">
-            <a:schemeClr val="lt1"/>
-          </a:fontRef>
-        </p:style>
-      </p:sp>
-      <p:sp>
-        <p:nvSpPr>
           <p:cNvPr id="2" name="Vertical Title 1"/>
           <p:cNvSpPr>
             <a:spLocks noGrp="1"/>
@@ -707,13 +587,17 @@
         </p:nvSpPr>
         <p:spPr>
           <a:xfrm>
-            <a:off x="8724900" y="414778"/>
-            <a:ext cx="2628900" cy="5757421"/>
+            <a:off x="9439111" y="798973"/>
+            <a:ext cx="1615742" cy="4659889"/>
           </a:xfrm>
         </p:spPr>
         <p:txBody>
           <a:bodyPr vert="eaVert"/>
-          <a:lstStyle/>
+          <a:lstStyle>
+            <a:lvl1pPr algn="l">
+              <a:defRPr/>
+            </a:lvl1pPr>
+          </a:lstStyle>
           <a:p>
             <a:r>
               <a:rPr lang="zh-CN" altLang="en-US"/>
@@ -735,12 +619,12 @@
         </p:nvSpPr>
         <p:spPr>
           <a:xfrm>
-            <a:off x="838200" y="414778"/>
-            <a:ext cx="7734300" cy="5757422"/>
+            <a:off x="1444672" y="798973"/>
+            <a:ext cx="7828830" cy="4659889"/>
           </a:xfrm>
         </p:spPr>
         <p:txBody>
-          <a:bodyPr vert="eaVert" lIns="45720" tIns="0" rIns="45720" bIns="0"/>
+          <a:bodyPr vert="eaVert"/>
           <a:lstStyle/>
           <a:p>
             <a:pPr lvl="0"/>
@@ -797,7 +681,7 @@
           <a:p>
             <a:fld id="{CD4C7CB1-F3D1-44D9-8BCE-3B5093233591}" type="datetimeFigureOut">
               <a:rPr lang="zh-CN" altLang="en-US" smtClean="0"/>
-              <a:t>2018/12/2</a:t>
+              <a:t>2018/12/3</a:t>
             </a:fld>
             <a:endParaRPr lang="zh-CN" altLang="en-US"/>
           </a:p>
@@ -845,10 +729,41 @@
           </a:p>
         </p:txBody>
       </p:sp>
+      <p:cxnSp>
+        <p:nvCxnSpPr>
+          <p:cNvPr id="15" name="Straight Connector 14"/>
+          <p:cNvCxnSpPr/>
+          <p:nvPr/>
+        </p:nvCxnSpPr>
+        <p:spPr>
+          <a:xfrm>
+            <a:off x="9439111" y="798973"/>
+            <a:ext cx="0" cy="4659889"/>
+          </a:xfrm>
+          <a:prstGeom prst="line">
+            <a:avLst/>
+          </a:prstGeom>
+          <a:ln w="31750"/>
+        </p:spPr>
+        <p:style>
+          <a:lnRef idx="3">
+            <a:schemeClr val="accent1"/>
+          </a:lnRef>
+          <a:fillRef idx="0">
+            <a:schemeClr val="accent1"/>
+          </a:fillRef>
+          <a:effectRef idx="2">
+            <a:schemeClr val="accent1"/>
+          </a:effectRef>
+          <a:fontRef idx="minor">
+            <a:schemeClr val="tx1"/>
+          </a:fontRef>
+        </p:style>
+      </p:cxnSp>
     </p:spTree>
     <p:extLst>
       <p:ext uri="{BB962C8B-B14F-4D97-AF65-F5344CB8AC3E}">
-        <p14:creationId xmlns:p14="http://schemas.microsoft.com/office/powerpoint/2010/main" val="947791255"/>
+        <p14:creationId xmlns:p14="http://schemas.microsoft.com/office/powerpoint/2010/main" val="4032932493"/>
       </p:ext>
     </p:extLst>
   </p:cSld>
@@ -888,11 +803,7 @@
         <p:spPr/>
         <p:txBody>
           <a:bodyPr/>
-          <a:lstStyle>
-            <a:lvl1pPr marL="0">
-              <a:defRPr/>
-            </a:lvl1pPr>
-          </a:lstStyle>
+          <a:lstStyle/>
           <a:p>
             <a:r>
               <a:rPr lang="zh-CN" altLang="en-US"/>
@@ -914,7 +825,7 @@
         </p:nvSpPr>
         <p:spPr/>
         <p:txBody>
-          <a:bodyPr/>
+          <a:bodyPr anchor="t"/>
           <a:lstStyle/>
           <a:p>
             <a:pPr lvl="0"/>
@@ -971,7 +882,7 @@
           <a:p>
             <a:fld id="{CD4C7CB1-F3D1-44D9-8BCE-3B5093233591}" type="datetimeFigureOut">
               <a:rPr lang="zh-CN" altLang="en-US" smtClean="0"/>
-              <a:t>2018/12/2</a:t>
+              <a:t>2018/12/3</a:t>
             </a:fld>
             <a:endParaRPr lang="zh-CN" altLang="en-US"/>
           </a:p>
@@ -1019,10 +930,41 @@
           </a:p>
         </p:txBody>
       </p:sp>
+      <p:cxnSp>
+        <p:nvCxnSpPr>
+          <p:cNvPr id="33" name="Straight Connector 32"/>
+          <p:cNvCxnSpPr/>
+          <p:nvPr/>
+        </p:nvCxnSpPr>
+        <p:spPr>
+          <a:xfrm>
+            <a:off x="1453896" y="1847088"/>
+            <a:ext cx="9607522" cy="0"/>
+          </a:xfrm>
+          <a:prstGeom prst="line">
+            <a:avLst/>
+          </a:prstGeom>
+          <a:ln w="31750"/>
+        </p:spPr>
+        <p:style>
+          <a:lnRef idx="3">
+            <a:schemeClr val="accent1"/>
+          </a:lnRef>
+          <a:fillRef idx="0">
+            <a:schemeClr val="accent1"/>
+          </a:fillRef>
+          <a:effectRef idx="2">
+            <a:schemeClr val="accent1"/>
+          </a:effectRef>
+          <a:fontRef idx="minor">
+            <a:schemeClr val="tx1"/>
+          </a:fontRef>
+        </p:style>
+      </p:cxnSp>
     </p:spTree>
     <p:extLst>
       <p:ext uri="{BB962C8B-B14F-4D97-AF65-F5344CB8AC3E}">
-        <p14:creationId xmlns:p14="http://schemas.microsoft.com/office/powerpoint/2010/main" val="3532587782"/>
+        <p14:creationId xmlns:p14="http://schemas.microsoft.com/office/powerpoint/2010/main" val="1917125837"/>
       </p:ext>
     </p:extLst>
   </p:cSld>
@@ -1033,16 +975,8 @@
 </file>
 
 <file path=ppt/slideLayouts/slideLayout3.xml><?xml version="1.0" encoding="utf-8"?>
-<p:sldLayout xmlns:a="http://schemas.openxmlformats.org/drawingml/2006/main" xmlns:r="http://schemas.openxmlformats.org/officeDocument/2006/relationships" xmlns:p="http://schemas.openxmlformats.org/presentationml/2006/main" showMasterSp="0" type="secHead" preserve="1">
+<p:sldLayout xmlns:a="http://schemas.openxmlformats.org/drawingml/2006/main" xmlns:r="http://schemas.openxmlformats.org/officeDocument/2006/relationships" xmlns:p="http://schemas.openxmlformats.org/presentationml/2006/main" type="secHead" preserve="1">
   <p:cSld name="节标题">
-    <p:bg>
-      <p:bgPr>
-        <a:solidFill>
-          <a:schemeClr val="bg1"/>
-        </a:solidFill>
-        <a:effectLst/>
-      </p:bgPr>
-    </p:bg>
     <p:spTree>
       <p:nvGrpSpPr>
         <p:cNvPr id="1" name=""/>
@@ -1059,82 +993,6 @@
       </p:grpSpPr>
       <p:sp>
         <p:nvSpPr>
-          <p:cNvPr id="7" name="Rectangle 6"/>
-          <p:cNvSpPr/>
-          <p:nvPr/>
-        </p:nvSpPr>
-        <p:spPr>
-          <a:xfrm>
-            <a:off x="3175" y="6400800"/>
-            <a:ext cx="12188825" cy="457200"/>
-          </a:xfrm>
-          <a:prstGeom prst="rect">
-            <a:avLst/>
-          </a:prstGeom>
-          <a:solidFill>
-            <a:schemeClr val="accent2"/>
-          </a:solidFill>
-          <a:ln>
-            <a:noFill/>
-          </a:ln>
-        </p:spPr>
-        <p:style>
-          <a:lnRef idx="2">
-            <a:schemeClr val="accent1">
-              <a:shade val="50000"/>
-            </a:schemeClr>
-          </a:lnRef>
-          <a:fillRef idx="1">
-            <a:schemeClr val="accent1"/>
-          </a:fillRef>
-          <a:effectRef idx="0">
-            <a:schemeClr val="accent1"/>
-          </a:effectRef>
-          <a:fontRef idx="minor">
-            <a:schemeClr val="lt1"/>
-          </a:fontRef>
-        </p:style>
-      </p:sp>
-      <p:sp>
-        <p:nvSpPr>
-          <p:cNvPr id="8" name="Rectangle 7"/>
-          <p:cNvSpPr/>
-          <p:nvPr/>
-        </p:nvSpPr>
-        <p:spPr>
-          <a:xfrm>
-            <a:off x="15" y="6334316"/>
-            <a:ext cx="12188825" cy="64008"/>
-          </a:xfrm>
-          <a:prstGeom prst="rect">
-            <a:avLst/>
-          </a:prstGeom>
-          <a:solidFill>
-            <a:schemeClr val="accent1"/>
-          </a:solidFill>
-          <a:ln>
-            <a:noFill/>
-          </a:ln>
-        </p:spPr>
-        <p:style>
-          <a:lnRef idx="2">
-            <a:schemeClr val="accent1">
-              <a:shade val="50000"/>
-            </a:schemeClr>
-          </a:lnRef>
-          <a:fillRef idx="1">
-            <a:schemeClr val="accent1"/>
-          </a:fillRef>
-          <a:effectRef idx="0">
-            <a:schemeClr val="accent1"/>
-          </a:effectRef>
-          <a:fontRef idx="minor">
-            <a:schemeClr val="lt1"/>
-          </a:fontRef>
-        </p:style>
-      </p:sp>
-      <p:sp>
-        <p:nvSpPr>
           <p:cNvPr id="2" name="Title 1"/>
           <p:cNvSpPr>
             <a:spLocks noGrp="1"/>
@@ -1145,27 +1003,17 @@
         </p:nvSpPr>
         <p:spPr>
           <a:xfrm>
-            <a:off x="1097280" y="758952"/>
-            <a:ext cx="10058400" cy="3566160"/>
+            <a:off x="1454239" y="1756130"/>
+            <a:ext cx="8643154" cy="1887950"/>
           </a:xfrm>
         </p:spPr>
         <p:txBody>
-          <a:bodyPr anchor="b" anchorCtr="0">
+          <a:bodyPr anchor="b">
             <a:normAutofit/>
           </a:bodyPr>
           <a:lstStyle>
-            <a:lvl1pPr>
-              <a:lnSpc>
-                <a:spcPct val="85000"/>
-              </a:lnSpc>
-              <a:defRPr sz="8000" b="0">
-                <a:solidFill>
-                  <a:schemeClr val="tx1">
-                    <a:lumMod val="85000"/>
-                    <a:lumOff val="15000"/>
-                  </a:schemeClr>
-                </a:solidFill>
-              </a:defRPr>
+            <a:lvl1pPr algn="l">
+              <a:defRPr sz="3600"/>
             </a:lvl1pPr>
           </a:lstStyle>
           <a:p>
@@ -1189,22 +1037,21 @@
         </p:nvSpPr>
         <p:spPr>
           <a:xfrm>
-            <a:off x="1097280" y="4453128"/>
-            <a:ext cx="10058400" cy="1143000"/>
+            <a:off x="1454239" y="3806195"/>
+            <a:ext cx="8630446" cy="1012929"/>
           </a:xfrm>
         </p:spPr>
         <p:txBody>
-          <a:bodyPr lIns="91440" rIns="91440" anchor="t" anchorCtr="0">
+          <a:bodyPr tIns="91440">
             <a:normAutofit/>
           </a:bodyPr>
           <a:lstStyle>
-            <a:lvl1pPr marL="0" indent="0">
+            <a:lvl1pPr marL="0" indent="0" algn="l">
               <a:buNone/>
-              <a:defRPr sz="2400" cap="all" spc="200" baseline="0">
+              <a:defRPr sz="1800">
                 <a:solidFill>
-                  <a:schemeClr val="tx2"/>
+                  <a:schemeClr val="tx1"/>
                 </a:solidFill>
-                <a:latin typeface="+mj-lt"/>
               </a:defRPr>
             </a:lvl1pPr>
             <a:lvl2pPr marL="457200" indent="0">
@@ -1219,7 +1066,7 @@
             </a:lvl2pPr>
             <a:lvl3pPr marL="914400" indent="0">
               <a:buNone/>
-              <a:defRPr sz="1600">
+              <a:defRPr sz="1800">
                 <a:solidFill>
                   <a:schemeClr val="tx1">
                     <a:tint val="75000"/>
@@ -1229,7 +1076,7 @@
             </a:lvl3pPr>
             <a:lvl4pPr marL="1371600" indent="0">
               <a:buNone/>
-              <a:defRPr sz="1400">
+              <a:defRPr sz="1600">
                 <a:solidFill>
                   <a:schemeClr val="tx1">
                     <a:tint val="75000"/>
@@ -1239,7 +1086,7 @@
             </a:lvl4pPr>
             <a:lvl5pPr marL="1828800" indent="0">
               <a:buNone/>
-              <a:defRPr sz="1400">
+              <a:defRPr sz="1600">
                 <a:solidFill>
                   <a:schemeClr val="tx1">
                     <a:tint val="75000"/>
@@ -1249,7 +1096,7 @@
             </a:lvl5pPr>
             <a:lvl6pPr marL="2286000" indent="0">
               <a:buNone/>
-              <a:defRPr sz="1400">
+              <a:defRPr sz="1600">
                 <a:solidFill>
                   <a:schemeClr val="tx1">
                     <a:tint val="75000"/>
@@ -1259,7 +1106,7 @@
             </a:lvl6pPr>
             <a:lvl7pPr marL="2743200" indent="0">
               <a:buNone/>
-              <a:defRPr sz="1400">
+              <a:defRPr sz="1600">
                 <a:solidFill>
                   <a:schemeClr val="tx1">
                     <a:tint val="75000"/>
@@ -1269,7 +1116,7 @@
             </a:lvl7pPr>
             <a:lvl8pPr marL="3200400" indent="0">
               <a:buNone/>
-              <a:defRPr sz="1400">
+              <a:defRPr sz="1600">
                 <a:solidFill>
                   <a:schemeClr val="tx1">
                     <a:tint val="75000"/>
@@ -1279,7 +1126,7 @@
             </a:lvl8pPr>
             <a:lvl9pPr marL="3657600" indent="0">
               <a:buNone/>
-              <a:defRPr sz="1400">
+              <a:defRPr sz="1600">
                 <a:solidFill>
                   <a:schemeClr val="tx1">
                     <a:tint val="75000"/>
@@ -1314,7 +1161,7 @@
           <a:p>
             <a:fld id="{CD4C7CB1-F3D1-44D9-8BCE-3B5093233591}" type="datetimeFigureOut">
               <a:rPr lang="zh-CN" altLang="en-US" smtClean="0"/>
-              <a:t>2018/12/2</a:t>
+              <a:t>2018/12/3</a:t>
             </a:fld>
             <a:endParaRPr lang="zh-CN" altLang="en-US"/>
           </a:p>
@@ -1364,35 +1211,28 @@
       </p:sp>
       <p:cxnSp>
         <p:nvCxnSpPr>
-          <p:cNvPr id="9" name="Straight Connector 8"/>
+          <p:cNvPr id="15" name="Straight Connector 14"/>
           <p:cNvCxnSpPr/>
           <p:nvPr/>
         </p:nvCxnSpPr>
         <p:spPr>
           <a:xfrm>
-            <a:off x="1207658" y="4343400"/>
-            <a:ext cx="9875520" cy="0"/>
+            <a:off x="1454239" y="3804985"/>
+            <a:ext cx="8630446" cy="0"/>
           </a:xfrm>
           <a:prstGeom prst="line">
             <a:avLst/>
           </a:prstGeom>
-          <a:ln w="6350">
-            <a:solidFill>
-              <a:schemeClr val="tx1">
-                <a:lumMod val="50000"/>
-                <a:lumOff val="50000"/>
-              </a:schemeClr>
-            </a:solidFill>
-          </a:ln>
+          <a:ln w="31750"/>
         </p:spPr>
         <p:style>
-          <a:lnRef idx="1">
+          <a:lnRef idx="3">
             <a:schemeClr val="accent1"/>
           </a:lnRef>
           <a:fillRef idx="0">
             <a:schemeClr val="accent1"/>
           </a:fillRef>
-          <a:effectRef idx="0">
+          <a:effectRef idx="2">
             <a:schemeClr val="accent1"/>
           </a:effectRef>
           <a:fontRef idx="minor">
@@ -1403,7 +1243,7 @@
     </p:spTree>
     <p:extLst>
       <p:ext uri="{BB962C8B-B14F-4D97-AF65-F5344CB8AC3E}">
-        <p14:creationId xmlns:p14="http://schemas.microsoft.com/office/powerpoint/2010/main" val="1395603862"/>
+        <p14:creationId xmlns:p14="http://schemas.microsoft.com/office/powerpoint/2010/main" val="113698706"/>
       </p:ext>
     </p:extLst>
   </p:cSld>
@@ -1432,7 +1272,7 @@
       </p:grpSpPr>
       <p:sp>
         <p:nvSpPr>
-          <p:cNvPr id="8" name="Title 7"/>
+          <p:cNvPr id="2" name="Title 1"/>
           <p:cNvSpPr>
             <a:spLocks noGrp="1"/>
           </p:cNvSpPr>
@@ -1442,8 +1282,8 @@
         </p:nvSpPr>
         <p:spPr>
           <a:xfrm>
-            <a:off x="1097280" y="286603"/>
-            <a:ext cx="10058400" cy="1450757"/>
+            <a:off x="1449217" y="804889"/>
+            <a:ext cx="9605635" cy="1059305"/>
           </a:xfrm>
         </p:spPr>
         <p:txBody>
@@ -1470,8 +1310,8 @@
         </p:nvSpPr>
         <p:spPr>
           <a:xfrm>
-            <a:off x="1097279" y="1845734"/>
-            <a:ext cx="4937760" cy="4023360"/>
+            <a:off x="1447331" y="2010878"/>
+            <a:ext cx="4645152" cy="3448595"/>
           </a:xfrm>
         </p:spPr>
         <p:txBody>
@@ -1527,8 +1367,8 @@
         </p:nvSpPr>
         <p:spPr>
           <a:xfrm>
-            <a:off x="6217920" y="1845735"/>
-            <a:ext cx="4937760" cy="4023360"/>
+            <a:off x="6413771" y="2017343"/>
+            <a:ext cx="4645152" cy="3441520"/>
           </a:xfrm>
         </p:spPr>
         <p:txBody>
@@ -1589,7 +1429,7 @@
           <a:p>
             <a:fld id="{CD4C7CB1-F3D1-44D9-8BCE-3B5093233591}" type="datetimeFigureOut">
               <a:rPr lang="zh-CN" altLang="en-US" smtClean="0"/>
-              <a:t>2018/12/2</a:t>
+              <a:t>2018/12/3</a:t>
             </a:fld>
             <a:endParaRPr lang="zh-CN" altLang="en-US"/>
           </a:p>
@@ -1637,10 +1477,41 @@
           </a:p>
         </p:txBody>
       </p:sp>
+      <p:cxnSp>
+        <p:nvCxnSpPr>
+          <p:cNvPr id="35" name="Straight Connector 34"/>
+          <p:cNvCxnSpPr/>
+          <p:nvPr/>
+        </p:nvCxnSpPr>
+        <p:spPr>
+          <a:xfrm>
+            <a:off x="1453896" y="1847088"/>
+            <a:ext cx="9607522" cy="0"/>
+          </a:xfrm>
+          <a:prstGeom prst="line">
+            <a:avLst/>
+          </a:prstGeom>
+          <a:ln w="31750"/>
+        </p:spPr>
+        <p:style>
+          <a:lnRef idx="3">
+            <a:schemeClr val="accent1"/>
+          </a:lnRef>
+          <a:fillRef idx="0">
+            <a:schemeClr val="accent1"/>
+          </a:fillRef>
+          <a:effectRef idx="2">
+            <a:schemeClr val="accent1"/>
+          </a:effectRef>
+          <a:fontRef idx="minor">
+            <a:schemeClr val="tx1"/>
+          </a:fontRef>
+        </p:style>
+      </p:cxnSp>
     </p:spTree>
     <p:extLst>
       <p:ext uri="{BB962C8B-B14F-4D97-AF65-F5344CB8AC3E}">
-        <p14:creationId xmlns:p14="http://schemas.microsoft.com/office/powerpoint/2010/main" val="1297054320"/>
+        <p14:creationId xmlns:p14="http://schemas.microsoft.com/office/powerpoint/2010/main" val="3287879906"/>
       </p:ext>
     </p:extLst>
   </p:cSld>
@@ -1669,7 +1540,7 @@
       </p:grpSpPr>
       <p:sp>
         <p:nvSpPr>
-          <p:cNvPr id="10" name="Title 9"/>
+          <p:cNvPr id="2" name="Title 1"/>
           <p:cNvSpPr>
             <a:spLocks noGrp="1"/>
           </p:cNvSpPr>
@@ -1679,8 +1550,8 @@
         </p:nvSpPr>
         <p:spPr>
           <a:xfrm>
-            <a:off x="1097280" y="286603"/>
-            <a:ext cx="10058400" cy="1450757"/>
+            <a:off x="1447191" y="804163"/>
+            <a:ext cx="9607661" cy="1056319"/>
           </a:xfrm>
         </p:spPr>
         <p:txBody>
@@ -1707,20 +1578,23 @@
         </p:nvSpPr>
         <p:spPr>
           <a:xfrm>
-            <a:off x="1097280" y="1846052"/>
-            <a:ext cx="4937760" cy="736282"/>
+            <a:off x="1447191" y="2019549"/>
+            <a:ext cx="4645152" cy="801943"/>
           </a:xfrm>
         </p:spPr>
         <p:txBody>
-          <a:bodyPr lIns="91440" rIns="91440" anchor="ctr">
+          <a:bodyPr anchor="b">
             <a:normAutofit/>
           </a:bodyPr>
           <a:lstStyle>
             <a:lvl1pPr marL="0" indent="0">
+              <a:lnSpc>
+                <a:spcPct val="100000"/>
+              </a:lnSpc>
               <a:buNone/>
-              <a:defRPr sz="2000" b="0" cap="all" baseline="0">
+              <a:defRPr sz="2200" b="0" cap="all" baseline="0">
                 <a:solidFill>
-                  <a:schemeClr val="tx2"/>
+                  <a:schemeClr val="accent1"/>
                 </a:solidFill>
               </a:defRPr>
             </a:lvl1pPr>
@@ -1778,8 +1652,8 @@
         </p:nvSpPr>
         <p:spPr>
           <a:xfrm>
-            <a:off x="1097280" y="2582334"/>
-            <a:ext cx="4937760" cy="3378200"/>
+            <a:off x="1447191" y="2824269"/>
+            <a:ext cx="4645152" cy="2644457"/>
           </a:xfrm>
         </p:spPr>
         <p:txBody>
@@ -1835,20 +1709,23 @@
         </p:nvSpPr>
         <p:spPr>
           <a:xfrm>
-            <a:off x="6217920" y="1846052"/>
-            <a:ext cx="4937760" cy="736282"/>
+            <a:off x="6412362" y="2023003"/>
+            <a:ext cx="4645152" cy="802237"/>
           </a:xfrm>
         </p:spPr>
         <p:txBody>
-          <a:bodyPr lIns="91440" rIns="91440" anchor="ctr">
+          <a:bodyPr anchor="b">
             <a:normAutofit/>
           </a:bodyPr>
           <a:lstStyle>
             <a:lvl1pPr marL="0" indent="0">
+              <a:lnSpc>
+                <a:spcPct val="100000"/>
+              </a:lnSpc>
               <a:buNone/>
-              <a:defRPr sz="2000" b="0" cap="all" baseline="0">
+              <a:defRPr sz="2200" b="0" cap="all" baseline="0">
                 <a:solidFill>
-                  <a:schemeClr val="tx2"/>
+                  <a:schemeClr val="accent1"/>
                 </a:solidFill>
               </a:defRPr>
             </a:lvl1pPr>
@@ -1906,8 +1783,8 @@
         </p:nvSpPr>
         <p:spPr>
           <a:xfrm>
-            <a:off x="6217920" y="2582334"/>
-            <a:ext cx="4937760" cy="3378200"/>
+            <a:off x="6412362" y="2821491"/>
+            <a:ext cx="4645152" cy="2637371"/>
           </a:xfrm>
         </p:spPr>
         <p:txBody>
@@ -1968,7 +1845,7 @@
           <a:p>
             <a:fld id="{CD4C7CB1-F3D1-44D9-8BCE-3B5093233591}" type="datetimeFigureOut">
               <a:rPr lang="zh-CN" altLang="en-US" smtClean="0"/>
-              <a:t>2018/12/2</a:t>
+              <a:t>2018/12/3</a:t>
             </a:fld>
             <a:endParaRPr lang="zh-CN" altLang="en-US"/>
           </a:p>
@@ -2016,10 +1893,41 @@
           </a:p>
         </p:txBody>
       </p:sp>
+      <p:cxnSp>
+        <p:nvCxnSpPr>
+          <p:cNvPr id="29" name="Straight Connector 28"/>
+          <p:cNvCxnSpPr/>
+          <p:nvPr/>
+        </p:nvCxnSpPr>
+        <p:spPr>
+          <a:xfrm>
+            <a:off x="1453896" y="1847088"/>
+            <a:ext cx="9607522" cy="0"/>
+          </a:xfrm>
+          <a:prstGeom prst="line">
+            <a:avLst/>
+          </a:prstGeom>
+          <a:ln w="31750"/>
+        </p:spPr>
+        <p:style>
+          <a:lnRef idx="3">
+            <a:schemeClr val="accent1"/>
+          </a:lnRef>
+          <a:fillRef idx="0">
+            <a:schemeClr val="accent1"/>
+          </a:fillRef>
+          <a:effectRef idx="2">
+            <a:schemeClr val="accent1"/>
+          </a:effectRef>
+          <a:fontRef idx="minor">
+            <a:schemeClr val="tx1"/>
+          </a:fontRef>
+        </p:style>
+      </p:cxnSp>
     </p:spTree>
     <p:extLst>
       <p:ext uri="{BB962C8B-B14F-4D97-AF65-F5344CB8AC3E}">
-        <p14:creationId xmlns:p14="http://schemas.microsoft.com/office/powerpoint/2010/main" val="209871568"/>
+        <p14:creationId xmlns:p14="http://schemas.microsoft.com/office/powerpoint/2010/main" val="1766129552"/>
       </p:ext>
     </p:extLst>
   </p:cSld>
@@ -2086,7 +1994,7 @@
           <a:p>
             <a:fld id="{CD4C7CB1-F3D1-44D9-8BCE-3B5093233591}" type="datetimeFigureOut">
               <a:rPr lang="zh-CN" altLang="en-US" smtClean="0"/>
-              <a:t>2018/12/2</a:t>
+              <a:t>2018/12/3</a:t>
             </a:fld>
             <a:endParaRPr lang="zh-CN" altLang="en-US"/>
           </a:p>
@@ -2134,10 +2042,41 @@
           </a:p>
         </p:txBody>
       </p:sp>
+      <p:cxnSp>
+        <p:nvCxnSpPr>
+          <p:cNvPr id="25" name="Straight Connector 24"/>
+          <p:cNvCxnSpPr/>
+          <p:nvPr/>
+        </p:nvCxnSpPr>
+        <p:spPr>
+          <a:xfrm>
+            <a:off x="1453896" y="1847088"/>
+            <a:ext cx="9607522" cy="0"/>
+          </a:xfrm>
+          <a:prstGeom prst="line">
+            <a:avLst/>
+          </a:prstGeom>
+          <a:ln w="31750"/>
+        </p:spPr>
+        <p:style>
+          <a:lnRef idx="3">
+            <a:schemeClr val="accent1"/>
+          </a:lnRef>
+          <a:fillRef idx="0">
+            <a:schemeClr val="accent1"/>
+          </a:fillRef>
+          <a:effectRef idx="2">
+            <a:schemeClr val="accent1"/>
+          </a:effectRef>
+          <a:fontRef idx="minor">
+            <a:schemeClr val="tx1"/>
+          </a:fontRef>
+        </p:style>
+      </p:cxnSp>
     </p:spTree>
     <p:extLst>
       <p:ext uri="{BB962C8B-B14F-4D97-AF65-F5344CB8AC3E}">
-        <p14:creationId xmlns:p14="http://schemas.microsoft.com/office/powerpoint/2010/main" val="637761539"/>
+        <p14:creationId xmlns:p14="http://schemas.microsoft.com/office/powerpoint/2010/main" val="3970633753"/>
       </p:ext>
     </p:extLst>
   </p:cSld>
@@ -2148,7 +2087,7 @@
 </file>
 
 <file path=ppt/slideLayouts/slideLayout7.xml><?xml version="1.0" encoding="utf-8"?>
-<p:sldLayout xmlns:a="http://schemas.openxmlformats.org/drawingml/2006/main" xmlns:r="http://schemas.openxmlformats.org/officeDocument/2006/relationships" xmlns:p="http://schemas.openxmlformats.org/presentationml/2006/main" showMasterSp="0" type="blank" preserve="1">
+<p:sldLayout xmlns:a="http://schemas.openxmlformats.org/drawingml/2006/main" xmlns:r="http://schemas.openxmlformats.org/officeDocument/2006/relationships" xmlns:p="http://schemas.openxmlformats.org/presentationml/2006/main" type="blank" preserve="1">
   <p:cSld name="空白">
     <p:spTree>
       <p:nvGrpSpPr>
@@ -2166,83 +2105,7 @@
       </p:grpSpPr>
       <p:sp>
         <p:nvSpPr>
-          <p:cNvPr id="5" name="Rectangle 4"/>
-          <p:cNvSpPr/>
-          <p:nvPr/>
-        </p:nvSpPr>
-        <p:spPr>
-          <a:xfrm>
-            <a:off x="3175" y="6400800"/>
-            <a:ext cx="12188825" cy="457200"/>
-          </a:xfrm>
-          <a:prstGeom prst="rect">
-            <a:avLst/>
-          </a:prstGeom>
-          <a:solidFill>
-            <a:schemeClr val="accent2"/>
-          </a:solidFill>
-          <a:ln>
-            <a:noFill/>
-          </a:ln>
-        </p:spPr>
-        <p:style>
-          <a:lnRef idx="2">
-            <a:schemeClr val="accent1">
-              <a:shade val="50000"/>
-            </a:schemeClr>
-          </a:lnRef>
-          <a:fillRef idx="1">
-            <a:schemeClr val="accent1"/>
-          </a:fillRef>
-          <a:effectRef idx="0">
-            <a:schemeClr val="accent1"/>
-          </a:effectRef>
-          <a:fontRef idx="minor">
-            <a:schemeClr val="lt1"/>
-          </a:fontRef>
-        </p:style>
-      </p:sp>
-      <p:sp>
-        <p:nvSpPr>
-          <p:cNvPr id="6" name="Rectangle 5"/>
-          <p:cNvSpPr/>
-          <p:nvPr/>
-        </p:nvSpPr>
-        <p:spPr>
-          <a:xfrm>
-            <a:off x="15" y="6334316"/>
-            <a:ext cx="12188825" cy="64008"/>
-          </a:xfrm>
-          <a:prstGeom prst="rect">
-            <a:avLst/>
-          </a:prstGeom>
-          <a:solidFill>
-            <a:schemeClr val="accent1"/>
-          </a:solidFill>
-          <a:ln>
-            <a:noFill/>
-          </a:ln>
-        </p:spPr>
-        <p:style>
-          <a:lnRef idx="2">
-            <a:schemeClr val="accent1">
-              <a:shade val="50000"/>
-            </a:schemeClr>
-          </a:lnRef>
-          <a:fillRef idx="1">
-            <a:schemeClr val="accent1"/>
-          </a:fillRef>
-          <a:effectRef idx="0">
-            <a:schemeClr val="accent1"/>
-          </a:effectRef>
-          <a:fontRef idx="minor">
-            <a:schemeClr val="lt1"/>
-          </a:fontRef>
-        </p:style>
-      </p:sp>
-      <p:sp>
-        <p:nvSpPr>
-          <p:cNvPr id="7" name="Date Placeholder 6"/>
+          <p:cNvPr id="2" name="Date Placeholder 1"/>
           <p:cNvSpPr>
             <a:spLocks noGrp="1"/>
           </p:cNvSpPr>
@@ -2257,7 +2120,7 @@
           <a:p>
             <a:fld id="{CD4C7CB1-F3D1-44D9-8BCE-3B5093233591}" type="datetimeFigureOut">
               <a:rPr lang="zh-CN" altLang="en-US" smtClean="0"/>
-              <a:t>2018/12/2</a:t>
+              <a:t>2018/12/3</a:t>
             </a:fld>
             <a:endParaRPr lang="zh-CN" altLang="en-US"/>
           </a:p>
@@ -2265,7 +2128,7 @@
       </p:sp>
       <p:sp>
         <p:nvSpPr>
-          <p:cNvPr id="8" name="Footer Placeholder 7"/>
+          <p:cNvPr id="3" name="Footer Placeholder 2"/>
           <p:cNvSpPr>
             <a:spLocks noGrp="1"/>
           </p:cNvSpPr>
@@ -2276,15 +2139,7 @@
         <p:spPr/>
         <p:txBody>
           <a:bodyPr/>
-          <a:lstStyle>
-            <a:lvl1pPr>
-              <a:defRPr>
-                <a:solidFill>
-                  <a:srgbClr val="FFFFFF"/>
-                </a:solidFill>
-              </a:defRPr>
-            </a:lvl1pPr>
-          </a:lstStyle>
+          <a:lstStyle/>
           <a:p>
             <a:endParaRPr lang="zh-CN" altLang="en-US"/>
           </a:p>
@@ -2292,7 +2147,7 @@
       </p:sp>
       <p:sp>
         <p:nvSpPr>
-          <p:cNvPr id="9" name="Slide Number Placeholder 8"/>
+          <p:cNvPr id="4" name="Slide Number Placeholder 3"/>
           <p:cNvSpPr>
             <a:spLocks noGrp="1"/>
           </p:cNvSpPr>
@@ -2316,7 +2171,7 @@
     </p:spTree>
     <p:extLst>
       <p:ext uri="{BB962C8B-B14F-4D97-AF65-F5344CB8AC3E}">
-        <p14:creationId xmlns:p14="http://schemas.microsoft.com/office/powerpoint/2010/main" val="1285991106"/>
+        <p14:creationId xmlns:p14="http://schemas.microsoft.com/office/powerpoint/2010/main" val="1740538293"/>
       </p:ext>
     </p:extLst>
   </p:cSld>
@@ -2327,7 +2182,7 @@
 </file>
 
 <file path=ppt/slideLayouts/slideLayout8.xml><?xml version="1.0" encoding="utf-8"?>
-<p:sldLayout xmlns:a="http://schemas.openxmlformats.org/drawingml/2006/main" xmlns:r="http://schemas.openxmlformats.org/officeDocument/2006/relationships" xmlns:p="http://schemas.openxmlformats.org/presentationml/2006/main" showMasterSp="0" type="objTx" preserve="1">
+<p:sldLayout xmlns:a="http://schemas.openxmlformats.org/drawingml/2006/main" xmlns:r="http://schemas.openxmlformats.org/officeDocument/2006/relationships" xmlns:p="http://schemas.openxmlformats.org/presentationml/2006/main" type="objTx" preserve="1">
   <p:cSld name="内容与标题">
     <p:spTree>
       <p:nvGrpSpPr>
@@ -2345,82 +2200,6 @@
       </p:grpSpPr>
       <p:sp>
         <p:nvSpPr>
-          <p:cNvPr id="8" name="Rectangle 7"/>
-          <p:cNvSpPr/>
-          <p:nvPr/>
-        </p:nvSpPr>
-        <p:spPr>
-          <a:xfrm>
-            <a:off x="16" y="0"/>
-            <a:ext cx="4050791" cy="6858000"/>
-          </a:xfrm>
-          <a:prstGeom prst="rect">
-            <a:avLst/>
-          </a:prstGeom>
-          <a:solidFill>
-            <a:schemeClr val="accent2"/>
-          </a:solidFill>
-          <a:ln>
-            <a:noFill/>
-          </a:ln>
-        </p:spPr>
-        <p:style>
-          <a:lnRef idx="2">
-            <a:schemeClr val="accent1">
-              <a:shade val="50000"/>
-            </a:schemeClr>
-          </a:lnRef>
-          <a:fillRef idx="1">
-            <a:schemeClr val="accent1"/>
-          </a:fillRef>
-          <a:effectRef idx="0">
-            <a:schemeClr val="accent1"/>
-          </a:effectRef>
-          <a:fontRef idx="minor">
-            <a:schemeClr val="lt1"/>
-          </a:fontRef>
-        </p:style>
-      </p:sp>
-      <p:sp>
-        <p:nvSpPr>
-          <p:cNvPr id="9" name="Rectangle 8"/>
-          <p:cNvSpPr/>
-          <p:nvPr/>
-        </p:nvSpPr>
-        <p:spPr>
-          <a:xfrm>
-            <a:off x="4040071" y="0"/>
-            <a:ext cx="64008" cy="6858000"/>
-          </a:xfrm>
-          <a:prstGeom prst="rect">
-            <a:avLst/>
-          </a:prstGeom>
-          <a:solidFill>
-            <a:schemeClr val="accent1"/>
-          </a:solidFill>
-          <a:ln>
-            <a:noFill/>
-          </a:ln>
-        </p:spPr>
-        <p:style>
-          <a:lnRef idx="2">
-            <a:schemeClr val="accent1">
-              <a:shade val="50000"/>
-            </a:schemeClr>
-          </a:lnRef>
-          <a:fillRef idx="1">
-            <a:schemeClr val="accent1"/>
-          </a:fillRef>
-          <a:effectRef idx="0">
-            <a:schemeClr val="accent1"/>
-          </a:effectRef>
-          <a:fontRef idx="minor">
-            <a:schemeClr val="lt1"/>
-          </a:fontRef>
-        </p:style>
-      </p:sp>
-      <p:sp>
-        <p:nvSpPr>
           <p:cNvPr id="2" name="Title 1"/>
           <p:cNvSpPr>
             <a:spLocks noGrp="1"/>
@@ -2431,8 +2210,8 @@
         </p:nvSpPr>
         <p:spPr>
           <a:xfrm>
-            <a:off x="457200" y="594359"/>
-            <a:ext cx="3200400" cy="2286000"/>
+            <a:off x="1444671" y="798973"/>
+            <a:ext cx="3273099" cy="2247117"/>
           </a:xfrm>
         </p:spPr>
         <p:txBody>
@@ -2440,12 +2219,8 @@
             <a:normAutofit/>
           </a:bodyPr>
           <a:lstStyle>
-            <a:lvl1pPr>
-              <a:defRPr sz="3600" b="0">
-                <a:solidFill>
-                  <a:srgbClr val="FFFFFF"/>
-                </a:solidFill>
-              </a:defRPr>
+            <a:lvl1pPr algn="l">
+              <a:defRPr sz="2400"/>
             </a:lvl1pPr>
           </a:lstStyle>
           <a:p>
@@ -2469,12 +2244,12 @@
         </p:nvSpPr>
         <p:spPr>
           <a:xfrm>
-            <a:off x="4800600" y="731520"/>
-            <a:ext cx="6492240" cy="5257800"/>
+            <a:off x="5043714" y="798974"/>
+            <a:ext cx="6012470" cy="4658826"/>
           </a:xfrm>
         </p:spPr>
         <p:txBody>
-          <a:bodyPr/>
+          <a:bodyPr anchor="ctr"/>
           <a:lstStyle/>
           <a:p>
             <a:pPr lvl="0"/>
@@ -2526,54 +2301,48 @@
         </p:nvSpPr>
         <p:spPr>
           <a:xfrm>
-            <a:off x="457200" y="2926080"/>
-            <a:ext cx="3200400" cy="3379124"/>
+            <a:off x="1444671" y="3205491"/>
+            <a:ext cx="3275013" cy="2248181"/>
           </a:xfrm>
         </p:spPr>
         <p:txBody>
-          <a:bodyPr lIns="91440" rIns="91440">
-            <a:normAutofit/>
-          </a:bodyPr>
+          <a:bodyPr/>
           <a:lstStyle>
-            <a:lvl1pPr marL="0" indent="0">
+            <a:lvl1pPr marL="0" indent="0" algn="l">
               <a:buNone/>
-              <a:defRPr sz="1500">
-                <a:solidFill>
-                  <a:srgbClr val="FFFFFF"/>
-                </a:solidFill>
-              </a:defRPr>
+              <a:defRPr sz="1600"/>
             </a:lvl1pPr>
             <a:lvl2pPr marL="457200" indent="0">
               <a:buNone/>
-              <a:defRPr sz="1200"/>
+              <a:defRPr sz="1400"/>
             </a:lvl2pPr>
             <a:lvl3pPr marL="914400" indent="0">
               <a:buNone/>
-              <a:defRPr sz="1000"/>
+              <a:defRPr sz="1200"/>
             </a:lvl3pPr>
             <a:lvl4pPr marL="1371600" indent="0">
               <a:buNone/>
-              <a:defRPr sz="900"/>
+              <a:defRPr sz="1000"/>
             </a:lvl4pPr>
             <a:lvl5pPr marL="1828800" indent="0">
               <a:buNone/>
-              <a:defRPr sz="900"/>
+              <a:defRPr sz="1000"/>
             </a:lvl5pPr>
             <a:lvl6pPr marL="2286000" indent="0">
               <a:buNone/>
-              <a:defRPr sz="900"/>
+              <a:defRPr sz="1000"/>
             </a:lvl6pPr>
             <a:lvl7pPr marL="2743200" indent="0">
               <a:buNone/>
-              <a:defRPr sz="900"/>
+              <a:defRPr sz="1000"/>
             </a:lvl7pPr>
             <a:lvl8pPr marL="3200400" indent="0">
               <a:buNone/>
-              <a:defRPr sz="900"/>
+              <a:defRPr sz="1000"/>
             </a:lvl8pPr>
             <a:lvl9pPr marL="3657600" indent="0">
               <a:buNone/>
-              <a:defRPr sz="900"/>
+              <a:defRPr sz="1000"/>
             </a:lvl9pPr>
           </a:lstStyle>
           <a:p>
@@ -2595,23 +2364,14 @@
             <p:ph type="dt" sz="half" idx="10"/>
           </p:nvPr>
         </p:nvSpPr>
-        <p:spPr>
-          <a:xfrm>
-            <a:off x="465512" y="6459785"/>
-            <a:ext cx="2618510" cy="365125"/>
-          </a:xfrm>
-        </p:spPr>
+        <p:spPr/>
         <p:txBody>
           <a:bodyPr/>
-          <a:lstStyle>
-            <a:lvl1pPr algn="l">
-              <a:defRPr/>
-            </a:lvl1pPr>
-          </a:lstStyle>
+          <a:lstStyle/>
           <a:p>
             <a:fld id="{CD4C7CB1-F3D1-44D9-8BCE-3B5093233591}" type="datetimeFigureOut">
               <a:rPr lang="zh-CN" altLang="en-US" smtClean="0"/>
-              <a:t>2018/12/2</a:t>
+              <a:t>2018/12/3</a:t>
             </a:fld>
             <a:endParaRPr lang="zh-CN" altLang="en-US"/>
           </a:p>
@@ -2627,23 +2387,10 @@
             <p:ph type="ftr" sz="quarter" idx="11"/>
           </p:nvPr>
         </p:nvSpPr>
-        <p:spPr>
-          <a:xfrm>
-            <a:off x="4800600" y="6459785"/>
-            <a:ext cx="4648200" cy="365125"/>
-          </a:xfrm>
-        </p:spPr>
+        <p:spPr/>
         <p:txBody>
           <a:bodyPr/>
-          <a:lstStyle>
-            <a:lvl1pPr algn="l">
-              <a:defRPr>
-                <a:solidFill>
-                  <a:schemeClr val="tx2"/>
-                </a:solidFill>
-              </a:defRPr>
-            </a:lvl1pPr>
-          </a:lstStyle>
+          <a:lstStyle/>
           <a:p>
             <a:endParaRPr lang="zh-CN" altLang="en-US"/>
           </a:p>
@@ -2662,15 +2409,7 @@
         <p:spPr/>
         <p:txBody>
           <a:bodyPr/>
-          <a:lstStyle>
-            <a:lvl1pPr>
-              <a:defRPr>
-                <a:solidFill>
-                  <a:schemeClr val="tx2"/>
-                </a:solidFill>
-              </a:defRPr>
-            </a:lvl1pPr>
-          </a:lstStyle>
+          <a:lstStyle/>
           <a:p>
             <a:fld id="{48B9D4CA-BF65-472E-A3CC-1E499BF400FA}" type="slidenum">
               <a:rPr lang="zh-CN" altLang="en-US" smtClean="0"/>
@@ -2680,10 +2419,41 @@
           </a:p>
         </p:txBody>
       </p:sp>
+      <p:cxnSp>
+        <p:nvCxnSpPr>
+          <p:cNvPr id="17" name="Straight Connector 16"/>
+          <p:cNvCxnSpPr/>
+          <p:nvPr/>
+        </p:nvCxnSpPr>
+        <p:spPr>
+          <a:xfrm>
+            <a:off x="1448280" y="3205491"/>
+            <a:ext cx="3269490" cy="0"/>
+          </a:xfrm>
+          <a:prstGeom prst="line">
+            <a:avLst/>
+          </a:prstGeom>
+          <a:ln w="31750"/>
+        </p:spPr>
+        <p:style>
+          <a:lnRef idx="3">
+            <a:schemeClr val="accent1"/>
+          </a:lnRef>
+          <a:fillRef idx="0">
+            <a:schemeClr val="accent1"/>
+          </a:fillRef>
+          <a:effectRef idx="2">
+            <a:schemeClr val="accent1"/>
+          </a:effectRef>
+          <a:fontRef idx="minor">
+            <a:schemeClr val="tx1"/>
+          </a:fontRef>
+        </p:style>
+      </p:cxnSp>
     </p:spTree>
     <p:extLst>
       <p:ext uri="{BB962C8B-B14F-4D97-AF65-F5344CB8AC3E}">
-        <p14:creationId xmlns:p14="http://schemas.microsoft.com/office/powerpoint/2010/main" val="3496598842"/>
+        <p14:creationId xmlns:p14="http://schemas.microsoft.com/office/powerpoint/2010/main" val="1382165807"/>
       </p:ext>
     </p:extLst>
   </p:cSld>
@@ -2694,7 +2464,7 @@
 </file>
 
 <file path=ppt/slideLayouts/slideLayout9.xml><?xml version="1.0" encoding="utf-8"?>
-<p:sldLayout xmlns:a="http://schemas.openxmlformats.org/drawingml/2006/main" xmlns:r="http://schemas.openxmlformats.org/officeDocument/2006/relationships" xmlns:p="http://schemas.openxmlformats.org/presentationml/2006/main" showMasterSp="0" type="picTx" preserve="1">
+<p:sldLayout xmlns:a="http://schemas.openxmlformats.org/drawingml/2006/main" xmlns:r="http://schemas.openxmlformats.org/officeDocument/2006/relationships" xmlns:p="http://schemas.openxmlformats.org/presentationml/2006/main" type="picTx" preserve="1">
   <p:cSld name="图片与标题">
     <p:spTree>
       <p:nvGrpSpPr>
@@ -2710,82 +2480,140 @@
           <a:chExt cx="0" cy="0"/>
         </a:xfrm>
       </p:grpSpPr>
-      <p:sp>
-        <p:nvSpPr>
-          <p:cNvPr id="8" name="Rectangle 7"/>
-          <p:cNvSpPr/>
+      <p:grpSp>
+        <p:nvGrpSpPr>
+          <p:cNvPr id="8" name="Group 7"/>
+          <p:cNvGrpSpPr/>
           <p:nvPr/>
-        </p:nvSpPr>
-        <p:spPr>
+        </p:nvGrpSpPr>
+        <p:grpSpPr>
           <a:xfrm>
-            <a:off x="0" y="4953000"/>
-            <a:ext cx="12188825" cy="1905000"/>
+            <a:off x="7477387" y="482170"/>
+            <a:ext cx="4074533" cy="5149101"/>
+            <a:chOff x="7477387" y="482170"/>
+            <a:chExt cx="4074533" cy="5149101"/>
           </a:xfrm>
-          <a:prstGeom prst="rect">
-            <a:avLst/>
-          </a:prstGeom>
-          <a:solidFill>
-            <a:schemeClr val="accent2"/>
-          </a:solidFill>
-          <a:ln>
-            <a:noFill/>
-          </a:ln>
-        </p:spPr>
-        <p:style>
-          <a:lnRef idx="2">
-            <a:schemeClr val="accent1">
-              <a:shade val="50000"/>
-            </a:schemeClr>
-          </a:lnRef>
-          <a:fillRef idx="1">
-            <a:schemeClr val="accent1"/>
-          </a:fillRef>
-          <a:effectRef idx="0">
-            <a:schemeClr val="accent1"/>
-          </a:effectRef>
-          <a:fontRef idx="minor">
-            <a:schemeClr val="lt1"/>
-          </a:fontRef>
-        </p:style>
-      </p:sp>
-      <p:sp>
-        <p:nvSpPr>
-          <p:cNvPr id="9" name="Rectangle 8"/>
-          <p:cNvSpPr/>
-          <p:nvPr/>
-        </p:nvSpPr>
-        <p:spPr>
-          <a:xfrm>
-            <a:off x="15" y="4915076"/>
-            <a:ext cx="12188825" cy="64008"/>
-          </a:xfrm>
-          <a:prstGeom prst="rect">
-            <a:avLst/>
-          </a:prstGeom>
-          <a:solidFill>
-            <a:schemeClr val="accent1"/>
-          </a:solidFill>
-          <a:ln>
-            <a:noFill/>
-          </a:ln>
-        </p:spPr>
-        <p:style>
-          <a:lnRef idx="2">
-            <a:schemeClr val="accent1">
-              <a:shade val="50000"/>
-            </a:schemeClr>
-          </a:lnRef>
-          <a:fillRef idx="1">
-            <a:schemeClr val="accent1"/>
-          </a:fillRef>
-          <a:effectRef idx="0">
-            <a:schemeClr val="accent1"/>
-          </a:effectRef>
-          <a:fontRef idx="minor">
-            <a:schemeClr val="lt1"/>
-          </a:fontRef>
-        </p:style>
-      </p:sp>
+        </p:grpSpPr>
+        <p:sp>
+          <p:nvSpPr>
+            <p:cNvPr id="18" name="Rectangle 17"/>
+            <p:cNvSpPr/>
+            <p:nvPr/>
+          </p:nvSpPr>
+          <p:spPr bwMode="black">
+            <a:xfrm>
+              <a:off x="7477387" y="482170"/>
+              <a:ext cx="4074533" cy="5149101"/>
+            </a:xfrm>
+            <a:prstGeom prst="rect">
+              <a:avLst/>
+            </a:prstGeom>
+            <a:gradFill>
+              <a:gsLst>
+                <a:gs pos="0">
+                  <a:srgbClr val="000001"/>
+                </a:gs>
+                <a:gs pos="100000">
+                  <a:srgbClr val="191919"/>
+                </a:gs>
+              </a:gsLst>
+            </a:gradFill>
+            <a:ln w="76200" cmpd="sng">
+              <a:noFill/>
+              <a:miter lim="800000"/>
+            </a:ln>
+            <a:effectLst>
+              <a:outerShdw blurRad="127000" dist="228600" dir="4740000" sx="98000" sy="98000" algn="tl" rotWithShape="0">
+                <a:srgbClr val="000000">
+                  <a:alpha val="34000"/>
+                </a:srgbClr>
+              </a:outerShdw>
+            </a:effectLst>
+            <a:scene3d>
+              <a:camera prst="orthographicFront"/>
+              <a:lightRig rig="threePt" dir="t"/>
+            </a:scene3d>
+            <a:sp3d>
+              <a:bevelT w="152400" h="50800" prst="softRound"/>
+            </a:sp3d>
+          </p:spPr>
+          <p:style>
+            <a:lnRef idx="1">
+              <a:schemeClr val="accent1"/>
+            </a:lnRef>
+            <a:fillRef idx="3">
+              <a:schemeClr val="accent1"/>
+            </a:fillRef>
+            <a:effectRef idx="2">
+              <a:schemeClr val="accent1"/>
+            </a:effectRef>
+            <a:fontRef idx="minor">
+              <a:schemeClr val="lt1"/>
+            </a:fontRef>
+          </p:style>
+        </p:sp>
+        <p:sp>
+          <p:nvSpPr>
+            <p:cNvPr id="19" name="Rectangle 18"/>
+            <p:cNvSpPr/>
+            <p:nvPr/>
+          </p:nvSpPr>
+          <p:spPr bwMode="blackWhite">
+            <a:xfrm>
+              <a:off x="7790446" y="812506"/>
+              <a:ext cx="3450289" cy="4466452"/>
+            </a:xfrm>
+            <a:prstGeom prst="rect">
+              <a:avLst/>
+            </a:prstGeom>
+            <a:gradFill>
+              <a:gsLst>
+                <a:gs pos="0">
+                  <a:srgbClr val="DADADA"/>
+                </a:gs>
+                <a:gs pos="100000">
+                  <a:srgbClr val="FFFFFE"/>
+                </a:gs>
+              </a:gsLst>
+              <a:lin ang="16200000" scaled="0"/>
+            </a:gradFill>
+            <a:ln w="50800" cmpd="sng">
+              <a:solidFill>
+                <a:srgbClr val="191919"/>
+              </a:solidFill>
+              <a:miter lim="800000"/>
+            </a:ln>
+            <a:effectLst>
+              <a:innerShdw blurRad="63500" dist="88900" dir="14100000">
+                <a:srgbClr val="000000">
+                  <a:alpha val="30000"/>
+                </a:srgbClr>
+              </a:innerShdw>
+            </a:effectLst>
+            <a:scene3d>
+              <a:camera prst="orthographicFront"/>
+              <a:lightRig rig="threePt" dir="t"/>
+            </a:scene3d>
+            <a:sp3d>
+              <a:bevelT prst="relaxedInset"/>
+            </a:sp3d>
+          </p:spPr>
+          <p:style>
+            <a:lnRef idx="1">
+              <a:schemeClr val="accent1"/>
+            </a:lnRef>
+            <a:fillRef idx="3">
+              <a:schemeClr val="accent1"/>
+            </a:fillRef>
+            <a:effectRef idx="2">
+              <a:schemeClr val="accent1"/>
+            </a:effectRef>
+            <a:fontRef idx="minor">
+              <a:schemeClr val="lt1"/>
+            </a:fontRef>
+          </p:style>
+        </p:sp>
+      </p:grpSp>
       <p:sp>
         <p:nvSpPr>
           <p:cNvPr id="2" name="Title 1"/>
@@ -2798,21 +2626,17 @@
         </p:nvSpPr>
         <p:spPr>
           <a:xfrm>
-            <a:off x="1097280" y="5074920"/>
-            <a:ext cx="10113264" cy="822960"/>
+            <a:off x="1451206" y="1129513"/>
+            <a:ext cx="5532328" cy="1830584"/>
           </a:xfrm>
         </p:spPr>
         <p:txBody>
-          <a:bodyPr lIns="91440" tIns="0" rIns="91440" bIns="0" anchor="b">
-            <a:noAutofit/>
+          <a:bodyPr anchor="b">
+            <a:normAutofit/>
           </a:bodyPr>
           <a:lstStyle>
             <a:lvl1pPr>
-              <a:defRPr sz="3600" b="0">
-                <a:solidFill>
-                  <a:srgbClr val="FFFFFF"/>
-                </a:solidFill>
-              </a:defRPr>
+              <a:defRPr sz="3200"/>
             </a:lvl1pPr>
           </a:lstStyle>
           <a:p>
@@ -2836,26 +2660,26 @@
         </p:nvSpPr>
         <p:spPr>
           <a:xfrm>
-            <a:off x="15" y="0"/>
-            <a:ext cx="12191985" cy="4915076"/>
+            <a:off x="8124389" y="1122542"/>
+            <a:ext cx="2791171" cy="3866327"/>
           </a:xfrm>
-          <a:blipFill>
-            <a:blip r:embed="rId2"/>
-            <a:stretch>
-              <a:fillRect/>
-            </a:stretch>
-          </a:blipFill>
+          <a:solidFill>
+            <a:schemeClr val="bg1">
+              <a:lumMod val="85000"/>
+            </a:schemeClr>
+          </a:solidFill>
+          <a:ln w="9525" cap="sq">
+            <a:noFill/>
+            <a:miter lim="800000"/>
+          </a:ln>
+          <a:effectLst/>
         </p:spPr>
         <p:txBody>
-          <a:bodyPr lIns="457200" tIns="457200" anchor="t"/>
+          <a:bodyPr anchor="t"/>
           <a:lstStyle>
-            <a:lvl1pPr marL="0" indent="0">
+            <a:lvl1pPr marL="0" indent="0" algn="ctr">
               <a:buNone/>
-              <a:defRPr sz="3200">
-                <a:solidFill>
-                  <a:schemeClr val="bg1"/>
-                </a:solidFill>
-              </a:defRPr>
+              <a:defRPr sz="3200"/>
             </a:lvl1pPr>
             <a:lvl2pPr marL="457200" indent="0">
               <a:buNone/>
@@ -2911,60 +2735,50 @@
         </p:nvSpPr>
         <p:spPr>
           <a:xfrm>
-            <a:off x="1097280" y="5907023"/>
-            <a:ext cx="10113264" cy="594360"/>
+            <a:off x="1450329" y="3145992"/>
+            <a:ext cx="5524404" cy="2003742"/>
           </a:xfrm>
         </p:spPr>
         <p:txBody>
-          <a:bodyPr lIns="91440" tIns="0" rIns="91440" bIns="0">
+          <a:bodyPr>
             <a:normAutofit/>
           </a:bodyPr>
           <a:lstStyle>
-            <a:lvl1pPr marL="0" indent="0">
-              <a:spcBef>
-                <a:spcPts val="0"/>
-              </a:spcBef>
-              <a:spcAft>
-                <a:spcPts val="600"/>
-              </a:spcAft>
+            <a:lvl1pPr marL="0" indent="0" algn="l">
               <a:buNone/>
-              <a:defRPr sz="1500">
-                <a:solidFill>
-                  <a:srgbClr val="FFFFFF"/>
-                </a:solidFill>
-              </a:defRPr>
+              <a:defRPr sz="1800"/>
             </a:lvl1pPr>
             <a:lvl2pPr marL="457200" indent="0">
               <a:buNone/>
-              <a:defRPr sz="1200"/>
+              <a:defRPr sz="1400"/>
             </a:lvl2pPr>
             <a:lvl3pPr marL="914400" indent="0">
               <a:buNone/>
-              <a:defRPr sz="1000"/>
+              <a:defRPr sz="1200"/>
             </a:lvl3pPr>
             <a:lvl4pPr marL="1371600" indent="0">
               <a:buNone/>
-              <a:defRPr sz="900"/>
+              <a:defRPr sz="1000"/>
             </a:lvl4pPr>
             <a:lvl5pPr marL="1828800" indent="0">
               <a:buNone/>
-              <a:defRPr sz="900"/>
+              <a:defRPr sz="1000"/>
             </a:lvl5pPr>
             <a:lvl6pPr marL="2286000" indent="0">
               <a:buNone/>
-              <a:defRPr sz="900"/>
+              <a:defRPr sz="1000"/>
             </a:lvl6pPr>
             <a:lvl7pPr marL="2743200" indent="0">
               <a:buNone/>
-              <a:defRPr sz="900"/>
+              <a:defRPr sz="1000"/>
             </a:lvl7pPr>
             <a:lvl8pPr marL="3200400" indent="0">
               <a:buNone/>
-              <a:defRPr sz="900"/>
+              <a:defRPr sz="1000"/>
             </a:lvl8pPr>
             <a:lvl9pPr marL="3657600" indent="0">
               <a:buNone/>
-              <a:defRPr sz="900"/>
+              <a:defRPr sz="1000"/>
             </a:lvl9pPr>
           </a:lstStyle>
           <a:p>
@@ -2986,14 +2800,23 @@
             <p:ph type="dt" sz="half" idx="10"/>
           </p:nvPr>
         </p:nvSpPr>
-        <p:spPr/>
+        <p:spPr>
+          <a:xfrm>
+            <a:off x="1447382" y="5469856"/>
+            <a:ext cx="5527351" cy="320123"/>
+          </a:xfrm>
+        </p:spPr>
         <p:txBody>
           <a:bodyPr/>
-          <a:lstStyle/>
+          <a:lstStyle>
+            <a:lvl1pPr algn="l">
+              <a:defRPr/>
+            </a:lvl1pPr>
+          </a:lstStyle>
           <a:p>
             <a:fld id="{CD4C7CB1-F3D1-44D9-8BCE-3B5093233591}" type="datetimeFigureOut">
               <a:rPr lang="zh-CN" altLang="en-US" smtClean="0"/>
-              <a:t>2018/12/2</a:t>
+              <a:t>2018/12/3</a:t>
             </a:fld>
             <a:endParaRPr lang="zh-CN" altLang="en-US"/>
           </a:p>
@@ -3009,7 +2832,12 @@
             <p:ph type="ftr" sz="quarter" idx="11"/>
           </p:nvPr>
         </p:nvSpPr>
-        <p:spPr/>
+        <p:spPr>
+          <a:xfrm>
+            <a:off x="1447382" y="318640"/>
+            <a:ext cx="5541004" cy="320931"/>
+          </a:xfrm>
+        </p:spPr>
         <p:txBody>
           <a:bodyPr/>
           <a:lstStyle/>
@@ -3041,10 +2869,41 @@
           </a:p>
         </p:txBody>
       </p:sp>
+      <p:cxnSp>
+        <p:nvCxnSpPr>
+          <p:cNvPr id="31" name="Straight Connector 30"/>
+          <p:cNvCxnSpPr/>
+          <p:nvPr/>
+        </p:nvCxnSpPr>
+        <p:spPr>
+          <a:xfrm>
+            <a:off x="1447382" y="3143605"/>
+            <a:ext cx="5527351" cy="0"/>
+          </a:xfrm>
+          <a:prstGeom prst="line">
+            <a:avLst/>
+          </a:prstGeom>
+          <a:ln w="31750"/>
+        </p:spPr>
+        <p:style>
+          <a:lnRef idx="3">
+            <a:schemeClr val="accent1"/>
+          </a:lnRef>
+          <a:fillRef idx="0">
+            <a:schemeClr val="accent1"/>
+          </a:fillRef>
+          <a:effectRef idx="2">
+            <a:schemeClr val="accent1"/>
+          </a:effectRef>
+          <a:fontRef idx="minor">
+            <a:schemeClr val="tx1"/>
+          </a:fontRef>
+        </p:style>
+      </p:cxnSp>
     </p:spTree>
     <p:extLst>
       <p:ext uri="{BB962C8B-B14F-4D97-AF65-F5344CB8AC3E}">
-        <p14:creationId xmlns:p14="http://schemas.microsoft.com/office/powerpoint/2010/main" val="645197112"/>
+        <p14:creationId xmlns:p14="http://schemas.microsoft.com/office/powerpoint/2010/main" val="1017030105"/>
       </p:ext>
     </p:extLst>
   </p:cSld>
@@ -3058,8 +2917,8 @@
 <p:sldMaster xmlns:a="http://schemas.openxmlformats.org/drawingml/2006/main" xmlns:r="http://schemas.openxmlformats.org/officeDocument/2006/relationships" xmlns:p="http://schemas.openxmlformats.org/presentationml/2006/main">
   <p:cSld>
     <p:bg>
-      <p:bgRef idx="1001">
-        <a:schemeClr val="bg1"/>
+      <p:bgRef idx="1003">
+        <a:schemeClr val="bg2"/>
       </p:bgRef>
     </p:bg>
     <p:spTree>
@@ -3078,21 +2937,32 @@
       </p:grpSpPr>
       <p:sp>
         <p:nvSpPr>
-          <p:cNvPr id="7" name="Rectangle 6"/>
+          <p:cNvPr id="8" name="Rectangle 7"/>
           <p:cNvSpPr/>
           <p:nvPr/>
         </p:nvSpPr>
         <p:spPr>
           <a:xfrm>
-            <a:off x="1" y="6400800"/>
-            <a:ext cx="12192000" cy="457200"/>
+            <a:off x="0" y="2019476"/>
+            <a:ext cx="12192000" cy="4105941"/>
           </a:xfrm>
           <a:prstGeom prst="rect">
             <a:avLst/>
           </a:prstGeom>
-          <a:solidFill>
-            <a:schemeClr val="accent2"/>
-          </a:solidFill>
+          <a:gradFill flip="none" rotWithShape="1">
+            <a:gsLst>
+              <a:gs pos="0">
+                <a:schemeClr val="bg2">
+                  <a:alpha val="0"/>
+                </a:schemeClr>
+              </a:gs>
+              <a:gs pos="100000">
+                <a:schemeClr val="bg2"/>
+              </a:gs>
+            </a:gsLst>
+            <a:lin ang="5400000" scaled="0"/>
+            <a:tileRect/>
+          </a:gradFill>
           <a:ln>
             <a:noFill/>
           </a:ln>
@@ -3114,44 +2984,35 @@
           </a:fontRef>
         </p:style>
       </p:sp>
-      <p:sp>
-        <p:nvSpPr>
-          <p:cNvPr id="9" name="Rectangle 8"/>
-          <p:cNvSpPr/>
+      <p:pic>
+        <p:nvPicPr>
+          <p:cNvPr id="7" name="Picture 6"/>
+          <p:cNvPicPr>
+            <a:picLocks noChangeAspect="1"/>
+          </p:cNvPicPr>
           <p:nvPr/>
-        </p:nvSpPr>
-        <p:spPr>
+        </p:nvPicPr>
+        <p:blipFill rotWithShape="1">
+          <a:blip r:embed="rId13">
+            <a:extLst>
+              <a:ext uri="{28A0092B-C50C-407E-A947-70E740481C1C}">
+                <a14:useLocalDpi xmlns:a14="http://schemas.microsoft.com/office/drawing/2010/main" val="0"/>
+              </a:ext>
+            </a:extLst>
+          </a:blip>
+          <a:srcRect t="1538" b="-1538"/>
+          <a:stretch/>
+        </p:blipFill>
+        <p:spPr bwMode="black">
           <a:xfrm>
-            <a:off x="0" y="6334316"/>
-            <a:ext cx="12192001" cy="65998"/>
+            <a:off x="0" y="6126480"/>
+            <a:ext cx="12192000" cy="742950"/>
           </a:xfrm>
           <a:prstGeom prst="rect">
             <a:avLst/>
           </a:prstGeom>
-          <a:solidFill>
-            <a:schemeClr val="accent1"/>
-          </a:solidFill>
-          <a:ln>
-            <a:noFill/>
-          </a:ln>
         </p:spPr>
-        <p:style>
-          <a:lnRef idx="2">
-            <a:schemeClr val="accent1">
-              <a:shade val="50000"/>
-            </a:schemeClr>
-          </a:lnRef>
-          <a:fillRef idx="1">
-            <a:schemeClr val="accent1"/>
-          </a:fillRef>
-          <a:effectRef idx="0">
-            <a:schemeClr val="accent1"/>
-          </a:effectRef>
-          <a:fontRef idx="minor">
-            <a:schemeClr val="lt1"/>
-          </a:fontRef>
-        </p:style>
-      </p:sp>
+      </p:pic>
       <p:sp>
         <p:nvSpPr>
           <p:cNvPr id="2" name="Title Placeholder 1"/>
@@ -3164,15 +3025,15 @@
         </p:nvSpPr>
         <p:spPr>
           <a:xfrm>
-            <a:off x="1097280" y="286603"/>
-            <a:ext cx="10058400" cy="1450757"/>
+            <a:off x="1451579" y="804519"/>
+            <a:ext cx="9603275" cy="1049235"/>
           </a:xfrm>
           <a:prstGeom prst="rect">
             <a:avLst/>
           </a:prstGeom>
         </p:spPr>
         <p:txBody>
-          <a:bodyPr vert="horz" lIns="91440" tIns="45720" rIns="91440" bIns="45720" rtlCol="0" anchor="b">
+          <a:bodyPr vert="horz" lIns="91440" tIns="45720" rIns="91440" bIns="45720" rtlCol="0" anchor="t">
             <a:normAutofit/>
           </a:bodyPr>
           <a:lstStyle/>
@@ -3197,53 +3058,52 @@
         </p:nvSpPr>
         <p:spPr>
           <a:xfrm>
-            <a:off x="1097280" y="1845734"/>
-            <a:ext cx="10058400" cy="4023360"/>
+            <a:off x="1451579" y="2015732"/>
+            <a:ext cx="9603275" cy="3450613"/>
           </a:xfrm>
           <a:prstGeom prst="rect">
             <a:avLst/>
           </a:prstGeom>
         </p:spPr>
         <p:txBody>
-          <a:bodyPr vert="horz" lIns="0" tIns="45720" rIns="0" bIns="45720" rtlCol="0">
+          <a:bodyPr vert="horz" lIns="91440" tIns="45720" rIns="91440" bIns="45720" rtlCol="0">
             <a:normAutofit/>
           </a:bodyPr>
           <a:lstStyle/>
           <a:p>
             <a:pPr lvl="0"/>
             <a:r>
-              <a:rPr lang="zh-CN" altLang="en-US"/>
-              <a:t>编辑母版文本样式</a:t>
+              <a:rPr lang="en-US" dirty="0"/>
+              <a:t>Edit Master text styles</a:t>
             </a:r>
           </a:p>
           <a:p>
             <a:pPr lvl="1"/>
             <a:r>
-              <a:rPr lang="zh-CN" altLang="en-US"/>
-              <a:t>第二级</a:t>
+              <a:rPr lang="en-US" dirty="0"/>
+              <a:t>Second level</a:t>
             </a:r>
           </a:p>
           <a:p>
             <a:pPr lvl="2"/>
             <a:r>
-              <a:rPr lang="zh-CN" altLang="en-US"/>
-              <a:t>第三级</a:t>
+              <a:rPr lang="en-US" dirty="0"/>
+              <a:t>Third level</a:t>
             </a:r>
           </a:p>
           <a:p>
             <a:pPr lvl="3"/>
             <a:r>
-              <a:rPr lang="zh-CN" altLang="en-US"/>
-              <a:t>第四级</a:t>
+              <a:rPr lang="en-US" dirty="0"/>
+              <a:t>Fourth level</a:t>
             </a:r>
           </a:p>
           <a:p>
             <a:pPr lvl="4"/>
             <a:r>
-              <a:rPr lang="zh-CN" altLang="en-US"/>
-              <a:t>第五级</a:t>
-            </a:r>
-            <a:endParaRPr lang="en-US" dirty="0"/>
+              <a:rPr lang="en-US" dirty="0"/>
+              <a:t>Fifth level</a:t>
+            </a:r>
           </a:p>
         </p:txBody>
       </p:sp>
@@ -3259,8 +3119,8 @@
         </p:nvSpPr>
         <p:spPr>
           <a:xfrm>
-            <a:off x="1097280" y="6459785"/>
-            <a:ext cx="2472271" cy="365125"/>
+            <a:off x="7554138" y="330370"/>
+            <a:ext cx="3500715" cy="309201"/>
           </a:xfrm>
           <a:prstGeom prst="rect">
             <a:avLst/>
@@ -3269,10 +3129,12 @@
         <p:txBody>
           <a:bodyPr vert="horz" lIns="91440" tIns="45720" rIns="91440" bIns="45720" rtlCol="0" anchor="ctr"/>
           <a:lstStyle>
-            <a:lvl1pPr algn="l">
-              <a:defRPr sz="900">
+            <a:lvl1pPr algn="r">
+              <a:defRPr sz="1000">
                 <a:solidFill>
-                  <a:srgbClr val="FFFFFF"/>
+                  <a:schemeClr val="tx1">
+                    <a:tint val="75000"/>
+                  </a:schemeClr>
                 </a:solidFill>
               </a:defRPr>
             </a:lvl1pPr>
@@ -3280,7 +3142,7 @@
           <a:p>
             <a:fld id="{CD4C7CB1-F3D1-44D9-8BCE-3B5093233591}" type="datetimeFigureOut">
               <a:rPr lang="zh-CN" altLang="en-US" smtClean="0"/>
-              <a:t>2018/12/2</a:t>
+              <a:t>2018/12/3</a:t>
             </a:fld>
             <a:endParaRPr lang="zh-CN" altLang="en-US"/>
           </a:p>
@@ -3298,8 +3160,8 @@
         </p:nvSpPr>
         <p:spPr>
           <a:xfrm>
-            <a:off x="3686185" y="6459785"/>
-            <a:ext cx="4822804" cy="365125"/>
+            <a:off x="1451579" y="329307"/>
+            <a:ext cx="5938836" cy="309201"/>
           </a:xfrm>
           <a:prstGeom prst="rect">
             <a:avLst/>
@@ -3308,10 +3170,12 @@
         <p:txBody>
           <a:bodyPr vert="horz" lIns="91440" tIns="45720" rIns="91440" bIns="45720" rtlCol="0" anchor="ctr"/>
           <a:lstStyle>
-            <a:lvl1pPr algn="ctr">
-              <a:defRPr sz="900" cap="all" baseline="0">
+            <a:lvl1pPr algn="l">
+              <a:defRPr sz="1000">
                 <a:solidFill>
-                  <a:srgbClr val="FFFFFF"/>
+                  <a:schemeClr val="tx1">
+                    <a:tint val="75000"/>
+                  </a:schemeClr>
                 </a:solidFill>
               </a:defRPr>
             </a:lvl1pPr>
@@ -3333,20 +3197,20 @@
         </p:nvSpPr>
         <p:spPr>
           <a:xfrm>
-            <a:off x="9900458" y="6459785"/>
-            <a:ext cx="1312025" cy="365125"/>
+            <a:off x="480060" y="798973"/>
+            <a:ext cx="811019" cy="503578"/>
           </a:xfrm>
           <a:prstGeom prst="rect">
             <a:avLst/>
           </a:prstGeom>
         </p:spPr>
         <p:txBody>
-          <a:bodyPr vert="horz" lIns="91440" tIns="45720" rIns="91440" bIns="45720" rtlCol="0" anchor="ctr"/>
+          <a:bodyPr vert="horz" lIns="91440" tIns="45720" rIns="91440" bIns="45720" rtlCol="0" anchor="t"/>
           <a:lstStyle>
             <a:lvl1pPr algn="r">
-              <a:defRPr sz="1050">
+              <a:defRPr sz="2800">
                 <a:solidFill>
-                  <a:srgbClr val="FFFFFF"/>
+                  <a:schemeClr val="accent1"/>
                 </a:solidFill>
               </a:defRPr>
             </a:lvl1pPr>
@@ -3368,18 +3232,17 @@
         </p:nvCxnSpPr>
         <p:spPr>
           <a:xfrm>
-            <a:off x="1193532" y="1737845"/>
-            <a:ext cx="9966960" cy="0"/>
+            <a:off x="0" y="6128413"/>
+            <a:ext cx="12192000" cy="0"/>
           </a:xfrm>
           <a:prstGeom prst="line">
             <a:avLst/>
           </a:prstGeom>
-          <a:ln w="6350">
+          <a:ln w="12700">
             <a:solidFill>
-              <a:schemeClr val="tx1">
-                <a:lumMod val="50000"/>
-                <a:lumOff val="50000"/>
-              </a:schemeClr>
+              <a:srgbClr val="000001">
+                <a:alpha val="20000"/>
+              </a:srgbClr>
             </a:solidFill>
           </a:ln>
         </p:spPr>
@@ -3401,41 +3264,39 @@
     </p:spTree>
     <p:extLst>
       <p:ext uri="{BB962C8B-B14F-4D97-AF65-F5344CB8AC3E}">
-        <p14:creationId xmlns:p14="http://schemas.microsoft.com/office/powerpoint/2010/main" val="1134161117"/>
+        <p14:creationId xmlns:p14="http://schemas.microsoft.com/office/powerpoint/2010/main" val="690053989"/>
       </p:ext>
     </p:extLst>
   </p:cSld>
   <p:clrMap bg1="lt1" tx1="dk1" bg2="lt2" tx2="dk2" accent1="accent1" accent2="accent2" accent3="accent3" accent4="accent4" accent5="accent5" accent6="accent6" hlink="hlink" folHlink="folHlink"/>
   <p:sldLayoutIdLst>
-    <p:sldLayoutId id="2147483661" r:id="rId1"/>
-    <p:sldLayoutId id="2147483662" r:id="rId2"/>
-    <p:sldLayoutId id="2147483663" r:id="rId3"/>
-    <p:sldLayoutId id="2147483664" r:id="rId4"/>
-    <p:sldLayoutId id="2147483665" r:id="rId5"/>
-    <p:sldLayoutId id="2147483666" r:id="rId6"/>
-    <p:sldLayoutId id="2147483667" r:id="rId7"/>
-    <p:sldLayoutId id="2147483668" r:id="rId8"/>
-    <p:sldLayoutId id="2147483669" r:id="rId9"/>
-    <p:sldLayoutId id="2147483670" r:id="rId10"/>
-    <p:sldLayoutId id="2147483671" r:id="rId11"/>
+    <p:sldLayoutId id="2147483870" r:id="rId1"/>
+    <p:sldLayoutId id="2147483871" r:id="rId2"/>
+    <p:sldLayoutId id="2147483872" r:id="rId3"/>
+    <p:sldLayoutId id="2147483873" r:id="rId4"/>
+    <p:sldLayoutId id="2147483874" r:id="rId5"/>
+    <p:sldLayoutId id="2147483875" r:id="rId6"/>
+    <p:sldLayoutId id="2147483876" r:id="rId7"/>
+    <p:sldLayoutId id="2147483877" r:id="rId8"/>
+    <p:sldLayoutId id="2147483878" r:id="rId9"/>
+    <p:sldLayoutId id="2147483879" r:id="rId10"/>
+    <p:sldLayoutId id="2147483880" r:id="rId11"/>
   </p:sldLayoutIdLst>
   <p:txStyles>
     <p:titleStyle>
       <a:lvl1pPr algn="l" defTabSz="914400" rtl="0" eaLnBrk="1" latinLnBrk="0" hangingPunct="1">
         <a:lnSpc>
-          <a:spcPct val="85000"/>
+          <a:spcPct val="90000"/>
         </a:lnSpc>
         <a:spcBef>
           <a:spcPct val="0"/>
         </a:spcBef>
         <a:buNone/>
-        <a:defRPr sz="4800" kern="1200" spc="-50" baseline="0">
+        <a:defRPr sz="3200" b="0" i="0" kern="1200" cap="all">
           <a:solidFill>
-            <a:schemeClr val="tx1">
-              <a:lumMod val="75000"/>
-              <a:lumOff val="25000"/>
-            </a:schemeClr>
+            <a:schemeClr val="tx1"/>
           </a:solidFill>
+          <a:effectLst/>
           <a:latin typeface="+mj-lt"/>
           <a:ea typeface="+mj-ea"/>
           <a:cs typeface="+mj-cs"/>
@@ -3443,245 +3304,208 @@
       </a:lvl1pPr>
     </p:titleStyle>
     <p:bodyStyle>
-      <a:lvl1pPr marL="91440" indent="-91440" algn="l" defTabSz="914400" rtl="0" eaLnBrk="1" latinLnBrk="0" hangingPunct="1">
+      <a:lvl1pPr marL="228600" indent="-228600" algn="l" defTabSz="914400" rtl="0" eaLnBrk="1" latinLnBrk="0" hangingPunct="1">
         <a:lnSpc>
-          <a:spcPct val="90000"/>
+          <a:spcPct val="120000"/>
         </a:lnSpc>
         <a:spcBef>
-          <a:spcPts val="1200"/>
+          <a:spcPts val="1000"/>
         </a:spcBef>
-        <a:spcAft>
-          <a:spcPts val="200"/>
-        </a:spcAft>
         <a:buClr>
           <a:schemeClr val="accent1"/>
         </a:buClr>
         <a:buSzPct val="100000"/>
-        <a:buFont typeface="Calibri" panose="020F0502020204030204" pitchFamily="34" charset="0"/>
-        <a:buChar char=" "/>
+        <a:buFont typeface="Arial" panose="020B0604020202020204" pitchFamily="34" charset="0"/>
+        <a:buChar char="•"/>
         <a:defRPr sz="2000" kern="1200">
           <a:solidFill>
-            <a:schemeClr val="tx1">
-              <a:lumMod val="75000"/>
-              <a:lumOff val="25000"/>
-            </a:schemeClr>
+            <a:schemeClr val="tx1"/>
           </a:solidFill>
+          <a:effectLst/>
           <a:latin typeface="+mn-lt"/>
           <a:ea typeface="+mn-ea"/>
           <a:cs typeface="+mn-cs"/>
         </a:defRPr>
       </a:lvl1pPr>
-      <a:lvl2pPr marL="384048" indent="-182880" algn="l" defTabSz="914400" rtl="0" eaLnBrk="1" latinLnBrk="0" hangingPunct="1">
+      <a:lvl2pPr marL="685800" indent="-228600" algn="l" defTabSz="914400" rtl="0" eaLnBrk="1" latinLnBrk="0" hangingPunct="1">
         <a:lnSpc>
-          <a:spcPct val="90000"/>
+          <a:spcPct val="120000"/>
         </a:lnSpc>
         <a:spcBef>
-          <a:spcPts val="200"/>
+          <a:spcPts val="500"/>
         </a:spcBef>
-        <a:spcAft>
-          <a:spcPts val="400"/>
-        </a:spcAft>
         <a:buClr>
           <a:schemeClr val="accent1"/>
         </a:buClr>
-        <a:buFont typeface="Calibri" pitchFamily="34" charset="0"/>
-        <a:buChar char="◦"/>
-        <a:defRPr sz="1800" kern="1200">
+        <a:buSzPct val="100000"/>
+        <a:buFont typeface="Arial" panose="020B0604020202020204" pitchFamily="34" charset="0"/>
+        <a:buChar char="•"/>
+        <a:defRPr sz="1800" kern="1200" cap="none" baseline="0">
           <a:solidFill>
-            <a:schemeClr val="tx1">
-              <a:lumMod val="75000"/>
-              <a:lumOff val="25000"/>
-            </a:schemeClr>
+            <a:schemeClr val="tx1"/>
           </a:solidFill>
+          <a:effectLst/>
           <a:latin typeface="+mn-lt"/>
           <a:ea typeface="+mn-ea"/>
           <a:cs typeface="+mn-cs"/>
         </a:defRPr>
       </a:lvl2pPr>
-      <a:lvl3pPr marL="566928" indent="-182880" algn="l" defTabSz="914400" rtl="0" eaLnBrk="1" latinLnBrk="0" hangingPunct="1">
+      <a:lvl3pPr marL="1143000" indent="-228600" algn="l" defTabSz="914400" rtl="0" eaLnBrk="1" latinLnBrk="0" hangingPunct="1">
         <a:lnSpc>
-          <a:spcPct val="90000"/>
+          <a:spcPct val="120000"/>
         </a:lnSpc>
         <a:spcBef>
-          <a:spcPts val="200"/>
+          <a:spcPts val="500"/>
         </a:spcBef>
-        <a:spcAft>
-          <a:spcPts val="400"/>
-        </a:spcAft>
         <a:buClr>
           <a:schemeClr val="accent1"/>
         </a:buClr>
-        <a:buFont typeface="Calibri" pitchFamily="34" charset="0"/>
-        <a:buChar char="◦"/>
-        <a:defRPr sz="1400" kern="1200">
+        <a:buSzPct val="100000"/>
+        <a:buFont typeface="Arial" panose="020B0604020202020204" pitchFamily="34" charset="0"/>
+        <a:buChar char="•"/>
+        <a:defRPr sz="1600" kern="1200">
           <a:solidFill>
-            <a:schemeClr val="tx1">
-              <a:lumMod val="75000"/>
-              <a:lumOff val="25000"/>
-            </a:schemeClr>
+            <a:schemeClr val="tx1"/>
           </a:solidFill>
+          <a:effectLst/>
           <a:latin typeface="+mn-lt"/>
           <a:ea typeface="+mn-ea"/>
           <a:cs typeface="+mn-cs"/>
         </a:defRPr>
       </a:lvl3pPr>
-      <a:lvl4pPr marL="749808" indent="-182880" algn="l" defTabSz="914400" rtl="0" eaLnBrk="1" latinLnBrk="0" hangingPunct="1">
+      <a:lvl4pPr marL="1600200" indent="-228600" algn="l" defTabSz="914400" rtl="0" eaLnBrk="1" latinLnBrk="0" hangingPunct="1">
         <a:lnSpc>
-          <a:spcPct val="90000"/>
+          <a:spcPct val="120000"/>
         </a:lnSpc>
         <a:spcBef>
-          <a:spcPts val="200"/>
+          <a:spcPts val="500"/>
         </a:spcBef>
-        <a:spcAft>
-          <a:spcPts val="400"/>
-        </a:spcAft>
         <a:buClr>
           <a:schemeClr val="accent1"/>
         </a:buClr>
-        <a:buFont typeface="Calibri" pitchFamily="34" charset="0"/>
-        <a:buChar char="◦"/>
-        <a:defRPr sz="1400" kern="1200">
+        <a:buSzPct val="100000"/>
+        <a:buFont typeface="Arial" panose="020B0604020202020204" pitchFamily="34" charset="0"/>
+        <a:buChar char="•"/>
+        <a:defRPr sz="1400" kern="1200" cap="none" baseline="0">
           <a:solidFill>
-            <a:schemeClr val="tx1">
-              <a:lumMod val="75000"/>
-              <a:lumOff val="25000"/>
-            </a:schemeClr>
+            <a:schemeClr val="tx1"/>
           </a:solidFill>
+          <a:effectLst/>
           <a:latin typeface="+mn-lt"/>
           <a:ea typeface="+mn-ea"/>
           <a:cs typeface="+mn-cs"/>
         </a:defRPr>
       </a:lvl4pPr>
-      <a:lvl5pPr marL="932688" indent="-182880" algn="l" defTabSz="914400" rtl="0" eaLnBrk="1" latinLnBrk="0" hangingPunct="1">
+      <a:lvl5pPr marL="2057400" indent="-228600" algn="l" defTabSz="914400" rtl="0" eaLnBrk="1" latinLnBrk="0" hangingPunct="1">
         <a:lnSpc>
-          <a:spcPct val="90000"/>
+          <a:spcPct val="120000"/>
         </a:lnSpc>
         <a:spcBef>
-          <a:spcPts val="200"/>
+          <a:spcPts val="500"/>
         </a:spcBef>
-        <a:spcAft>
-          <a:spcPts val="400"/>
-        </a:spcAft>
         <a:buClr>
           <a:schemeClr val="accent1"/>
         </a:buClr>
-        <a:buFont typeface="Calibri" pitchFamily="34" charset="0"/>
-        <a:buChar char="◦"/>
-        <a:defRPr sz="1400" kern="1200">
+        <a:buSzPct val="100000"/>
+        <a:buFont typeface="Arial" panose="020B0604020202020204" pitchFamily="34" charset="0"/>
+        <a:buChar char="•"/>
+        <a:defRPr sz="1200" kern="1200">
           <a:solidFill>
-            <a:schemeClr val="tx1">
-              <a:lumMod val="75000"/>
-              <a:lumOff val="25000"/>
-            </a:schemeClr>
+            <a:schemeClr val="tx1"/>
           </a:solidFill>
+          <a:effectLst/>
           <a:latin typeface="+mn-lt"/>
           <a:ea typeface="+mn-ea"/>
           <a:cs typeface="+mn-cs"/>
         </a:defRPr>
       </a:lvl5pPr>
-      <a:lvl6pPr marL="1100000" indent="-228600" algn="l" defTabSz="914400" rtl="0" eaLnBrk="1" latinLnBrk="0" hangingPunct="1">
+      <a:lvl6pPr marL="2514600" indent="-228600" algn="l" defTabSz="914400" rtl="0" eaLnBrk="1" latinLnBrk="0" hangingPunct="1">
         <a:lnSpc>
-          <a:spcPct val="90000"/>
+          <a:spcPct val="120000"/>
         </a:lnSpc>
         <a:spcBef>
-          <a:spcPts val="200"/>
+          <a:spcPts val="500"/>
         </a:spcBef>
-        <a:spcAft>
-          <a:spcPts val="400"/>
-        </a:spcAft>
         <a:buClr>
           <a:schemeClr val="accent1"/>
         </a:buClr>
-        <a:buFont typeface="Calibri" pitchFamily="34" charset="0"/>
-        <a:buChar char="◦"/>
-        <a:defRPr sz="1400" kern="1200">
+        <a:buSzPct val="100000"/>
+        <a:buFont typeface="Arial" panose="020B0604020202020204" pitchFamily="34" charset="0"/>
+        <a:buChar char="•"/>
+        <a:defRPr sz="1200" kern="1200">
           <a:solidFill>
-            <a:schemeClr val="tx1">
-              <a:lumMod val="75000"/>
-              <a:lumOff val="25000"/>
-            </a:schemeClr>
+            <a:schemeClr val="tx1"/>
           </a:solidFill>
+          <a:effectLst/>
           <a:latin typeface="+mn-lt"/>
           <a:ea typeface="+mn-ea"/>
           <a:cs typeface="+mn-cs"/>
         </a:defRPr>
       </a:lvl6pPr>
-      <a:lvl7pPr marL="1300000" indent="-228600" algn="l" defTabSz="914400" rtl="0" eaLnBrk="1" latinLnBrk="0" hangingPunct="1">
+      <a:lvl7pPr marL="2971800" indent="-228600" algn="l" defTabSz="914400" rtl="0" eaLnBrk="1" latinLnBrk="0" hangingPunct="1">
         <a:lnSpc>
-          <a:spcPct val="90000"/>
+          <a:spcPct val="120000"/>
         </a:lnSpc>
         <a:spcBef>
-          <a:spcPts val="200"/>
+          <a:spcPts val="500"/>
         </a:spcBef>
-        <a:spcAft>
-          <a:spcPts val="400"/>
-        </a:spcAft>
         <a:buClr>
           <a:schemeClr val="accent1"/>
         </a:buClr>
-        <a:buFont typeface="Calibri" pitchFamily="34" charset="0"/>
-        <a:buChar char="◦"/>
-        <a:defRPr sz="1400" kern="1200">
+        <a:buSzPct val="100000"/>
+        <a:buFont typeface="Arial" panose="020B0604020202020204" pitchFamily="34" charset="0"/>
+        <a:buChar char="•"/>
+        <a:defRPr sz="1200" kern="1200">
           <a:solidFill>
-            <a:schemeClr val="tx1">
-              <a:lumMod val="75000"/>
-              <a:lumOff val="25000"/>
-            </a:schemeClr>
+            <a:schemeClr val="tx1"/>
           </a:solidFill>
+          <a:effectLst/>
           <a:latin typeface="+mn-lt"/>
           <a:ea typeface="+mn-ea"/>
           <a:cs typeface="+mn-cs"/>
         </a:defRPr>
       </a:lvl7pPr>
-      <a:lvl8pPr marL="1500000" indent="-228600" algn="l" defTabSz="914400" rtl="0" eaLnBrk="1" latinLnBrk="0" hangingPunct="1">
+      <a:lvl8pPr marL="3429000" indent="-228600" algn="l" defTabSz="914400" rtl="0" eaLnBrk="1" latinLnBrk="0" hangingPunct="1">
         <a:lnSpc>
-          <a:spcPct val="90000"/>
+          <a:spcPct val="120000"/>
         </a:lnSpc>
         <a:spcBef>
-          <a:spcPts val="200"/>
+          <a:spcPts val="500"/>
         </a:spcBef>
-        <a:spcAft>
-          <a:spcPts val="400"/>
-        </a:spcAft>
         <a:buClr>
           <a:schemeClr val="accent1"/>
         </a:buClr>
-        <a:buFont typeface="Calibri" pitchFamily="34" charset="0"/>
-        <a:buChar char="◦"/>
-        <a:defRPr sz="1400" kern="1200">
+        <a:buSzPct val="100000"/>
+        <a:buFont typeface="Arial" panose="020B0604020202020204" pitchFamily="34" charset="0"/>
+        <a:buChar char="•"/>
+        <a:defRPr sz="1200" kern="1200" baseline="0">
           <a:solidFill>
-            <a:schemeClr val="tx1">
-              <a:lumMod val="75000"/>
-              <a:lumOff val="25000"/>
-            </a:schemeClr>
+            <a:schemeClr val="tx1"/>
           </a:solidFill>
+          <a:effectLst/>
           <a:latin typeface="+mn-lt"/>
           <a:ea typeface="+mn-ea"/>
           <a:cs typeface="+mn-cs"/>
         </a:defRPr>
       </a:lvl8pPr>
-      <a:lvl9pPr marL="1700000" indent="-228600" algn="l" defTabSz="914400" rtl="0" eaLnBrk="1" latinLnBrk="0" hangingPunct="1">
+      <a:lvl9pPr marL="3886200" indent="-228600" algn="l" defTabSz="914400" rtl="0" eaLnBrk="1" latinLnBrk="0" hangingPunct="1">
         <a:lnSpc>
-          <a:spcPct val="90000"/>
+          <a:spcPct val="120000"/>
         </a:lnSpc>
         <a:spcBef>
-          <a:spcPts val="200"/>
+          <a:spcPts val="500"/>
         </a:spcBef>
-        <a:spcAft>
-          <a:spcPts val="400"/>
-        </a:spcAft>
         <a:buClr>
           <a:schemeClr val="accent1"/>
         </a:buClr>
-        <a:buFont typeface="Calibri" pitchFamily="34" charset="0"/>
-        <a:buChar char="◦"/>
-        <a:defRPr sz="1400" kern="1200">
+        <a:buSzPct val="100000"/>
+        <a:buFont typeface="Arial" panose="020B0604020202020204" pitchFamily="34" charset="0"/>
+        <a:buChar char="•"/>
+        <a:defRPr sz="1200" kern="1200" baseline="0">
           <a:solidFill>
-            <a:schemeClr val="tx1">
-              <a:lumMod val="75000"/>
-              <a:lumOff val="25000"/>
-            </a:schemeClr>
+            <a:schemeClr val="tx1"/>
           </a:solidFill>
+          <a:effectLst/>
           <a:latin typeface="+mn-lt"/>
           <a:ea typeface="+mn-ea"/>
           <a:cs typeface="+mn-cs"/>
@@ -3870,55 +3694,3130 @@
 </p:sld>
 </file>
 
+<file path=ppt/slides/slide2.xml><?xml version="1.0" encoding="utf-8"?>
+<p:sld xmlns:a="http://schemas.openxmlformats.org/drawingml/2006/main" xmlns:r="http://schemas.openxmlformats.org/officeDocument/2006/relationships" xmlns:p="http://schemas.openxmlformats.org/presentationml/2006/main">
+  <p:cSld>
+    <p:spTree>
+      <p:nvGrpSpPr>
+        <p:cNvPr id="1" name=""/>
+        <p:cNvGrpSpPr/>
+        <p:nvPr/>
+      </p:nvGrpSpPr>
+      <p:grpSpPr>
+        <a:xfrm>
+          <a:off x="0" y="0"/>
+          <a:ext cx="0" cy="0"/>
+          <a:chOff x="0" y="0"/>
+          <a:chExt cx="0" cy="0"/>
+        </a:xfrm>
+      </p:grpSpPr>
+      <p:sp>
+        <p:nvSpPr>
+          <p:cNvPr id="2" name="标题 1">
+            <a:extLst>
+              <a:ext uri="{FF2B5EF4-FFF2-40B4-BE49-F238E27FC236}">
+                <a16:creationId xmlns:a16="http://schemas.microsoft.com/office/drawing/2014/main" id="{A6CDBA2C-930C-4344-8B62-6E86E630FCB2}"/>
+              </a:ext>
+            </a:extLst>
+          </p:cNvPr>
+          <p:cNvSpPr>
+            <a:spLocks noGrp="1"/>
+          </p:cNvSpPr>
+          <p:nvPr>
+            <p:ph type="title"/>
+          </p:nvPr>
+        </p:nvSpPr>
+        <p:spPr>
+          <a:xfrm>
+            <a:off x="1451579" y="804519"/>
+            <a:ext cx="9603275" cy="1049235"/>
+          </a:xfrm>
+        </p:spPr>
+        <p:txBody>
+          <a:bodyPr/>
+          <a:lstStyle/>
+          <a:p>
+            <a:r>
+              <a:rPr lang="zh-CN" altLang="en-US" b="1" dirty="0"/>
+              <a:t>几种简单的寻路算法</a:t>
+            </a:r>
+          </a:p>
+        </p:txBody>
+      </p:sp>
+      <p:sp>
+        <p:nvSpPr>
+          <p:cNvPr id="7" name="文本框 6">
+            <a:extLst>
+              <a:ext uri="{FF2B5EF4-FFF2-40B4-BE49-F238E27FC236}">
+                <a16:creationId xmlns:a16="http://schemas.microsoft.com/office/drawing/2014/main" id="{E15EA81D-F5E9-43CC-8669-C522016E7943}"/>
+              </a:ext>
+            </a:extLst>
+          </p:cNvPr>
+          <p:cNvSpPr txBox="1"/>
+          <p:nvPr/>
+        </p:nvSpPr>
+        <p:spPr>
+          <a:xfrm>
+            <a:off x="1534885" y="4459906"/>
+            <a:ext cx="5447210" cy="461665"/>
+          </a:xfrm>
+          <a:prstGeom prst="rect">
+            <a:avLst/>
+          </a:prstGeom>
+          <a:noFill/>
+        </p:spPr>
+        <p:txBody>
+          <a:bodyPr wrap="square" rtlCol="0">
+            <a:spAutoFit/>
+          </a:bodyPr>
+          <a:lstStyle/>
+          <a:p>
+            <a:pPr algn="just"/>
+            <a:r>
+              <a:rPr lang="zh-CN" altLang="en-US" sz="2400" dirty="0"/>
+              <a:t>四、</a:t>
+            </a:r>
+            <a:r>
+              <a:rPr lang="en-US" altLang="zh-CN" sz="2400" dirty="0"/>
+              <a:t>A*</a:t>
+            </a:r>
+            <a:r>
+              <a:rPr lang="zh-CN" altLang="en-US" sz="2400" dirty="0"/>
+              <a:t>寻路算法</a:t>
+            </a:r>
+          </a:p>
+        </p:txBody>
+      </p:sp>
+      <p:sp>
+        <p:nvSpPr>
+          <p:cNvPr id="8" name="文本框 7">
+            <a:extLst>
+              <a:ext uri="{FF2B5EF4-FFF2-40B4-BE49-F238E27FC236}">
+                <a16:creationId xmlns:a16="http://schemas.microsoft.com/office/drawing/2014/main" id="{9CF0BD1E-7829-48FB-B88A-C1FFE9AF4DB7}"/>
+              </a:ext>
+            </a:extLst>
+          </p:cNvPr>
+          <p:cNvSpPr txBox="1"/>
+          <p:nvPr/>
+        </p:nvSpPr>
+        <p:spPr>
+          <a:xfrm>
+            <a:off x="1534885" y="2235522"/>
+            <a:ext cx="7798525" cy="461665"/>
+          </a:xfrm>
+          <a:prstGeom prst="rect">
+            <a:avLst/>
+          </a:prstGeom>
+          <a:noFill/>
+        </p:spPr>
+        <p:txBody>
+          <a:bodyPr wrap="square" rtlCol="0">
+            <a:spAutoFit/>
+          </a:bodyPr>
+          <a:lstStyle/>
+          <a:p>
+            <a:pPr algn="just"/>
+            <a:r>
+              <a:rPr lang="zh-CN" altLang="en-US" sz="2400" dirty="0"/>
+              <a:t>一、深度优先搜索</a:t>
+            </a:r>
+            <a:r>
+              <a:rPr lang="en-US" altLang="zh-CN" sz="2400" dirty="0"/>
+              <a:t>(DFS)</a:t>
+            </a:r>
+            <a:r>
+              <a:rPr lang="zh-CN" altLang="en-US" sz="2400" dirty="0"/>
+              <a:t>寻路</a:t>
+            </a:r>
+          </a:p>
+        </p:txBody>
+      </p:sp>
+      <p:sp>
+        <p:nvSpPr>
+          <p:cNvPr id="9" name="文本框 8">
+            <a:extLst>
+              <a:ext uri="{FF2B5EF4-FFF2-40B4-BE49-F238E27FC236}">
+                <a16:creationId xmlns:a16="http://schemas.microsoft.com/office/drawing/2014/main" id="{DA4283B1-7D50-42FF-990A-772B45103863}"/>
+              </a:ext>
+            </a:extLst>
+          </p:cNvPr>
+          <p:cNvSpPr txBox="1"/>
+          <p:nvPr/>
+        </p:nvSpPr>
+        <p:spPr>
+          <a:xfrm>
+            <a:off x="1534885" y="3003104"/>
+            <a:ext cx="6622868" cy="461665"/>
+          </a:xfrm>
+          <a:prstGeom prst="rect">
+            <a:avLst/>
+          </a:prstGeom>
+          <a:noFill/>
+        </p:spPr>
+        <p:txBody>
+          <a:bodyPr wrap="square" rtlCol="0">
+            <a:spAutoFit/>
+          </a:bodyPr>
+          <a:lstStyle/>
+          <a:p>
+            <a:pPr algn="just"/>
+            <a:r>
+              <a:rPr lang="zh-CN" altLang="en-US" sz="2400" dirty="0"/>
+              <a:t>二、广度优先搜索</a:t>
+            </a:r>
+            <a:r>
+              <a:rPr lang="en-US" altLang="zh-CN" sz="2400" dirty="0"/>
+              <a:t>(BFS)</a:t>
+            </a:r>
+            <a:r>
+              <a:rPr lang="zh-CN" altLang="en-US" sz="2400" dirty="0"/>
+              <a:t>寻路</a:t>
+            </a:r>
+          </a:p>
+        </p:txBody>
+      </p:sp>
+      <p:sp>
+        <p:nvSpPr>
+          <p:cNvPr id="10" name="文本框 9">
+            <a:extLst>
+              <a:ext uri="{FF2B5EF4-FFF2-40B4-BE49-F238E27FC236}">
+                <a16:creationId xmlns:a16="http://schemas.microsoft.com/office/drawing/2014/main" id="{7ED3E2DF-0052-42AD-A6A4-70A2A9684FB8}"/>
+              </a:ext>
+            </a:extLst>
+          </p:cNvPr>
+          <p:cNvSpPr txBox="1"/>
+          <p:nvPr/>
+        </p:nvSpPr>
+        <p:spPr>
+          <a:xfrm>
+            <a:off x="1534885" y="3727040"/>
+            <a:ext cx="6714310" cy="461665"/>
+          </a:xfrm>
+          <a:prstGeom prst="rect">
+            <a:avLst/>
+          </a:prstGeom>
+          <a:noFill/>
+        </p:spPr>
+        <p:txBody>
+          <a:bodyPr wrap="square" rtlCol="0">
+            <a:spAutoFit/>
+          </a:bodyPr>
+          <a:lstStyle/>
+          <a:p>
+            <a:pPr algn="just"/>
+            <a:r>
+              <a:rPr lang="zh-CN" altLang="en-US" sz="2400" dirty="0"/>
+              <a:t>三、</a:t>
+            </a:r>
+            <a:r>
+              <a:rPr lang="en-US" altLang="zh-CN" sz="2400" dirty="0"/>
+              <a:t>Dijkstra</a:t>
+            </a:r>
+            <a:r>
+              <a:rPr lang="zh-CN" altLang="en-US" sz="2400" dirty="0"/>
+              <a:t>寻路算法</a:t>
+            </a:r>
+          </a:p>
+        </p:txBody>
+      </p:sp>
+    </p:spTree>
+    <p:extLst>
+      <p:ext uri="{BB962C8B-B14F-4D97-AF65-F5344CB8AC3E}">
+        <p14:creationId xmlns:p14="http://schemas.microsoft.com/office/powerpoint/2010/main" val="1401404168"/>
+      </p:ext>
+    </p:extLst>
+  </p:cSld>
+  <p:clrMapOvr>
+    <a:masterClrMapping/>
+  </p:clrMapOvr>
+  <p:timing>
+    <p:tnLst>
+      <p:par>
+        <p:cTn id="1" dur="indefinite" restart="never" nodeType="tmRoot">
+          <p:childTnLst>
+            <p:seq concurrent="1" nextAc="seek">
+              <p:cTn id="2" dur="indefinite" nodeType="mainSeq">
+                <p:childTnLst>
+                  <p:par>
+                    <p:cTn id="3" fill="hold">
+                      <p:stCondLst>
+                        <p:cond delay="indefinite"/>
+                      </p:stCondLst>
+                      <p:childTnLst>
+                        <p:par>
+                          <p:cTn id="4" fill="hold">
+                            <p:stCondLst>
+                              <p:cond delay="0"/>
+                            </p:stCondLst>
+                            <p:childTnLst>
+                              <p:par>
+                                <p:cTn id="5" presetID="42" presetClass="entr" presetSubtype="0" fill="hold" grpId="0" nodeType="clickEffect">
+                                  <p:stCondLst>
+                                    <p:cond delay="0"/>
+                                  </p:stCondLst>
+                                  <p:childTnLst>
+                                    <p:set>
+                                      <p:cBhvr>
+                                        <p:cTn id="6" dur="1" fill="hold">
+                                          <p:stCondLst>
+                                            <p:cond delay="0"/>
+                                          </p:stCondLst>
+                                        </p:cTn>
+                                        <p:tgtEl>
+                                          <p:spTgt spid="2"/>
+                                        </p:tgtEl>
+                                        <p:attrNameLst>
+                                          <p:attrName>style.visibility</p:attrName>
+                                        </p:attrNameLst>
+                                      </p:cBhvr>
+                                      <p:to>
+                                        <p:strVal val="visible"/>
+                                      </p:to>
+                                    </p:set>
+                                    <p:animEffect transition="in" filter="fade">
+                                      <p:cBhvr>
+                                        <p:cTn id="7" dur="1000"/>
+                                        <p:tgtEl>
+                                          <p:spTgt spid="2"/>
+                                        </p:tgtEl>
+                                      </p:cBhvr>
+                                    </p:animEffect>
+                                    <p:anim calcmode="lin" valueType="num">
+                                      <p:cBhvr>
+                                        <p:cTn id="8" dur="1000" fill="hold"/>
+                                        <p:tgtEl>
+                                          <p:spTgt spid="2"/>
+                                        </p:tgtEl>
+                                        <p:attrNameLst>
+                                          <p:attrName>ppt_x</p:attrName>
+                                        </p:attrNameLst>
+                                      </p:cBhvr>
+                                      <p:tavLst>
+                                        <p:tav tm="0">
+                                          <p:val>
+                                            <p:strVal val="#ppt_x"/>
+                                          </p:val>
+                                        </p:tav>
+                                        <p:tav tm="100000">
+                                          <p:val>
+                                            <p:strVal val="#ppt_x"/>
+                                          </p:val>
+                                        </p:tav>
+                                      </p:tavLst>
+                                    </p:anim>
+                                    <p:anim calcmode="lin" valueType="num">
+                                      <p:cBhvr>
+                                        <p:cTn id="9" dur="1000" fill="hold"/>
+                                        <p:tgtEl>
+                                          <p:spTgt spid="2"/>
+                                        </p:tgtEl>
+                                        <p:attrNameLst>
+                                          <p:attrName>ppt_y</p:attrName>
+                                        </p:attrNameLst>
+                                      </p:cBhvr>
+                                      <p:tavLst>
+                                        <p:tav tm="0">
+                                          <p:val>
+                                            <p:strVal val="#ppt_y+.1"/>
+                                          </p:val>
+                                        </p:tav>
+                                        <p:tav tm="100000">
+                                          <p:val>
+                                            <p:strVal val="#ppt_y"/>
+                                          </p:val>
+                                        </p:tav>
+                                      </p:tavLst>
+                                    </p:anim>
+                                  </p:childTnLst>
+                                </p:cTn>
+                              </p:par>
+                            </p:childTnLst>
+                          </p:cTn>
+                        </p:par>
+                      </p:childTnLst>
+                    </p:cTn>
+                  </p:par>
+                  <p:par>
+                    <p:cTn id="10" fill="hold">
+                      <p:stCondLst>
+                        <p:cond delay="indefinite"/>
+                      </p:stCondLst>
+                      <p:childTnLst>
+                        <p:par>
+                          <p:cTn id="11" fill="hold">
+                            <p:stCondLst>
+                              <p:cond delay="0"/>
+                            </p:stCondLst>
+                            <p:childTnLst>
+                              <p:par>
+                                <p:cTn id="12" presetID="10" presetClass="entr" presetSubtype="0" fill="hold" grpId="0" nodeType="clickEffect">
+                                  <p:stCondLst>
+                                    <p:cond delay="0"/>
+                                  </p:stCondLst>
+                                  <p:childTnLst>
+                                    <p:set>
+                                      <p:cBhvr>
+                                        <p:cTn id="13" dur="1" fill="hold">
+                                          <p:stCondLst>
+                                            <p:cond delay="0"/>
+                                          </p:stCondLst>
+                                        </p:cTn>
+                                        <p:tgtEl>
+                                          <p:spTgt spid="8"/>
+                                        </p:tgtEl>
+                                        <p:attrNameLst>
+                                          <p:attrName>style.visibility</p:attrName>
+                                        </p:attrNameLst>
+                                      </p:cBhvr>
+                                      <p:to>
+                                        <p:strVal val="visible"/>
+                                      </p:to>
+                                    </p:set>
+                                    <p:animEffect transition="in" filter="fade">
+                                      <p:cBhvr>
+                                        <p:cTn id="14" dur="500"/>
+                                        <p:tgtEl>
+                                          <p:spTgt spid="8"/>
+                                        </p:tgtEl>
+                                      </p:cBhvr>
+                                    </p:animEffect>
+                                  </p:childTnLst>
+                                </p:cTn>
+                              </p:par>
+                            </p:childTnLst>
+                          </p:cTn>
+                        </p:par>
+                      </p:childTnLst>
+                    </p:cTn>
+                  </p:par>
+                  <p:par>
+                    <p:cTn id="15" fill="hold">
+                      <p:stCondLst>
+                        <p:cond delay="indefinite"/>
+                      </p:stCondLst>
+                      <p:childTnLst>
+                        <p:par>
+                          <p:cTn id="16" fill="hold">
+                            <p:stCondLst>
+                              <p:cond delay="0"/>
+                            </p:stCondLst>
+                            <p:childTnLst>
+                              <p:par>
+                                <p:cTn id="17" presetID="10" presetClass="entr" presetSubtype="0" fill="hold" grpId="0" nodeType="clickEffect">
+                                  <p:stCondLst>
+                                    <p:cond delay="0"/>
+                                  </p:stCondLst>
+                                  <p:childTnLst>
+                                    <p:set>
+                                      <p:cBhvr>
+                                        <p:cTn id="18" dur="1" fill="hold">
+                                          <p:stCondLst>
+                                            <p:cond delay="0"/>
+                                          </p:stCondLst>
+                                        </p:cTn>
+                                        <p:tgtEl>
+                                          <p:spTgt spid="9"/>
+                                        </p:tgtEl>
+                                        <p:attrNameLst>
+                                          <p:attrName>style.visibility</p:attrName>
+                                        </p:attrNameLst>
+                                      </p:cBhvr>
+                                      <p:to>
+                                        <p:strVal val="visible"/>
+                                      </p:to>
+                                    </p:set>
+                                    <p:animEffect transition="in" filter="fade">
+                                      <p:cBhvr>
+                                        <p:cTn id="19" dur="500"/>
+                                        <p:tgtEl>
+                                          <p:spTgt spid="9"/>
+                                        </p:tgtEl>
+                                      </p:cBhvr>
+                                    </p:animEffect>
+                                  </p:childTnLst>
+                                </p:cTn>
+                              </p:par>
+                            </p:childTnLst>
+                          </p:cTn>
+                        </p:par>
+                      </p:childTnLst>
+                    </p:cTn>
+                  </p:par>
+                  <p:par>
+                    <p:cTn id="20" fill="hold">
+                      <p:stCondLst>
+                        <p:cond delay="indefinite"/>
+                      </p:stCondLst>
+                      <p:childTnLst>
+                        <p:par>
+                          <p:cTn id="21" fill="hold">
+                            <p:stCondLst>
+                              <p:cond delay="0"/>
+                            </p:stCondLst>
+                            <p:childTnLst>
+                              <p:par>
+                                <p:cTn id="22" presetID="10" presetClass="entr" presetSubtype="0" fill="hold" grpId="0" nodeType="clickEffect">
+                                  <p:stCondLst>
+                                    <p:cond delay="0"/>
+                                  </p:stCondLst>
+                                  <p:childTnLst>
+                                    <p:set>
+                                      <p:cBhvr>
+                                        <p:cTn id="23" dur="1" fill="hold">
+                                          <p:stCondLst>
+                                            <p:cond delay="0"/>
+                                          </p:stCondLst>
+                                        </p:cTn>
+                                        <p:tgtEl>
+                                          <p:spTgt spid="10"/>
+                                        </p:tgtEl>
+                                        <p:attrNameLst>
+                                          <p:attrName>style.visibility</p:attrName>
+                                        </p:attrNameLst>
+                                      </p:cBhvr>
+                                      <p:to>
+                                        <p:strVal val="visible"/>
+                                      </p:to>
+                                    </p:set>
+                                    <p:animEffect transition="in" filter="fade">
+                                      <p:cBhvr>
+                                        <p:cTn id="24" dur="500"/>
+                                        <p:tgtEl>
+                                          <p:spTgt spid="10"/>
+                                        </p:tgtEl>
+                                      </p:cBhvr>
+                                    </p:animEffect>
+                                  </p:childTnLst>
+                                </p:cTn>
+                              </p:par>
+                            </p:childTnLst>
+                          </p:cTn>
+                        </p:par>
+                      </p:childTnLst>
+                    </p:cTn>
+                  </p:par>
+                  <p:par>
+                    <p:cTn id="25" fill="hold">
+                      <p:stCondLst>
+                        <p:cond delay="indefinite"/>
+                      </p:stCondLst>
+                      <p:childTnLst>
+                        <p:par>
+                          <p:cTn id="26" fill="hold">
+                            <p:stCondLst>
+                              <p:cond delay="0"/>
+                            </p:stCondLst>
+                            <p:childTnLst>
+                              <p:par>
+                                <p:cTn id="27" presetID="10" presetClass="entr" presetSubtype="0" fill="hold" grpId="0" nodeType="clickEffect">
+                                  <p:stCondLst>
+                                    <p:cond delay="0"/>
+                                  </p:stCondLst>
+                                  <p:childTnLst>
+                                    <p:set>
+                                      <p:cBhvr>
+                                        <p:cTn id="28" dur="1" fill="hold">
+                                          <p:stCondLst>
+                                            <p:cond delay="0"/>
+                                          </p:stCondLst>
+                                        </p:cTn>
+                                        <p:tgtEl>
+                                          <p:spTgt spid="7"/>
+                                        </p:tgtEl>
+                                        <p:attrNameLst>
+                                          <p:attrName>style.visibility</p:attrName>
+                                        </p:attrNameLst>
+                                      </p:cBhvr>
+                                      <p:to>
+                                        <p:strVal val="visible"/>
+                                      </p:to>
+                                    </p:set>
+                                    <p:animEffect transition="in" filter="fade">
+                                      <p:cBhvr>
+                                        <p:cTn id="29" dur="500"/>
+                                        <p:tgtEl>
+                                          <p:spTgt spid="7"/>
+                                        </p:tgtEl>
+                                      </p:cBhvr>
+                                    </p:animEffect>
+                                  </p:childTnLst>
+                                </p:cTn>
+                              </p:par>
+                            </p:childTnLst>
+                          </p:cTn>
+                        </p:par>
+                      </p:childTnLst>
+                    </p:cTn>
+                  </p:par>
+                </p:childTnLst>
+              </p:cTn>
+              <p:prevCondLst>
+                <p:cond evt="onPrev" delay="0">
+                  <p:tgtEl>
+                    <p:sldTgt/>
+                  </p:tgtEl>
+                </p:cond>
+              </p:prevCondLst>
+              <p:nextCondLst>
+                <p:cond evt="onNext" delay="0">
+                  <p:tgtEl>
+                    <p:sldTgt/>
+                  </p:tgtEl>
+                </p:cond>
+              </p:nextCondLst>
+            </p:seq>
+          </p:childTnLst>
+        </p:cTn>
+      </p:par>
+    </p:tnLst>
+    <p:bldLst>
+      <p:bldP spid="2" grpId="0"/>
+      <p:bldP spid="7" grpId="0"/>
+      <p:bldP spid="8" grpId="0"/>
+      <p:bldP spid="9" grpId="0"/>
+      <p:bldP spid="10" grpId="0"/>
+    </p:bldLst>
+  </p:timing>
+</p:sld>
+</file>
+
+<file path=ppt/slides/slide3.xml><?xml version="1.0" encoding="utf-8"?>
+<p:sld xmlns:a="http://schemas.openxmlformats.org/drawingml/2006/main" xmlns:r="http://schemas.openxmlformats.org/officeDocument/2006/relationships" xmlns:p="http://schemas.openxmlformats.org/presentationml/2006/main">
+  <p:cSld>
+    <p:spTree>
+      <p:nvGrpSpPr>
+        <p:cNvPr id="1" name=""/>
+        <p:cNvGrpSpPr/>
+        <p:nvPr/>
+      </p:nvGrpSpPr>
+      <p:grpSpPr>
+        <a:xfrm>
+          <a:off x="0" y="0"/>
+          <a:ext cx="0" cy="0"/>
+          <a:chOff x="0" y="0"/>
+          <a:chExt cx="0" cy="0"/>
+        </a:xfrm>
+      </p:grpSpPr>
+      <p:sp>
+        <p:nvSpPr>
+          <p:cNvPr id="2" name="标题 1">
+            <a:extLst>
+              <a:ext uri="{FF2B5EF4-FFF2-40B4-BE49-F238E27FC236}">
+                <a16:creationId xmlns:a16="http://schemas.microsoft.com/office/drawing/2014/main" id="{9383944E-F62E-4903-8886-9224DCAE5580}"/>
+              </a:ext>
+            </a:extLst>
+          </p:cNvPr>
+          <p:cNvSpPr>
+            <a:spLocks noGrp="1"/>
+          </p:cNvSpPr>
+          <p:nvPr>
+            <p:ph type="title"/>
+          </p:nvPr>
+        </p:nvSpPr>
+        <p:spPr/>
+        <p:txBody>
+          <a:bodyPr/>
+          <a:lstStyle/>
+          <a:p>
+            <a:r>
+              <a:rPr lang="zh-CN" altLang="en-US" dirty="0"/>
+              <a:t>一、深度优先搜索</a:t>
+            </a:r>
+            <a:r>
+              <a:rPr lang="en-US" altLang="zh-CN" dirty="0"/>
+              <a:t>(DFS)</a:t>
+            </a:r>
+            <a:r>
+              <a:rPr lang="zh-CN" altLang="en-US" dirty="0"/>
+              <a:t>寻路</a:t>
+            </a:r>
+          </a:p>
+        </p:txBody>
+      </p:sp>
+      <p:sp>
+        <p:nvSpPr>
+          <p:cNvPr id="4" name="文本框 3">
+            <a:extLst>
+              <a:ext uri="{FF2B5EF4-FFF2-40B4-BE49-F238E27FC236}">
+                <a16:creationId xmlns:a16="http://schemas.microsoft.com/office/drawing/2014/main" id="{4177A2E4-63CF-425E-8E4D-3886344C5E15}"/>
+              </a:ext>
+            </a:extLst>
+          </p:cNvPr>
+          <p:cNvSpPr txBox="1"/>
+          <p:nvPr/>
+        </p:nvSpPr>
+        <p:spPr>
+          <a:xfrm>
+            <a:off x="1306558" y="2024157"/>
+            <a:ext cx="3160939" cy="369332"/>
+          </a:xfrm>
+          <a:prstGeom prst="rect">
+            <a:avLst/>
+          </a:prstGeom>
+          <a:noFill/>
+        </p:spPr>
+        <p:txBody>
+          <a:bodyPr wrap="square" rtlCol="0">
+            <a:spAutoFit/>
+          </a:bodyPr>
+          <a:lstStyle/>
+          <a:p>
+            <a:r>
+              <a:rPr lang="zh-CN" altLang="en-US" dirty="0"/>
+              <a:t>问题如下</a:t>
+            </a:r>
+            <a:r>
+              <a:rPr lang="en-US" altLang="zh-CN" dirty="0"/>
+              <a:t>:</a:t>
+            </a:r>
+            <a:endParaRPr lang="zh-CN" altLang="en-US" dirty="0"/>
+          </a:p>
+        </p:txBody>
+      </p:sp>
+      <p:pic>
+        <p:nvPicPr>
+          <p:cNvPr id="8" name="图片 7">
+            <a:extLst>
+              <a:ext uri="{FF2B5EF4-FFF2-40B4-BE49-F238E27FC236}">
+                <a16:creationId xmlns:a16="http://schemas.microsoft.com/office/drawing/2014/main" id="{54928EC3-1363-4D9E-9E94-39FF51B553C7}"/>
+              </a:ext>
+            </a:extLst>
+          </p:cNvPr>
+          <p:cNvPicPr>
+            <a:picLocks noChangeAspect="1"/>
+          </p:cNvPicPr>
+          <p:nvPr/>
+        </p:nvPicPr>
+        <p:blipFill>
+          <a:blip r:embed="rId2">
+            <a:extLst>
+              <a:ext uri="{28A0092B-C50C-407E-A947-70E740481C1C}">
+                <a14:useLocalDpi xmlns:a14="http://schemas.microsoft.com/office/drawing/2010/main" val="0"/>
+              </a:ext>
+            </a:extLst>
+          </a:blip>
+          <a:stretch>
+            <a:fillRect/>
+          </a:stretch>
+        </p:blipFill>
+        <p:spPr>
+          <a:xfrm>
+            <a:off x="1306558" y="2563892"/>
+            <a:ext cx="4024623" cy="3241927"/>
+          </a:xfrm>
+          <a:prstGeom prst="rect">
+            <a:avLst/>
+          </a:prstGeom>
+        </p:spPr>
+      </p:pic>
+      <p:sp>
+        <p:nvSpPr>
+          <p:cNvPr id="11" name="文本框 10">
+            <a:extLst>
+              <a:ext uri="{FF2B5EF4-FFF2-40B4-BE49-F238E27FC236}">
+                <a16:creationId xmlns:a16="http://schemas.microsoft.com/office/drawing/2014/main" id="{4E74D2E2-B5A9-4ECD-B836-155837A9AE63}"/>
+              </a:ext>
+            </a:extLst>
+          </p:cNvPr>
+          <p:cNvSpPr txBox="1"/>
+          <p:nvPr/>
+        </p:nvSpPr>
+        <p:spPr>
+          <a:xfrm>
+            <a:off x="5891349" y="2677886"/>
+            <a:ext cx="3200400" cy="369332"/>
+          </a:xfrm>
+          <a:prstGeom prst="rect">
+            <a:avLst/>
+          </a:prstGeom>
+          <a:noFill/>
+        </p:spPr>
+        <p:txBody>
+          <a:bodyPr wrap="square" rtlCol="0">
+            <a:spAutoFit/>
+          </a:bodyPr>
+          <a:lstStyle/>
+          <a:p>
+            <a:r>
+              <a:rPr lang="en-US" altLang="zh-CN" dirty="0"/>
+              <a:t>DFS</a:t>
+            </a:r>
+            <a:r>
+              <a:rPr lang="zh-CN" altLang="en-US" dirty="0"/>
+              <a:t>寻路思路：</a:t>
+            </a:r>
+          </a:p>
+        </p:txBody>
+      </p:sp>
+      <p:sp>
+        <p:nvSpPr>
+          <p:cNvPr id="12" name="文本框 11">
+            <a:extLst>
+              <a:ext uri="{FF2B5EF4-FFF2-40B4-BE49-F238E27FC236}">
+                <a16:creationId xmlns:a16="http://schemas.microsoft.com/office/drawing/2014/main" id="{B025ADF6-C3A6-4A30-9954-6FED50DC9719}"/>
+              </a:ext>
+            </a:extLst>
+          </p:cNvPr>
+          <p:cNvSpPr txBox="1"/>
+          <p:nvPr/>
+        </p:nvSpPr>
+        <p:spPr>
+          <a:xfrm>
+            <a:off x="6096000" y="3213463"/>
+            <a:ext cx="5778137" cy="646331"/>
+          </a:xfrm>
+          <a:prstGeom prst="rect">
+            <a:avLst/>
+          </a:prstGeom>
+          <a:noFill/>
+        </p:spPr>
+        <p:txBody>
+          <a:bodyPr wrap="square" rtlCol="0">
+            <a:spAutoFit/>
+          </a:bodyPr>
+          <a:lstStyle/>
+          <a:p>
+            <a:r>
+              <a:rPr lang="en-US" altLang="zh-CN" dirty="0"/>
+              <a:t>a).</a:t>
+            </a:r>
+            <a:r>
+              <a:rPr lang="zh-CN" altLang="en-US" dirty="0"/>
+              <a:t>从起始点寻找一个方向进行遍历，比如</a:t>
+            </a:r>
+            <a:r>
+              <a:rPr lang="en-US" altLang="zh-CN" dirty="0"/>
+              <a:t>A</a:t>
+            </a:r>
+            <a:r>
+              <a:rPr lang="zh-CN" altLang="en-US" dirty="0"/>
+              <a:t>点先向下或向右遍历；</a:t>
+            </a:r>
+          </a:p>
+        </p:txBody>
+      </p:sp>
+      <p:sp>
+        <p:nvSpPr>
+          <p:cNvPr id="13" name="文本框 12">
+            <a:extLst>
+              <a:ext uri="{FF2B5EF4-FFF2-40B4-BE49-F238E27FC236}">
+                <a16:creationId xmlns:a16="http://schemas.microsoft.com/office/drawing/2014/main" id="{14B75A41-8DC4-4BD6-969A-35E569897A22}"/>
+              </a:ext>
+            </a:extLst>
+          </p:cNvPr>
+          <p:cNvSpPr txBox="1"/>
+          <p:nvPr/>
+        </p:nvSpPr>
+        <p:spPr>
+          <a:xfrm>
+            <a:off x="6095999" y="3990030"/>
+            <a:ext cx="4576354" cy="369332"/>
+          </a:xfrm>
+          <a:prstGeom prst="rect">
+            <a:avLst/>
+          </a:prstGeom>
+          <a:noFill/>
+        </p:spPr>
+        <p:txBody>
+          <a:bodyPr wrap="square" rtlCol="0">
+            <a:spAutoFit/>
+          </a:bodyPr>
+          <a:lstStyle/>
+          <a:p>
+            <a:r>
+              <a:rPr lang="en-US" altLang="zh-CN" dirty="0"/>
+              <a:t>b).</a:t>
+            </a:r>
+            <a:r>
+              <a:rPr lang="zh-CN" altLang="en-US" dirty="0"/>
+              <a:t>沿着当前方向继续遍历；</a:t>
+            </a:r>
+          </a:p>
+        </p:txBody>
+      </p:sp>
+      <p:sp>
+        <p:nvSpPr>
+          <p:cNvPr id="14" name="文本框 13">
+            <a:extLst>
+              <a:ext uri="{FF2B5EF4-FFF2-40B4-BE49-F238E27FC236}">
+                <a16:creationId xmlns:a16="http://schemas.microsoft.com/office/drawing/2014/main" id="{D19B398A-25C7-4DB0-B8E6-9A5782B0A5A6}"/>
+              </a:ext>
+            </a:extLst>
+          </p:cNvPr>
+          <p:cNvSpPr txBox="1"/>
+          <p:nvPr/>
+        </p:nvSpPr>
+        <p:spPr>
+          <a:xfrm>
+            <a:off x="6095999" y="4489599"/>
+            <a:ext cx="5647509" cy="646331"/>
+          </a:xfrm>
+          <a:prstGeom prst="rect">
+            <a:avLst/>
+          </a:prstGeom>
+          <a:noFill/>
+        </p:spPr>
+        <p:txBody>
+          <a:bodyPr wrap="square" rtlCol="0">
+            <a:spAutoFit/>
+          </a:bodyPr>
+          <a:lstStyle/>
+          <a:p>
+            <a:r>
+              <a:rPr lang="en-US" altLang="zh-CN" dirty="0"/>
+              <a:t>c).</a:t>
+            </a:r>
+            <a:r>
+              <a:rPr lang="zh-CN" altLang="en-US" dirty="0"/>
+              <a:t>若当前节点不可访问，则回溯到上个节点，选择其他方向继续遍历；</a:t>
+            </a:r>
+          </a:p>
+        </p:txBody>
+      </p:sp>
+      <p:sp>
+        <p:nvSpPr>
+          <p:cNvPr id="15" name="文本框 14">
+            <a:extLst>
+              <a:ext uri="{FF2B5EF4-FFF2-40B4-BE49-F238E27FC236}">
+                <a16:creationId xmlns:a16="http://schemas.microsoft.com/office/drawing/2014/main" id="{AD9875C8-BC46-40D5-85C2-85913FCAF632}"/>
+              </a:ext>
+            </a:extLst>
+          </p:cNvPr>
+          <p:cNvSpPr txBox="1"/>
+          <p:nvPr/>
+        </p:nvSpPr>
+        <p:spPr>
+          <a:xfrm>
+            <a:off x="6095999" y="5396403"/>
+            <a:ext cx="5529944" cy="369332"/>
+          </a:xfrm>
+          <a:prstGeom prst="rect">
+            <a:avLst/>
+          </a:prstGeom>
+          <a:noFill/>
+        </p:spPr>
+        <p:txBody>
+          <a:bodyPr wrap="square" rtlCol="0">
+            <a:spAutoFit/>
+          </a:bodyPr>
+          <a:lstStyle/>
+          <a:p>
+            <a:r>
+              <a:rPr lang="en-US" altLang="zh-CN" dirty="0"/>
+              <a:t>d.</a:t>
+            </a:r>
+            <a:r>
+              <a:rPr lang="zh-CN" altLang="en-US" dirty="0"/>
+              <a:t>直到找到目标或无法找到路径。</a:t>
+            </a:r>
+          </a:p>
+        </p:txBody>
+      </p:sp>
+      <p:pic>
+        <p:nvPicPr>
+          <p:cNvPr id="17" name="图片 16">
+            <a:extLst>
+              <a:ext uri="{FF2B5EF4-FFF2-40B4-BE49-F238E27FC236}">
+                <a16:creationId xmlns:a16="http://schemas.microsoft.com/office/drawing/2014/main" id="{5F3BFA94-A257-4D9C-BAAE-ECF94FBDD7B6}"/>
+              </a:ext>
+            </a:extLst>
+          </p:cNvPr>
+          <p:cNvPicPr>
+            <a:picLocks noChangeAspect="1"/>
+          </p:cNvPicPr>
+          <p:nvPr/>
+        </p:nvPicPr>
+        <p:blipFill>
+          <a:blip r:embed="rId3">
+            <a:extLst>
+              <a:ext uri="{28A0092B-C50C-407E-A947-70E740481C1C}">
+                <a14:useLocalDpi xmlns:a14="http://schemas.microsoft.com/office/drawing/2010/main" val="0"/>
+              </a:ext>
+            </a:extLst>
+          </a:blip>
+          <a:stretch>
+            <a:fillRect/>
+          </a:stretch>
+        </p:blipFill>
+        <p:spPr>
+          <a:xfrm>
+            <a:off x="5950773" y="2249628"/>
+            <a:ext cx="4827100" cy="3620325"/>
+          </a:xfrm>
+          <a:prstGeom prst="rect">
+            <a:avLst/>
+          </a:prstGeom>
+        </p:spPr>
+      </p:pic>
+      <p:pic>
+        <p:nvPicPr>
+          <p:cNvPr id="19" name="图片 18">
+            <a:extLst>
+              <a:ext uri="{FF2B5EF4-FFF2-40B4-BE49-F238E27FC236}">
+                <a16:creationId xmlns:a16="http://schemas.microsoft.com/office/drawing/2014/main" id="{268B88C8-E592-4364-8686-486CDA047B3D}"/>
+              </a:ext>
+            </a:extLst>
+          </p:cNvPr>
+          <p:cNvPicPr>
+            <a:picLocks noChangeAspect="1"/>
+          </p:cNvPicPr>
+          <p:nvPr/>
+        </p:nvPicPr>
+        <p:blipFill>
+          <a:blip r:embed="rId4">
+            <a:extLst>
+              <a:ext uri="{28A0092B-C50C-407E-A947-70E740481C1C}">
+                <a14:useLocalDpi xmlns:a14="http://schemas.microsoft.com/office/drawing/2010/main" val="0"/>
+              </a:ext>
+            </a:extLst>
+          </a:blip>
+          <a:stretch>
+            <a:fillRect/>
+          </a:stretch>
+        </p:blipFill>
+        <p:spPr>
+          <a:xfrm>
+            <a:off x="1922063" y="62788"/>
+            <a:ext cx="9278017" cy="6732424"/>
+          </a:xfrm>
+          <a:prstGeom prst="rect">
+            <a:avLst/>
+          </a:prstGeom>
+        </p:spPr>
+      </p:pic>
+    </p:spTree>
+    <p:extLst>
+      <p:ext uri="{BB962C8B-B14F-4D97-AF65-F5344CB8AC3E}">
+        <p14:creationId xmlns:p14="http://schemas.microsoft.com/office/powerpoint/2010/main" val="2370661975"/>
+      </p:ext>
+    </p:extLst>
+  </p:cSld>
+  <p:clrMapOvr>
+    <a:masterClrMapping/>
+  </p:clrMapOvr>
+  <p:timing>
+    <p:tnLst>
+      <p:par>
+        <p:cTn id="1" dur="indefinite" restart="never" nodeType="tmRoot">
+          <p:childTnLst>
+            <p:seq concurrent="1" nextAc="seek">
+              <p:cTn id="2" dur="indefinite" nodeType="mainSeq">
+                <p:childTnLst>
+                  <p:par>
+                    <p:cTn id="3" fill="hold">
+                      <p:stCondLst>
+                        <p:cond delay="indefinite"/>
+                      </p:stCondLst>
+                      <p:childTnLst>
+                        <p:par>
+                          <p:cTn id="4" fill="hold">
+                            <p:stCondLst>
+                              <p:cond delay="0"/>
+                            </p:stCondLst>
+                            <p:childTnLst>
+                              <p:par>
+                                <p:cTn id="5" presetID="10" presetClass="entr" presetSubtype="0" fill="hold" grpId="0" nodeType="clickEffect">
+                                  <p:stCondLst>
+                                    <p:cond delay="0"/>
+                                  </p:stCondLst>
+                                  <p:childTnLst>
+                                    <p:set>
+                                      <p:cBhvr>
+                                        <p:cTn id="6" dur="1" fill="hold">
+                                          <p:stCondLst>
+                                            <p:cond delay="0"/>
+                                          </p:stCondLst>
+                                        </p:cTn>
+                                        <p:tgtEl>
+                                          <p:spTgt spid="4"/>
+                                        </p:tgtEl>
+                                        <p:attrNameLst>
+                                          <p:attrName>style.visibility</p:attrName>
+                                        </p:attrNameLst>
+                                      </p:cBhvr>
+                                      <p:to>
+                                        <p:strVal val="visible"/>
+                                      </p:to>
+                                    </p:set>
+                                    <p:animEffect transition="in" filter="fade">
+                                      <p:cBhvr>
+                                        <p:cTn id="7" dur="500"/>
+                                        <p:tgtEl>
+                                          <p:spTgt spid="4"/>
+                                        </p:tgtEl>
+                                      </p:cBhvr>
+                                    </p:animEffect>
+                                  </p:childTnLst>
+                                </p:cTn>
+                              </p:par>
+                            </p:childTnLst>
+                          </p:cTn>
+                        </p:par>
+                      </p:childTnLst>
+                    </p:cTn>
+                  </p:par>
+                  <p:par>
+                    <p:cTn id="8" fill="hold">
+                      <p:stCondLst>
+                        <p:cond delay="indefinite"/>
+                      </p:stCondLst>
+                      <p:childTnLst>
+                        <p:par>
+                          <p:cTn id="9" fill="hold">
+                            <p:stCondLst>
+                              <p:cond delay="0"/>
+                            </p:stCondLst>
+                            <p:childTnLst>
+                              <p:par>
+                                <p:cTn id="10" presetID="16" presetClass="entr" presetSubtype="21" fill="hold" nodeType="clickEffect">
+                                  <p:stCondLst>
+                                    <p:cond delay="0"/>
+                                  </p:stCondLst>
+                                  <p:childTnLst>
+                                    <p:set>
+                                      <p:cBhvr>
+                                        <p:cTn id="11" dur="1" fill="hold">
+                                          <p:stCondLst>
+                                            <p:cond delay="0"/>
+                                          </p:stCondLst>
+                                        </p:cTn>
+                                        <p:tgtEl>
+                                          <p:spTgt spid="8"/>
+                                        </p:tgtEl>
+                                        <p:attrNameLst>
+                                          <p:attrName>style.visibility</p:attrName>
+                                        </p:attrNameLst>
+                                      </p:cBhvr>
+                                      <p:to>
+                                        <p:strVal val="visible"/>
+                                      </p:to>
+                                    </p:set>
+                                    <p:animEffect transition="in" filter="barn(inVertical)">
+                                      <p:cBhvr>
+                                        <p:cTn id="12" dur="500"/>
+                                        <p:tgtEl>
+                                          <p:spTgt spid="8"/>
+                                        </p:tgtEl>
+                                      </p:cBhvr>
+                                    </p:animEffect>
+                                  </p:childTnLst>
+                                </p:cTn>
+                              </p:par>
+                            </p:childTnLst>
+                          </p:cTn>
+                        </p:par>
+                      </p:childTnLst>
+                    </p:cTn>
+                  </p:par>
+                  <p:par>
+                    <p:cTn id="13" fill="hold">
+                      <p:stCondLst>
+                        <p:cond delay="indefinite"/>
+                      </p:stCondLst>
+                      <p:childTnLst>
+                        <p:par>
+                          <p:cTn id="14" fill="hold">
+                            <p:stCondLst>
+                              <p:cond delay="0"/>
+                            </p:stCondLst>
+                            <p:childTnLst>
+                              <p:par>
+                                <p:cTn id="15" presetID="10" presetClass="entr" presetSubtype="0" fill="hold" grpId="0" nodeType="clickEffect">
+                                  <p:stCondLst>
+                                    <p:cond delay="0"/>
+                                  </p:stCondLst>
+                                  <p:childTnLst>
+                                    <p:set>
+                                      <p:cBhvr>
+                                        <p:cTn id="16" dur="1" fill="hold">
+                                          <p:stCondLst>
+                                            <p:cond delay="0"/>
+                                          </p:stCondLst>
+                                        </p:cTn>
+                                        <p:tgtEl>
+                                          <p:spTgt spid="11"/>
+                                        </p:tgtEl>
+                                        <p:attrNameLst>
+                                          <p:attrName>style.visibility</p:attrName>
+                                        </p:attrNameLst>
+                                      </p:cBhvr>
+                                      <p:to>
+                                        <p:strVal val="visible"/>
+                                      </p:to>
+                                    </p:set>
+                                    <p:animEffect transition="in" filter="fade">
+                                      <p:cBhvr>
+                                        <p:cTn id="17" dur="500"/>
+                                        <p:tgtEl>
+                                          <p:spTgt spid="11"/>
+                                        </p:tgtEl>
+                                      </p:cBhvr>
+                                    </p:animEffect>
+                                  </p:childTnLst>
+                                </p:cTn>
+                              </p:par>
+                            </p:childTnLst>
+                          </p:cTn>
+                        </p:par>
+                      </p:childTnLst>
+                    </p:cTn>
+                  </p:par>
+                  <p:par>
+                    <p:cTn id="18" fill="hold">
+                      <p:stCondLst>
+                        <p:cond delay="indefinite"/>
+                      </p:stCondLst>
+                      <p:childTnLst>
+                        <p:par>
+                          <p:cTn id="19" fill="hold">
+                            <p:stCondLst>
+                              <p:cond delay="0"/>
+                            </p:stCondLst>
+                            <p:childTnLst>
+                              <p:par>
+                                <p:cTn id="20" presetID="42" presetClass="entr" presetSubtype="0" fill="hold" grpId="0" nodeType="clickEffect">
+                                  <p:stCondLst>
+                                    <p:cond delay="0"/>
+                                  </p:stCondLst>
+                                  <p:childTnLst>
+                                    <p:set>
+                                      <p:cBhvr>
+                                        <p:cTn id="21" dur="1" fill="hold">
+                                          <p:stCondLst>
+                                            <p:cond delay="0"/>
+                                          </p:stCondLst>
+                                        </p:cTn>
+                                        <p:tgtEl>
+                                          <p:spTgt spid="12"/>
+                                        </p:tgtEl>
+                                        <p:attrNameLst>
+                                          <p:attrName>style.visibility</p:attrName>
+                                        </p:attrNameLst>
+                                      </p:cBhvr>
+                                      <p:to>
+                                        <p:strVal val="visible"/>
+                                      </p:to>
+                                    </p:set>
+                                    <p:animEffect transition="in" filter="fade">
+                                      <p:cBhvr>
+                                        <p:cTn id="22" dur="1000"/>
+                                        <p:tgtEl>
+                                          <p:spTgt spid="12"/>
+                                        </p:tgtEl>
+                                      </p:cBhvr>
+                                    </p:animEffect>
+                                    <p:anim calcmode="lin" valueType="num">
+                                      <p:cBhvr>
+                                        <p:cTn id="23" dur="1000" fill="hold"/>
+                                        <p:tgtEl>
+                                          <p:spTgt spid="12"/>
+                                        </p:tgtEl>
+                                        <p:attrNameLst>
+                                          <p:attrName>ppt_x</p:attrName>
+                                        </p:attrNameLst>
+                                      </p:cBhvr>
+                                      <p:tavLst>
+                                        <p:tav tm="0">
+                                          <p:val>
+                                            <p:strVal val="#ppt_x"/>
+                                          </p:val>
+                                        </p:tav>
+                                        <p:tav tm="100000">
+                                          <p:val>
+                                            <p:strVal val="#ppt_x"/>
+                                          </p:val>
+                                        </p:tav>
+                                      </p:tavLst>
+                                    </p:anim>
+                                    <p:anim calcmode="lin" valueType="num">
+                                      <p:cBhvr>
+                                        <p:cTn id="24" dur="1000" fill="hold"/>
+                                        <p:tgtEl>
+                                          <p:spTgt spid="12"/>
+                                        </p:tgtEl>
+                                        <p:attrNameLst>
+                                          <p:attrName>ppt_y</p:attrName>
+                                        </p:attrNameLst>
+                                      </p:cBhvr>
+                                      <p:tavLst>
+                                        <p:tav tm="0">
+                                          <p:val>
+                                            <p:strVal val="#ppt_y+.1"/>
+                                          </p:val>
+                                        </p:tav>
+                                        <p:tav tm="100000">
+                                          <p:val>
+                                            <p:strVal val="#ppt_y"/>
+                                          </p:val>
+                                        </p:tav>
+                                      </p:tavLst>
+                                    </p:anim>
+                                  </p:childTnLst>
+                                </p:cTn>
+                              </p:par>
+                            </p:childTnLst>
+                          </p:cTn>
+                        </p:par>
+                      </p:childTnLst>
+                    </p:cTn>
+                  </p:par>
+                  <p:par>
+                    <p:cTn id="25" fill="hold">
+                      <p:stCondLst>
+                        <p:cond delay="indefinite"/>
+                      </p:stCondLst>
+                      <p:childTnLst>
+                        <p:par>
+                          <p:cTn id="26" fill="hold">
+                            <p:stCondLst>
+                              <p:cond delay="0"/>
+                            </p:stCondLst>
+                            <p:childTnLst>
+                              <p:par>
+                                <p:cTn id="27" presetID="42" presetClass="entr" presetSubtype="0" fill="hold" grpId="0" nodeType="clickEffect">
+                                  <p:stCondLst>
+                                    <p:cond delay="0"/>
+                                  </p:stCondLst>
+                                  <p:childTnLst>
+                                    <p:set>
+                                      <p:cBhvr>
+                                        <p:cTn id="28" dur="1" fill="hold">
+                                          <p:stCondLst>
+                                            <p:cond delay="0"/>
+                                          </p:stCondLst>
+                                        </p:cTn>
+                                        <p:tgtEl>
+                                          <p:spTgt spid="13"/>
+                                        </p:tgtEl>
+                                        <p:attrNameLst>
+                                          <p:attrName>style.visibility</p:attrName>
+                                        </p:attrNameLst>
+                                      </p:cBhvr>
+                                      <p:to>
+                                        <p:strVal val="visible"/>
+                                      </p:to>
+                                    </p:set>
+                                    <p:animEffect transition="in" filter="fade">
+                                      <p:cBhvr>
+                                        <p:cTn id="29" dur="1000"/>
+                                        <p:tgtEl>
+                                          <p:spTgt spid="13"/>
+                                        </p:tgtEl>
+                                      </p:cBhvr>
+                                    </p:animEffect>
+                                    <p:anim calcmode="lin" valueType="num">
+                                      <p:cBhvr>
+                                        <p:cTn id="30" dur="1000" fill="hold"/>
+                                        <p:tgtEl>
+                                          <p:spTgt spid="13"/>
+                                        </p:tgtEl>
+                                        <p:attrNameLst>
+                                          <p:attrName>ppt_x</p:attrName>
+                                        </p:attrNameLst>
+                                      </p:cBhvr>
+                                      <p:tavLst>
+                                        <p:tav tm="0">
+                                          <p:val>
+                                            <p:strVal val="#ppt_x"/>
+                                          </p:val>
+                                        </p:tav>
+                                        <p:tav tm="100000">
+                                          <p:val>
+                                            <p:strVal val="#ppt_x"/>
+                                          </p:val>
+                                        </p:tav>
+                                      </p:tavLst>
+                                    </p:anim>
+                                    <p:anim calcmode="lin" valueType="num">
+                                      <p:cBhvr>
+                                        <p:cTn id="31" dur="1000" fill="hold"/>
+                                        <p:tgtEl>
+                                          <p:spTgt spid="13"/>
+                                        </p:tgtEl>
+                                        <p:attrNameLst>
+                                          <p:attrName>ppt_y</p:attrName>
+                                        </p:attrNameLst>
+                                      </p:cBhvr>
+                                      <p:tavLst>
+                                        <p:tav tm="0">
+                                          <p:val>
+                                            <p:strVal val="#ppt_y+.1"/>
+                                          </p:val>
+                                        </p:tav>
+                                        <p:tav tm="100000">
+                                          <p:val>
+                                            <p:strVal val="#ppt_y"/>
+                                          </p:val>
+                                        </p:tav>
+                                      </p:tavLst>
+                                    </p:anim>
+                                  </p:childTnLst>
+                                </p:cTn>
+                              </p:par>
+                            </p:childTnLst>
+                          </p:cTn>
+                        </p:par>
+                      </p:childTnLst>
+                    </p:cTn>
+                  </p:par>
+                  <p:par>
+                    <p:cTn id="32" fill="hold">
+                      <p:stCondLst>
+                        <p:cond delay="indefinite"/>
+                      </p:stCondLst>
+                      <p:childTnLst>
+                        <p:par>
+                          <p:cTn id="33" fill="hold">
+                            <p:stCondLst>
+                              <p:cond delay="0"/>
+                            </p:stCondLst>
+                            <p:childTnLst>
+                              <p:par>
+                                <p:cTn id="34" presetID="42" presetClass="entr" presetSubtype="0" fill="hold" grpId="0" nodeType="clickEffect">
+                                  <p:stCondLst>
+                                    <p:cond delay="0"/>
+                                  </p:stCondLst>
+                                  <p:childTnLst>
+                                    <p:set>
+                                      <p:cBhvr>
+                                        <p:cTn id="35" dur="1" fill="hold">
+                                          <p:stCondLst>
+                                            <p:cond delay="0"/>
+                                          </p:stCondLst>
+                                        </p:cTn>
+                                        <p:tgtEl>
+                                          <p:spTgt spid="14"/>
+                                        </p:tgtEl>
+                                        <p:attrNameLst>
+                                          <p:attrName>style.visibility</p:attrName>
+                                        </p:attrNameLst>
+                                      </p:cBhvr>
+                                      <p:to>
+                                        <p:strVal val="visible"/>
+                                      </p:to>
+                                    </p:set>
+                                    <p:animEffect transition="in" filter="fade">
+                                      <p:cBhvr>
+                                        <p:cTn id="36" dur="1000"/>
+                                        <p:tgtEl>
+                                          <p:spTgt spid="14"/>
+                                        </p:tgtEl>
+                                      </p:cBhvr>
+                                    </p:animEffect>
+                                    <p:anim calcmode="lin" valueType="num">
+                                      <p:cBhvr>
+                                        <p:cTn id="37" dur="1000" fill="hold"/>
+                                        <p:tgtEl>
+                                          <p:spTgt spid="14"/>
+                                        </p:tgtEl>
+                                        <p:attrNameLst>
+                                          <p:attrName>ppt_x</p:attrName>
+                                        </p:attrNameLst>
+                                      </p:cBhvr>
+                                      <p:tavLst>
+                                        <p:tav tm="0">
+                                          <p:val>
+                                            <p:strVal val="#ppt_x"/>
+                                          </p:val>
+                                        </p:tav>
+                                        <p:tav tm="100000">
+                                          <p:val>
+                                            <p:strVal val="#ppt_x"/>
+                                          </p:val>
+                                        </p:tav>
+                                      </p:tavLst>
+                                    </p:anim>
+                                    <p:anim calcmode="lin" valueType="num">
+                                      <p:cBhvr>
+                                        <p:cTn id="38" dur="1000" fill="hold"/>
+                                        <p:tgtEl>
+                                          <p:spTgt spid="14"/>
+                                        </p:tgtEl>
+                                        <p:attrNameLst>
+                                          <p:attrName>ppt_y</p:attrName>
+                                        </p:attrNameLst>
+                                      </p:cBhvr>
+                                      <p:tavLst>
+                                        <p:tav tm="0">
+                                          <p:val>
+                                            <p:strVal val="#ppt_y+.1"/>
+                                          </p:val>
+                                        </p:tav>
+                                        <p:tav tm="100000">
+                                          <p:val>
+                                            <p:strVal val="#ppt_y"/>
+                                          </p:val>
+                                        </p:tav>
+                                      </p:tavLst>
+                                    </p:anim>
+                                  </p:childTnLst>
+                                </p:cTn>
+                              </p:par>
+                            </p:childTnLst>
+                          </p:cTn>
+                        </p:par>
+                      </p:childTnLst>
+                    </p:cTn>
+                  </p:par>
+                  <p:par>
+                    <p:cTn id="39" fill="hold">
+                      <p:stCondLst>
+                        <p:cond delay="indefinite"/>
+                      </p:stCondLst>
+                      <p:childTnLst>
+                        <p:par>
+                          <p:cTn id="40" fill="hold">
+                            <p:stCondLst>
+                              <p:cond delay="0"/>
+                            </p:stCondLst>
+                            <p:childTnLst>
+                              <p:par>
+                                <p:cTn id="41" presetID="42" presetClass="entr" presetSubtype="0" fill="hold" grpId="0" nodeType="clickEffect">
+                                  <p:stCondLst>
+                                    <p:cond delay="0"/>
+                                  </p:stCondLst>
+                                  <p:childTnLst>
+                                    <p:set>
+                                      <p:cBhvr>
+                                        <p:cTn id="42" dur="1" fill="hold">
+                                          <p:stCondLst>
+                                            <p:cond delay="0"/>
+                                          </p:stCondLst>
+                                        </p:cTn>
+                                        <p:tgtEl>
+                                          <p:spTgt spid="15"/>
+                                        </p:tgtEl>
+                                        <p:attrNameLst>
+                                          <p:attrName>style.visibility</p:attrName>
+                                        </p:attrNameLst>
+                                      </p:cBhvr>
+                                      <p:to>
+                                        <p:strVal val="visible"/>
+                                      </p:to>
+                                    </p:set>
+                                    <p:animEffect transition="in" filter="fade">
+                                      <p:cBhvr>
+                                        <p:cTn id="43" dur="1000"/>
+                                        <p:tgtEl>
+                                          <p:spTgt spid="15"/>
+                                        </p:tgtEl>
+                                      </p:cBhvr>
+                                    </p:animEffect>
+                                    <p:anim calcmode="lin" valueType="num">
+                                      <p:cBhvr>
+                                        <p:cTn id="44" dur="1000" fill="hold"/>
+                                        <p:tgtEl>
+                                          <p:spTgt spid="15"/>
+                                        </p:tgtEl>
+                                        <p:attrNameLst>
+                                          <p:attrName>ppt_x</p:attrName>
+                                        </p:attrNameLst>
+                                      </p:cBhvr>
+                                      <p:tavLst>
+                                        <p:tav tm="0">
+                                          <p:val>
+                                            <p:strVal val="#ppt_x"/>
+                                          </p:val>
+                                        </p:tav>
+                                        <p:tav tm="100000">
+                                          <p:val>
+                                            <p:strVal val="#ppt_x"/>
+                                          </p:val>
+                                        </p:tav>
+                                      </p:tavLst>
+                                    </p:anim>
+                                    <p:anim calcmode="lin" valueType="num">
+                                      <p:cBhvr>
+                                        <p:cTn id="45" dur="1000" fill="hold"/>
+                                        <p:tgtEl>
+                                          <p:spTgt spid="15"/>
+                                        </p:tgtEl>
+                                        <p:attrNameLst>
+                                          <p:attrName>ppt_y</p:attrName>
+                                        </p:attrNameLst>
+                                      </p:cBhvr>
+                                      <p:tavLst>
+                                        <p:tav tm="0">
+                                          <p:val>
+                                            <p:strVal val="#ppt_y+.1"/>
+                                          </p:val>
+                                        </p:tav>
+                                        <p:tav tm="100000">
+                                          <p:val>
+                                            <p:strVal val="#ppt_y"/>
+                                          </p:val>
+                                        </p:tav>
+                                      </p:tavLst>
+                                    </p:anim>
+                                  </p:childTnLst>
+                                </p:cTn>
+                              </p:par>
+                            </p:childTnLst>
+                          </p:cTn>
+                        </p:par>
+                      </p:childTnLst>
+                    </p:cTn>
+                  </p:par>
+                  <p:par>
+                    <p:cTn id="46" fill="hold">
+                      <p:stCondLst>
+                        <p:cond delay="indefinite"/>
+                      </p:stCondLst>
+                      <p:childTnLst>
+                        <p:par>
+                          <p:cTn id="47" fill="hold">
+                            <p:stCondLst>
+                              <p:cond delay="0"/>
+                            </p:stCondLst>
+                            <p:childTnLst>
+                              <p:par>
+                                <p:cTn id="48" presetID="22" presetClass="entr" presetSubtype="4" fill="hold" nodeType="clickEffect">
+                                  <p:stCondLst>
+                                    <p:cond delay="0"/>
+                                  </p:stCondLst>
+                                  <p:childTnLst>
+                                    <p:set>
+                                      <p:cBhvr>
+                                        <p:cTn id="49" dur="1" fill="hold">
+                                          <p:stCondLst>
+                                            <p:cond delay="0"/>
+                                          </p:stCondLst>
+                                        </p:cTn>
+                                        <p:tgtEl>
+                                          <p:spTgt spid="17"/>
+                                        </p:tgtEl>
+                                        <p:attrNameLst>
+                                          <p:attrName>style.visibility</p:attrName>
+                                        </p:attrNameLst>
+                                      </p:cBhvr>
+                                      <p:to>
+                                        <p:strVal val="visible"/>
+                                      </p:to>
+                                    </p:set>
+                                    <p:animEffect transition="in" filter="wipe(down)">
+                                      <p:cBhvr>
+                                        <p:cTn id="50" dur="500"/>
+                                        <p:tgtEl>
+                                          <p:spTgt spid="17"/>
+                                        </p:tgtEl>
+                                      </p:cBhvr>
+                                    </p:animEffect>
+                                  </p:childTnLst>
+                                </p:cTn>
+                              </p:par>
+                            </p:childTnLst>
+                          </p:cTn>
+                        </p:par>
+                      </p:childTnLst>
+                    </p:cTn>
+                  </p:par>
+                  <p:par>
+                    <p:cTn id="51" fill="hold">
+                      <p:stCondLst>
+                        <p:cond delay="indefinite"/>
+                      </p:stCondLst>
+                      <p:childTnLst>
+                        <p:par>
+                          <p:cTn id="52" fill="hold">
+                            <p:stCondLst>
+                              <p:cond delay="0"/>
+                            </p:stCondLst>
+                            <p:childTnLst>
+                              <p:par>
+                                <p:cTn id="53" presetID="42" presetClass="entr" presetSubtype="0" fill="hold" nodeType="clickEffect">
+                                  <p:stCondLst>
+                                    <p:cond delay="0"/>
+                                  </p:stCondLst>
+                                  <p:childTnLst>
+                                    <p:set>
+                                      <p:cBhvr>
+                                        <p:cTn id="54" dur="1" fill="hold">
+                                          <p:stCondLst>
+                                            <p:cond delay="0"/>
+                                          </p:stCondLst>
+                                        </p:cTn>
+                                        <p:tgtEl>
+                                          <p:spTgt spid="19"/>
+                                        </p:tgtEl>
+                                        <p:attrNameLst>
+                                          <p:attrName>style.visibility</p:attrName>
+                                        </p:attrNameLst>
+                                      </p:cBhvr>
+                                      <p:to>
+                                        <p:strVal val="visible"/>
+                                      </p:to>
+                                    </p:set>
+                                    <p:animEffect transition="in" filter="fade">
+                                      <p:cBhvr>
+                                        <p:cTn id="55" dur="1000"/>
+                                        <p:tgtEl>
+                                          <p:spTgt spid="19"/>
+                                        </p:tgtEl>
+                                      </p:cBhvr>
+                                    </p:animEffect>
+                                    <p:anim calcmode="lin" valueType="num">
+                                      <p:cBhvr>
+                                        <p:cTn id="56" dur="1000" fill="hold"/>
+                                        <p:tgtEl>
+                                          <p:spTgt spid="19"/>
+                                        </p:tgtEl>
+                                        <p:attrNameLst>
+                                          <p:attrName>ppt_x</p:attrName>
+                                        </p:attrNameLst>
+                                      </p:cBhvr>
+                                      <p:tavLst>
+                                        <p:tav tm="0">
+                                          <p:val>
+                                            <p:strVal val="#ppt_x"/>
+                                          </p:val>
+                                        </p:tav>
+                                        <p:tav tm="100000">
+                                          <p:val>
+                                            <p:strVal val="#ppt_x"/>
+                                          </p:val>
+                                        </p:tav>
+                                      </p:tavLst>
+                                    </p:anim>
+                                    <p:anim calcmode="lin" valueType="num">
+                                      <p:cBhvr>
+                                        <p:cTn id="57" dur="1000" fill="hold"/>
+                                        <p:tgtEl>
+                                          <p:spTgt spid="19"/>
+                                        </p:tgtEl>
+                                        <p:attrNameLst>
+                                          <p:attrName>ppt_y</p:attrName>
+                                        </p:attrNameLst>
+                                      </p:cBhvr>
+                                      <p:tavLst>
+                                        <p:tav tm="0">
+                                          <p:val>
+                                            <p:strVal val="#ppt_y+.1"/>
+                                          </p:val>
+                                        </p:tav>
+                                        <p:tav tm="100000">
+                                          <p:val>
+                                            <p:strVal val="#ppt_y"/>
+                                          </p:val>
+                                        </p:tav>
+                                      </p:tavLst>
+                                    </p:anim>
+                                  </p:childTnLst>
+                                </p:cTn>
+                              </p:par>
+                            </p:childTnLst>
+                          </p:cTn>
+                        </p:par>
+                      </p:childTnLst>
+                    </p:cTn>
+                  </p:par>
+                </p:childTnLst>
+              </p:cTn>
+              <p:prevCondLst>
+                <p:cond evt="onPrev" delay="0">
+                  <p:tgtEl>
+                    <p:sldTgt/>
+                  </p:tgtEl>
+                </p:cond>
+              </p:prevCondLst>
+              <p:nextCondLst>
+                <p:cond evt="onNext" delay="0">
+                  <p:tgtEl>
+                    <p:sldTgt/>
+                  </p:tgtEl>
+                </p:cond>
+              </p:nextCondLst>
+            </p:seq>
+          </p:childTnLst>
+        </p:cTn>
+      </p:par>
+    </p:tnLst>
+    <p:bldLst>
+      <p:bldP spid="4" grpId="0"/>
+      <p:bldP spid="11" grpId="0"/>
+      <p:bldP spid="12" grpId="0"/>
+      <p:bldP spid="13" grpId="0"/>
+      <p:bldP spid="14" grpId="0"/>
+      <p:bldP spid="15" grpId="0"/>
+    </p:bldLst>
+  </p:timing>
+</p:sld>
+</file>
+
+<file path=ppt/slides/slide4.xml><?xml version="1.0" encoding="utf-8"?>
+<p:sld xmlns:a="http://schemas.openxmlformats.org/drawingml/2006/main" xmlns:r="http://schemas.openxmlformats.org/officeDocument/2006/relationships" xmlns:p="http://schemas.openxmlformats.org/presentationml/2006/main">
+  <p:cSld>
+    <p:spTree>
+      <p:nvGrpSpPr>
+        <p:cNvPr id="1" name=""/>
+        <p:cNvGrpSpPr/>
+        <p:nvPr/>
+      </p:nvGrpSpPr>
+      <p:grpSpPr>
+        <a:xfrm>
+          <a:off x="0" y="0"/>
+          <a:ext cx="0" cy="0"/>
+          <a:chOff x="0" y="0"/>
+          <a:chExt cx="0" cy="0"/>
+        </a:xfrm>
+      </p:grpSpPr>
+      <p:sp>
+        <p:nvSpPr>
+          <p:cNvPr id="2" name="标题 1">
+            <a:extLst>
+              <a:ext uri="{FF2B5EF4-FFF2-40B4-BE49-F238E27FC236}">
+                <a16:creationId xmlns:a16="http://schemas.microsoft.com/office/drawing/2014/main" id="{1662A1DD-96C6-433B-A59A-AD4E989F4ACD}"/>
+              </a:ext>
+            </a:extLst>
+          </p:cNvPr>
+          <p:cNvSpPr>
+            <a:spLocks noGrp="1"/>
+          </p:cNvSpPr>
+          <p:nvPr>
+            <p:ph type="title"/>
+          </p:nvPr>
+        </p:nvSpPr>
+        <p:spPr/>
+        <p:txBody>
+          <a:bodyPr/>
+          <a:lstStyle/>
+          <a:p>
+            <a:r>
+              <a:rPr lang="zh-CN" altLang="en-US" dirty="0"/>
+              <a:t>二、广度优先搜索</a:t>
+            </a:r>
+            <a:r>
+              <a:rPr lang="en-US" altLang="zh-CN" dirty="0"/>
+              <a:t>(BFS)</a:t>
+            </a:r>
+            <a:r>
+              <a:rPr lang="zh-CN" altLang="en-US" dirty="0"/>
+              <a:t>寻路</a:t>
+            </a:r>
+          </a:p>
+        </p:txBody>
+      </p:sp>
+      <p:sp>
+        <p:nvSpPr>
+          <p:cNvPr id="4" name="文本框 3">
+            <a:extLst>
+              <a:ext uri="{FF2B5EF4-FFF2-40B4-BE49-F238E27FC236}">
+                <a16:creationId xmlns:a16="http://schemas.microsoft.com/office/drawing/2014/main" id="{2ECEE735-176E-4F32-8DE4-5135A415DC6A}"/>
+              </a:ext>
+            </a:extLst>
+          </p:cNvPr>
+          <p:cNvSpPr txBox="1"/>
+          <p:nvPr/>
+        </p:nvSpPr>
+        <p:spPr>
+          <a:xfrm>
+            <a:off x="1451579" y="2194560"/>
+            <a:ext cx="3891130" cy="369332"/>
+          </a:xfrm>
+          <a:prstGeom prst="rect">
+            <a:avLst/>
+          </a:prstGeom>
+          <a:noFill/>
+        </p:spPr>
+        <p:txBody>
+          <a:bodyPr wrap="square" rtlCol="0">
+            <a:spAutoFit/>
+          </a:bodyPr>
+          <a:lstStyle/>
+          <a:p>
+            <a:r>
+              <a:rPr lang="en-US" altLang="zh-CN" dirty="0"/>
+              <a:t>BFS</a:t>
+            </a:r>
+            <a:r>
+              <a:rPr lang="zh-CN" altLang="en-US" dirty="0"/>
+              <a:t>思路</a:t>
+            </a:r>
+            <a:r>
+              <a:rPr lang="en-US" altLang="zh-CN" dirty="0"/>
+              <a:t>:</a:t>
+            </a:r>
+            <a:endParaRPr lang="zh-CN" altLang="en-US" dirty="0"/>
+          </a:p>
+        </p:txBody>
+      </p:sp>
+      <p:sp>
+        <p:nvSpPr>
+          <p:cNvPr id="5" name="文本框 4">
+            <a:extLst>
+              <a:ext uri="{FF2B5EF4-FFF2-40B4-BE49-F238E27FC236}">
+                <a16:creationId xmlns:a16="http://schemas.microsoft.com/office/drawing/2014/main" id="{1142E256-0CE0-4F18-B2FD-2FF8904DF8AD}"/>
+              </a:ext>
+            </a:extLst>
+          </p:cNvPr>
+          <p:cNvSpPr txBox="1"/>
+          <p:nvPr/>
+        </p:nvSpPr>
+        <p:spPr>
+          <a:xfrm>
+            <a:off x="1451579" y="2808514"/>
+            <a:ext cx="3512307" cy="369332"/>
+          </a:xfrm>
+          <a:prstGeom prst="rect">
+            <a:avLst/>
+          </a:prstGeom>
+          <a:noFill/>
+        </p:spPr>
+        <p:txBody>
+          <a:bodyPr wrap="square" rtlCol="0">
+            <a:spAutoFit/>
+          </a:bodyPr>
+          <a:lstStyle/>
+          <a:p>
+            <a:r>
+              <a:rPr lang="en-US" altLang="zh-CN" dirty="0"/>
+              <a:t>a).</a:t>
+            </a:r>
+            <a:r>
+              <a:rPr lang="zh-CN" altLang="en-US" dirty="0"/>
+              <a:t>将开始位置放入待访问队列；</a:t>
+            </a:r>
+          </a:p>
+        </p:txBody>
+      </p:sp>
+      <p:sp>
+        <p:nvSpPr>
+          <p:cNvPr id="6" name="文本框 5">
+            <a:extLst>
+              <a:ext uri="{FF2B5EF4-FFF2-40B4-BE49-F238E27FC236}">
+                <a16:creationId xmlns:a16="http://schemas.microsoft.com/office/drawing/2014/main" id="{07FD92D5-3497-4A8D-93F6-310147C0267E}"/>
+              </a:ext>
+            </a:extLst>
+          </p:cNvPr>
+          <p:cNvSpPr txBox="1"/>
+          <p:nvPr/>
+        </p:nvSpPr>
+        <p:spPr>
+          <a:xfrm>
+            <a:off x="1451579" y="3429000"/>
+            <a:ext cx="8789701" cy="369332"/>
+          </a:xfrm>
+          <a:prstGeom prst="rect">
+            <a:avLst/>
+          </a:prstGeom>
+          <a:noFill/>
+        </p:spPr>
+        <p:txBody>
+          <a:bodyPr wrap="square" rtlCol="0">
+            <a:spAutoFit/>
+          </a:bodyPr>
+          <a:lstStyle/>
+          <a:p>
+            <a:r>
+              <a:rPr lang="en-US" altLang="zh-CN" dirty="0"/>
+              <a:t>b).</a:t>
+            </a:r>
+            <a:r>
+              <a:rPr lang="zh-CN" altLang="en-US" dirty="0"/>
+              <a:t>从队列中取出第一个节点，并检查是否为目标；如果是则找到目标；</a:t>
+            </a:r>
+          </a:p>
+        </p:txBody>
+      </p:sp>
+      <p:sp>
+        <p:nvSpPr>
+          <p:cNvPr id="7" name="文本框 6">
+            <a:extLst>
+              <a:ext uri="{FF2B5EF4-FFF2-40B4-BE49-F238E27FC236}">
+                <a16:creationId xmlns:a16="http://schemas.microsoft.com/office/drawing/2014/main" id="{272F9935-2A0B-4353-A8BF-31398FA95A5E}"/>
+              </a:ext>
+            </a:extLst>
+          </p:cNvPr>
+          <p:cNvSpPr txBox="1"/>
+          <p:nvPr/>
+        </p:nvSpPr>
+        <p:spPr>
+          <a:xfrm>
+            <a:off x="1451579" y="4049486"/>
+            <a:ext cx="6190192" cy="369332"/>
+          </a:xfrm>
+          <a:prstGeom prst="rect">
+            <a:avLst/>
+          </a:prstGeom>
+          <a:noFill/>
+        </p:spPr>
+        <p:txBody>
+          <a:bodyPr wrap="square" rtlCol="0">
+            <a:spAutoFit/>
+          </a:bodyPr>
+          <a:lstStyle/>
+          <a:p>
+            <a:r>
+              <a:rPr lang="en-US" altLang="zh-CN" dirty="0"/>
+              <a:t>c).</a:t>
+            </a:r>
+            <a:r>
+              <a:rPr lang="zh-CN" altLang="en-US" dirty="0"/>
+              <a:t>否则从未访问的邻接子节点加入队列；继续执行</a:t>
+            </a:r>
+            <a:r>
+              <a:rPr lang="en-US" altLang="zh-CN" dirty="0"/>
+              <a:t>b</a:t>
+            </a:r>
+            <a:r>
+              <a:rPr lang="zh-CN" altLang="en-US" dirty="0"/>
+              <a:t>操作；</a:t>
+            </a:r>
+          </a:p>
+        </p:txBody>
+      </p:sp>
+      <p:sp>
+        <p:nvSpPr>
+          <p:cNvPr id="8" name="文本框 7">
+            <a:extLst>
+              <a:ext uri="{FF2B5EF4-FFF2-40B4-BE49-F238E27FC236}">
+                <a16:creationId xmlns:a16="http://schemas.microsoft.com/office/drawing/2014/main" id="{EA41EAD3-36CA-4048-8B8A-E514A03E30A9}"/>
+              </a:ext>
+            </a:extLst>
+          </p:cNvPr>
+          <p:cNvSpPr txBox="1"/>
+          <p:nvPr/>
+        </p:nvSpPr>
+        <p:spPr>
+          <a:xfrm>
+            <a:off x="1451579" y="4720436"/>
+            <a:ext cx="5904411" cy="369332"/>
+          </a:xfrm>
+          <a:prstGeom prst="rect">
+            <a:avLst/>
+          </a:prstGeom>
+          <a:noFill/>
+        </p:spPr>
+        <p:txBody>
+          <a:bodyPr wrap="square" rtlCol="0">
+            <a:spAutoFit/>
+          </a:bodyPr>
+          <a:lstStyle/>
+          <a:p>
+            <a:r>
+              <a:rPr lang="en-US" altLang="zh-CN" dirty="0"/>
+              <a:t>d).</a:t>
+            </a:r>
+            <a:r>
+              <a:rPr lang="zh-CN" altLang="en-US" dirty="0"/>
+              <a:t>若队列为空，表示检查结束。</a:t>
+            </a:r>
+          </a:p>
+        </p:txBody>
+      </p:sp>
+      <p:pic>
+        <p:nvPicPr>
+          <p:cNvPr id="10" name="图片 9">
+            <a:extLst>
+              <a:ext uri="{FF2B5EF4-FFF2-40B4-BE49-F238E27FC236}">
+                <a16:creationId xmlns:a16="http://schemas.microsoft.com/office/drawing/2014/main" id="{AAB92DB7-D0CD-4CF2-AB2C-B40B9B7F9F06}"/>
+              </a:ext>
+            </a:extLst>
+          </p:cNvPr>
+          <p:cNvPicPr>
+            <a:picLocks noChangeAspect="1"/>
+          </p:cNvPicPr>
+          <p:nvPr/>
+        </p:nvPicPr>
+        <p:blipFill>
+          <a:blip r:embed="rId2">
+            <a:extLst>
+              <a:ext uri="{28A0092B-C50C-407E-A947-70E740481C1C}">
+                <a14:useLocalDpi xmlns:a14="http://schemas.microsoft.com/office/drawing/2010/main" val="0"/>
+              </a:ext>
+            </a:extLst>
+          </a:blip>
+          <a:stretch>
+            <a:fillRect/>
+          </a:stretch>
+        </p:blipFill>
+        <p:spPr>
+          <a:xfrm>
+            <a:off x="8895817" y="2168434"/>
+            <a:ext cx="3162216" cy="3683726"/>
+          </a:xfrm>
+          <a:prstGeom prst="rect">
+            <a:avLst/>
+          </a:prstGeom>
+        </p:spPr>
+      </p:pic>
+      <p:pic>
+        <p:nvPicPr>
+          <p:cNvPr id="14" name="图片 13">
+            <a:extLst>
+              <a:ext uri="{FF2B5EF4-FFF2-40B4-BE49-F238E27FC236}">
+                <a16:creationId xmlns:a16="http://schemas.microsoft.com/office/drawing/2014/main" id="{9D1A894A-DE40-491F-AEAF-67AE6FC3F4C5}"/>
+              </a:ext>
+            </a:extLst>
+          </p:cNvPr>
+          <p:cNvPicPr>
+            <a:picLocks noChangeAspect="1"/>
+          </p:cNvPicPr>
+          <p:nvPr/>
+        </p:nvPicPr>
+        <p:blipFill>
+          <a:blip r:embed="rId3">
+            <a:extLst>
+              <a:ext uri="{28A0092B-C50C-407E-A947-70E740481C1C}">
+                <a14:useLocalDpi xmlns:a14="http://schemas.microsoft.com/office/drawing/2010/main" val="0"/>
+              </a:ext>
+            </a:extLst>
+          </a:blip>
+          <a:stretch>
+            <a:fillRect/>
+          </a:stretch>
+        </p:blipFill>
+        <p:spPr>
+          <a:xfrm>
+            <a:off x="2767919" y="2168434"/>
+            <a:ext cx="3735794" cy="3525984"/>
+          </a:xfrm>
+          <a:prstGeom prst="rect">
+            <a:avLst/>
+          </a:prstGeom>
+        </p:spPr>
+      </p:pic>
+      <p:pic>
+        <p:nvPicPr>
+          <p:cNvPr id="16" name="图片 15">
+            <a:extLst>
+              <a:ext uri="{FF2B5EF4-FFF2-40B4-BE49-F238E27FC236}">
+                <a16:creationId xmlns:a16="http://schemas.microsoft.com/office/drawing/2014/main" id="{048567ED-C396-4780-9FBD-98F2CCA5743A}"/>
+              </a:ext>
+            </a:extLst>
+          </p:cNvPr>
+          <p:cNvPicPr>
+            <a:picLocks noChangeAspect="1"/>
+          </p:cNvPicPr>
+          <p:nvPr/>
+        </p:nvPicPr>
+        <p:blipFill>
+          <a:blip r:embed="rId4">
+            <a:extLst>
+              <a:ext uri="{28A0092B-C50C-407E-A947-70E740481C1C}">
+                <a14:useLocalDpi xmlns:a14="http://schemas.microsoft.com/office/drawing/2010/main" val="0"/>
+              </a:ext>
+            </a:extLst>
+          </a:blip>
+          <a:stretch>
+            <a:fillRect/>
+          </a:stretch>
+        </p:blipFill>
+        <p:spPr>
+          <a:xfrm>
+            <a:off x="6830285" y="2156544"/>
+            <a:ext cx="4845752" cy="3673623"/>
+          </a:xfrm>
+          <a:prstGeom prst="rect">
+            <a:avLst/>
+          </a:prstGeom>
+        </p:spPr>
+      </p:pic>
+      <p:pic>
+        <p:nvPicPr>
+          <p:cNvPr id="18" name="图片 17">
+            <a:extLst>
+              <a:ext uri="{FF2B5EF4-FFF2-40B4-BE49-F238E27FC236}">
+                <a16:creationId xmlns:a16="http://schemas.microsoft.com/office/drawing/2014/main" id="{F5D5A624-8C55-4FE1-9DD5-7CCD94799F82}"/>
+              </a:ext>
+            </a:extLst>
+          </p:cNvPr>
+          <p:cNvPicPr>
+            <a:picLocks noChangeAspect="1"/>
+          </p:cNvPicPr>
+          <p:nvPr/>
+        </p:nvPicPr>
+        <p:blipFill>
+          <a:blip r:embed="rId5">
+            <a:extLst>
+              <a:ext uri="{28A0092B-C50C-407E-A947-70E740481C1C}">
+                <a14:useLocalDpi xmlns:a14="http://schemas.microsoft.com/office/drawing/2010/main" val="0"/>
+              </a:ext>
+            </a:extLst>
+          </a:blip>
+          <a:stretch>
+            <a:fillRect/>
+          </a:stretch>
+        </p:blipFill>
+        <p:spPr>
+          <a:xfrm>
+            <a:off x="756643" y="160676"/>
+            <a:ext cx="10777859" cy="6520733"/>
+          </a:xfrm>
+          <a:prstGeom prst="rect">
+            <a:avLst/>
+          </a:prstGeom>
+        </p:spPr>
+      </p:pic>
+    </p:spTree>
+    <p:extLst>
+      <p:ext uri="{BB962C8B-B14F-4D97-AF65-F5344CB8AC3E}">
+        <p14:creationId xmlns:p14="http://schemas.microsoft.com/office/powerpoint/2010/main" val="2150126902"/>
+      </p:ext>
+    </p:extLst>
+  </p:cSld>
+  <p:clrMapOvr>
+    <a:masterClrMapping/>
+  </p:clrMapOvr>
+  <p:timing>
+    <p:tnLst>
+      <p:par>
+        <p:cTn id="1" dur="indefinite" restart="never" nodeType="tmRoot">
+          <p:childTnLst>
+            <p:seq concurrent="1" nextAc="seek">
+              <p:cTn id="2" dur="indefinite" nodeType="mainSeq">
+                <p:childTnLst>
+                  <p:par>
+                    <p:cTn id="3" fill="hold">
+                      <p:stCondLst>
+                        <p:cond delay="indefinite"/>
+                      </p:stCondLst>
+                      <p:childTnLst>
+                        <p:par>
+                          <p:cTn id="4" fill="hold">
+                            <p:stCondLst>
+                              <p:cond delay="0"/>
+                            </p:stCondLst>
+                            <p:childTnLst>
+                              <p:par>
+                                <p:cTn id="5" presetID="2" presetClass="entr" presetSubtype="4" fill="hold" nodeType="clickEffect">
+                                  <p:stCondLst>
+                                    <p:cond delay="0"/>
+                                  </p:stCondLst>
+                                  <p:childTnLst>
+                                    <p:set>
+                                      <p:cBhvr>
+                                        <p:cTn id="6" dur="1" fill="hold">
+                                          <p:stCondLst>
+                                            <p:cond delay="0"/>
+                                          </p:stCondLst>
+                                        </p:cTn>
+                                        <p:tgtEl>
+                                          <p:spTgt spid="10"/>
+                                        </p:tgtEl>
+                                        <p:attrNameLst>
+                                          <p:attrName>style.visibility</p:attrName>
+                                        </p:attrNameLst>
+                                      </p:cBhvr>
+                                      <p:to>
+                                        <p:strVal val="visible"/>
+                                      </p:to>
+                                    </p:set>
+                                    <p:anim calcmode="lin" valueType="num">
+                                      <p:cBhvr additive="base">
+                                        <p:cTn id="7" dur="500" fill="hold"/>
+                                        <p:tgtEl>
+                                          <p:spTgt spid="10"/>
+                                        </p:tgtEl>
+                                        <p:attrNameLst>
+                                          <p:attrName>ppt_x</p:attrName>
+                                        </p:attrNameLst>
+                                      </p:cBhvr>
+                                      <p:tavLst>
+                                        <p:tav tm="0">
+                                          <p:val>
+                                            <p:strVal val="#ppt_x"/>
+                                          </p:val>
+                                        </p:tav>
+                                        <p:tav tm="100000">
+                                          <p:val>
+                                            <p:strVal val="#ppt_x"/>
+                                          </p:val>
+                                        </p:tav>
+                                      </p:tavLst>
+                                    </p:anim>
+                                    <p:anim calcmode="lin" valueType="num">
+                                      <p:cBhvr additive="base">
+                                        <p:cTn id="8" dur="500" fill="hold"/>
+                                        <p:tgtEl>
+                                          <p:spTgt spid="10"/>
+                                        </p:tgtEl>
+                                        <p:attrNameLst>
+                                          <p:attrName>ppt_y</p:attrName>
+                                        </p:attrNameLst>
+                                      </p:cBhvr>
+                                      <p:tavLst>
+                                        <p:tav tm="0">
+                                          <p:val>
+                                            <p:strVal val="1+#ppt_h/2"/>
+                                          </p:val>
+                                        </p:tav>
+                                        <p:tav tm="100000">
+                                          <p:val>
+                                            <p:strVal val="#ppt_y"/>
+                                          </p:val>
+                                        </p:tav>
+                                      </p:tavLst>
+                                    </p:anim>
+                                  </p:childTnLst>
+                                </p:cTn>
+                              </p:par>
+                            </p:childTnLst>
+                          </p:cTn>
+                        </p:par>
+                      </p:childTnLst>
+                    </p:cTn>
+                  </p:par>
+                  <p:par>
+                    <p:cTn id="9" fill="hold">
+                      <p:stCondLst>
+                        <p:cond delay="indefinite"/>
+                      </p:stCondLst>
+                      <p:childTnLst>
+                        <p:par>
+                          <p:cTn id="10" fill="hold">
+                            <p:stCondLst>
+                              <p:cond delay="0"/>
+                            </p:stCondLst>
+                            <p:childTnLst>
+                              <p:par>
+                                <p:cTn id="11" presetID="42" presetClass="entr" presetSubtype="0" fill="hold" grpId="0" nodeType="clickEffect">
+                                  <p:stCondLst>
+                                    <p:cond delay="0"/>
+                                  </p:stCondLst>
+                                  <p:childTnLst>
+                                    <p:set>
+                                      <p:cBhvr>
+                                        <p:cTn id="12" dur="1" fill="hold">
+                                          <p:stCondLst>
+                                            <p:cond delay="0"/>
+                                          </p:stCondLst>
+                                        </p:cTn>
+                                        <p:tgtEl>
+                                          <p:spTgt spid="4"/>
+                                        </p:tgtEl>
+                                        <p:attrNameLst>
+                                          <p:attrName>style.visibility</p:attrName>
+                                        </p:attrNameLst>
+                                      </p:cBhvr>
+                                      <p:to>
+                                        <p:strVal val="visible"/>
+                                      </p:to>
+                                    </p:set>
+                                    <p:animEffect transition="in" filter="fade">
+                                      <p:cBhvr>
+                                        <p:cTn id="13" dur="1000"/>
+                                        <p:tgtEl>
+                                          <p:spTgt spid="4"/>
+                                        </p:tgtEl>
+                                      </p:cBhvr>
+                                    </p:animEffect>
+                                    <p:anim calcmode="lin" valueType="num">
+                                      <p:cBhvr>
+                                        <p:cTn id="14" dur="1000" fill="hold"/>
+                                        <p:tgtEl>
+                                          <p:spTgt spid="4"/>
+                                        </p:tgtEl>
+                                        <p:attrNameLst>
+                                          <p:attrName>ppt_x</p:attrName>
+                                        </p:attrNameLst>
+                                      </p:cBhvr>
+                                      <p:tavLst>
+                                        <p:tav tm="0">
+                                          <p:val>
+                                            <p:strVal val="#ppt_x"/>
+                                          </p:val>
+                                        </p:tav>
+                                        <p:tav tm="100000">
+                                          <p:val>
+                                            <p:strVal val="#ppt_x"/>
+                                          </p:val>
+                                        </p:tav>
+                                      </p:tavLst>
+                                    </p:anim>
+                                    <p:anim calcmode="lin" valueType="num">
+                                      <p:cBhvr>
+                                        <p:cTn id="15" dur="1000" fill="hold"/>
+                                        <p:tgtEl>
+                                          <p:spTgt spid="4"/>
+                                        </p:tgtEl>
+                                        <p:attrNameLst>
+                                          <p:attrName>ppt_y</p:attrName>
+                                        </p:attrNameLst>
+                                      </p:cBhvr>
+                                      <p:tavLst>
+                                        <p:tav tm="0">
+                                          <p:val>
+                                            <p:strVal val="#ppt_y+.1"/>
+                                          </p:val>
+                                        </p:tav>
+                                        <p:tav tm="100000">
+                                          <p:val>
+                                            <p:strVal val="#ppt_y"/>
+                                          </p:val>
+                                        </p:tav>
+                                      </p:tavLst>
+                                    </p:anim>
+                                  </p:childTnLst>
+                                </p:cTn>
+                              </p:par>
+                            </p:childTnLst>
+                          </p:cTn>
+                        </p:par>
+                      </p:childTnLst>
+                    </p:cTn>
+                  </p:par>
+                  <p:par>
+                    <p:cTn id="16" fill="hold">
+                      <p:stCondLst>
+                        <p:cond delay="indefinite"/>
+                      </p:stCondLst>
+                      <p:childTnLst>
+                        <p:par>
+                          <p:cTn id="17" fill="hold">
+                            <p:stCondLst>
+                              <p:cond delay="0"/>
+                            </p:stCondLst>
+                            <p:childTnLst>
+                              <p:par>
+                                <p:cTn id="18" presetID="42" presetClass="entr" presetSubtype="0" fill="hold" grpId="0" nodeType="clickEffect">
+                                  <p:stCondLst>
+                                    <p:cond delay="0"/>
+                                  </p:stCondLst>
+                                  <p:childTnLst>
+                                    <p:set>
+                                      <p:cBhvr>
+                                        <p:cTn id="19" dur="1" fill="hold">
+                                          <p:stCondLst>
+                                            <p:cond delay="0"/>
+                                          </p:stCondLst>
+                                        </p:cTn>
+                                        <p:tgtEl>
+                                          <p:spTgt spid="5"/>
+                                        </p:tgtEl>
+                                        <p:attrNameLst>
+                                          <p:attrName>style.visibility</p:attrName>
+                                        </p:attrNameLst>
+                                      </p:cBhvr>
+                                      <p:to>
+                                        <p:strVal val="visible"/>
+                                      </p:to>
+                                    </p:set>
+                                    <p:animEffect transition="in" filter="fade">
+                                      <p:cBhvr>
+                                        <p:cTn id="20" dur="1000"/>
+                                        <p:tgtEl>
+                                          <p:spTgt spid="5"/>
+                                        </p:tgtEl>
+                                      </p:cBhvr>
+                                    </p:animEffect>
+                                    <p:anim calcmode="lin" valueType="num">
+                                      <p:cBhvr>
+                                        <p:cTn id="21" dur="1000" fill="hold"/>
+                                        <p:tgtEl>
+                                          <p:spTgt spid="5"/>
+                                        </p:tgtEl>
+                                        <p:attrNameLst>
+                                          <p:attrName>ppt_x</p:attrName>
+                                        </p:attrNameLst>
+                                      </p:cBhvr>
+                                      <p:tavLst>
+                                        <p:tav tm="0">
+                                          <p:val>
+                                            <p:strVal val="#ppt_x"/>
+                                          </p:val>
+                                        </p:tav>
+                                        <p:tav tm="100000">
+                                          <p:val>
+                                            <p:strVal val="#ppt_x"/>
+                                          </p:val>
+                                        </p:tav>
+                                      </p:tavLst>
+                                    </p:anim>
+                                    <p:anim calcmode="lin" valueType="num">
+                                      <p:cBhvr>
+                                        <p:cTn id="22" dur="1000" fill="hold"/>
+                                        <p:tgtEl>
+                                          <p:spTgt spid="5"/>
+                                        </p:tgtEl>
+                                        <p:attrNameLst>
+                                          <p:attrName>ppt_y</p:attrName>
+                                        </p:attrNameLst>
+                                      </p:cBhvr>
+                                      <p:tavLst>
+                                        <p:tav tm="0">
+                                          <p:val>
+                                            <p:strVal val="#ppt_y+.1"/>
+                                          </p:val>
+                                        </p:tav>
+                                        <p:tav tm="100000">
+                                          <p:val>
+                                            <p:strVal val="#ppt_y"/>
+                                          </p:val>
+                                        </p:tav>
+                                      </p:tavLst>
+                                    </p:anim>
+                                  </p:childTnLst>
+                                </p:cTn>
+                              </p:par>
+                            </p:childTnLst>
+                          </p:cTn>
+                        </p:par>
+                      </p:childTnLst>
+                    </p:cTn>
+                  </p:par>
+                  <p:par>
+                    <p:cTn id="23" fill="hold">
+                      <p:stCondLst>
+                        <p:cond delay="indefinite"/>
+                      </p:stCondLst>
+                      <p:childTnLst>
+                        <p:par>
+                          <p:cTn id="24" fill="hold">
+                            <p:stCondLst>
+                              <p:cond delay="0"/>
+                            </p:stCondLst>
+                            <p:childTnLst>
+                              <p:par>
+                                <p:cTn id="25" presetID="42" presetClass="entr" presetSubtype="0" fill="hold" grpId="0" nodeType="clickEffect">
+                                  <p:stCondLst>
+                                    <p:cond delay="0"/>
+                                  </p:stCondLst>
+                                  <p:childTnLst>
+                                    <p:set>
+                                      <p:cBhvr>
+                                        <p:cTn id="26" dur="1" fill="hold">
+                                          <p:stCondLst>
+                                            <p:cond delay="0"/>
+                                          </p:stCondLst>
+                                        </p:cTn>
+                                        <p:tgtEl>
+                                          <p:spTgt spid="6"/>
+                                        </p:tgtEl>
+                                        <p:attrNameLst>
+                                          <p:attrName>style.visibility</p:attrName>
+                                        </p:attrNameLst>
+                                      </p:cBhvr>
+                                      <p:to>
+                                        <p:strVal val="visible"/>
+                                      </p:to>
+                                    </p:set>
+                                    <p:animEffect transition="in" filter="fade">
+                                      <p:cBhvr>
+                                        <p:cTn id="27" dur="1000"/>
+                                        <p:tgtEl>
+                                          <p:spTgt spid="6"/>
+                                        </p:tgtEl>
+                                      </p:cBhvr>
+                                    </p:animEffect>
+                                    <p:anim calcmode="lin" valueType="num">
+                                      <p:cBhvr>
+                                        <p:cTn id="28" dur="1000" fill="hold"/>
+                                        <p:tgtEl>
+                                          <p:spTgt spid="6"/>
+                                        </p:tgtEl>
+                                        <p:attrNameLst>
+                                          <p:attrName>ppt_x</p:attrName>
+                                        </p:attrNameLst>
+                                      </p:cBhvr>
+                                      <p:tavLst>
+                                        <p:tav tm="0">
+                                          <p:val>
+                                            <p:strVal val="#ppt_x"/>
+                                          </p:val>
+                                        </p:tav>
+                                        <p:tav tm="100000">
+                                          <p:val>
+                                            <p:strVal val="#ppt_x"/>
+                                          </p:val>
+                                        </p:tav>
+                                      </p:tavLst>
+                                    </p:anim>
+                                    <p:anim calcmode="lin" valueType="num">
+                                      <p:cBhvr>
+                                        <p:cTn id="29" dur="1000" fill="hold"/>
+                                        <p:tgtEl>
+                                          <p:spTgt spid="6"/>
+                                        </p:tgtEl>
+                                        <p:attrNameLst>
+                                          <p:attrName>ppt_y</p:attrName>
+                                        </p:attrNameLst>
+                                      </p:cBhvr>
+                                      <p:tavLst>
+                                        <p:tav tm="0">
+                                          <p:val>
+                                            <p:strVal val="#ppt_y+.1"/>
+                                          </p:val>
+                                        </p:tav>
+                                        <p:tav tm="100000">
+                                          <p:val>
+                                            <p:strVal val="#ppt_y"/>
+                                          </p:val>
+                                        </p:tav>
+                                      </p:tavLst>
+                                    </p:anim>
+                                  </p:childTnLst>
+                                </p:cTn>
+                              </p:par>
+                            </p:childTnLst>
+                          </p:cTn>
+                        </p:par>
+                      </p:childTnLst>
+                    </p:cTn>
+                  </p:par>
+                  <p:par>
+                    <p:cTn id="30" fill="hold">
+                      <p:stCondLst>
+                        <p:cond delay="indefinite"/>
+                      </p:stCondLst>
+                      <p:childTnLst>
+                        <p:par>
+                          <p:cTn id="31" fill="hold">
+                            <p:stCondLst>
+                              <p:cond delay="0"/>
+                            </p:stCondLst>
+                            <p:childTnLst>
+                              <p:par>
+                                <p:cTn id="32" presetID="42" presetClass="entr" presetSubtype="0" fill="hold" grpId="0" nodeType="clickEffect">
+                                  <p:stCondLst>
+                                    <p:cond delay="0"/>
+                                  </p:stCondLst>
+                                  <p:childTnLst>
+                                    <p:set>
+                                      <p:cBhvr>
+                                        <p:cTn id="33" dur="1" fill="hold">
+                                          <p:stCondLst>
+                                            <p:cond delay="0"/>
+                                          </p:stCondLst>
+                                        </p:cTn>
+                                        <p:tgtEl>
+                                          <p:spTgt spid="7"/>
+                                        </p:tgtEl>
+                                        <p:attrNameLst>
+                                          <p:attrName>style.visibility</p:attrName>
+                                        </p:attrNameLst>
+                                      </p:cBhvr>
+                                      <p:to>
+                                        <p:strVal val="visible"/>
+                                      </p:to>
+                                    </p:set>
+                                    <p:animEffect transition="in" filter="fade">
+                                      <p:cBhvr>
+                                        <p:cTn id="34" dur="1000"/>
+                                        <p:tgtEl>
+                                          <p:spTgt spid="7"/>
+                                        </p:tgtEl>
+                                      </p:cBhvr>
+                                    </p:animEffect>
+                                    <p:anim calcmode="lin" valueType="num">
+                                      <p:cBhvr>
+                                        <p:cTn id="35" dur="1000" fill="hold"/>
+                                        <p:tgtEl>
+                                          <p:spTgt spid="7"/>
+                                        </p:tgtEl>
+                                        <p:attrNameLst>
+                                          <p:attrName>ppt_x</p:attrName>
+                                        </p:attrNameLst>
+                                      </p:cBhvr>
+                                      <p:tavLst>
+                                        <p:tav tm="0">
+                                          <p:val>
+                                            <p:strVal val="#ppt_x"/>
+                                          </p:val>
+                                        </p:tav>
+                                        <p:tav tm="100000">
+                                          <p:val>
+                                            <p:strVal val="#ppt_x"/>
+                                          </p:val>
+                                        </p:tav>
+                                      </p:tavLst>
+                                    </p:anim>
+                                    <p:anim calcmode="lin" valueType="num">
+                                      <p:cBhvr>
+                                        <p:cTn id="36" dur="1000" fill="hold"/>
+                                        <p:tgtEl>
+                                          <p:spTgt spid="7"/>
+                                        </p:tgtEl>
+                                        <p:attrNameLst>
+                                          <p:attrName>ppt_y</p:attrName>
+                                        </p:attrNameLst>
+                                      </p:cBhvr>
+                                      <p:tavLst>
+                                        <p:tav tm="0">
+                                          <p:val>
+                                            <p:strVal val="#ppt_y+.1"/>
+                                          </p:val>
+                                        </p:tav>
+                                        <p:tav tm="100000">
+                                          <p:val>
+                                            <p:strVal val="#ppt_y"/>
+                                          </p:val>
+                                        </p:tav>
+                                      </p:tavLst>
+                                    </p:anim>
+                                  </p:childTnLst>
+                                </p:cTn>
+                              </p:par>
+                            </p:childTnLst>
+                          </p:cTn>
+                        </p:par>
+                      </p:childTnLst>
+                    </p:cTn>
+                  </p:par>
+                  <p:par>
+                    <p:cTn id="37" fill="hold">
+                      <p:stCondLst>
+                        <p:cond delay="indefinite"/>
+                      </p:stCondLst>
+                      <p:childTnLst>
+                        <p:par>
+                          <p:cTn id="38" fill="hold">
+                            <p:stCondLst>
+                              <p:cond delay="0"/>
+                            </p:stCondLst>
+                            <p:childTnLst>
+                              <p:par>
+                                <p:cTn id="39" presetID="42" presetClass="entr" presetSubtype="0" fill="hold" grpId="0" nodeType="clickEffect">
+                                  <p:stCondLst>
+                                    <p:cond delay="0"/>
+                                  </p:stCondLst>
+                                  <p:childTnLst>
+                                    <p:set>
+                                      <p:cBhvr>
+                                        <p:cTn id="40" dur="1" fill="hold">
+                                          <p:stCondLst>
+                                            <p:cond delay="0"/>
+                                          </p:stCondLst>
+                                        </p:cTn>
+                                        <p:tgtEl>
+                                          <p:spTgt spid="8"/>
+                                        </p:tgtEl>
+                                        <p:attrNameLst>
+                                          <p:attrName>style.visibility</p:attrName>
+                                        </p:attrNameLst>
+                                      </p:cBhvr>
+                                      <p:to>
+                                        <p:strVal val="visible"/>
+                                      </p:to>
+                                    </p:set>
+                                    <p:animEffect transition="in" filter="fade">
+                                      <p:cBhvr>
+                                        <p:cTn id="41" dur="1000"/>
+                                        <p:tgtEl>
+                                          <p:spTgt spid="8"/>
+                                        </p:tgtEl>
+                                      </p:cBhvr>
+                                    </p:animEffect>
+                                    <p:anim calcmode="lin" valueType="num">
+                                      <p:cBhvr>
+                                        <p:cTn id="42" dur="1000" fill="hold"/>
+                                        <p:tgtEl>
+                                          <p:spTgt spid="8"/>
+                                        </p:tgtEl>
+                                        <p:attrNameLst>
+                                          <p:attrName>ppt_x</p:attrName>
+                                        </p:attrNameLst>
+                                      </p:cBhvr>
+                                      <p:tavLst>
+                                        <p:tav tm="0">
+                                          <p:val>
+                                            <p:strVal val="#ppt_x"/>
+                                          </p:val>
+                                        </p:tav>
+                                        <p:tav tm="100000">
+                                          <p:val>
+                                            <p:strVal val="#ppt_x"/>
+                                          </p:val>
+                                        </p:tav>
+                                      </p:tavLst>
+                                    </p:anim>
+                                    <p:anim calcmode="lin" valueType="num">
+                                      <p:cBhvr>
+                                        <p:cTn id="43" dur="1000" fill="hold"/>
+                                        <p:tgtEl>
+                                          <p:spTgt spid="8"/>
+                                        </p:tgtEl>
+                                        <p:attrNameLst>
+                                          <p:attrName>ppt_y</p:attrName>
+                                        </p:attrNameLst>
+                                      </p:cBhvr>
+                                      <p:tavLst>
+                                        <p:tav tm="0">
+                                          <p:val>
+                                            <p:strVal val="#ppt_y+.1"/>
+                                          </p:val>
+                                        </p:tav>
+                                        <p:tav tm="100000">
+                                          <p:val>
+                                            <p:strVal val="#ppt_y"/>
+                                          </p:val>
+                                        </p:tav>
+                                      </p:tavLst>
+                                    </p:anim>
+                                  </p:childTnLst>
+                                </p:cTn>
+                              </p:par>
+                            </p:childTnLst>
+                          </p:cTn>
+                        </p:par>
+                      </p:childTnLst>
+                    </p:cTn>
+                  </p:par>
+                  <p:par>
+                    <p:cTn id="44" fill="hold">
+                      <p:stCondLst>
+                        <p:cond delay="indefinite"/>
+                      </p:stCondLst>
+                      <p:childTnLst>
+                        <p:par>
+                          <p:cTn id="45" fill="hold">
+                            <p:stCondLst>
+                              <p:cond delay="0"/>
+                            </p:stCondLst>
+                            <p:childTnLst>
+                              <p:par>
+                                <p:cTn id="46" presetID="10" presetClass="entr" presetSubtype="0" fill="hold" nodeType="clickEffect">
+                                  <p:stCondLst>
+                                    <p:cond delay="0"/>
+                                  </p:stCondLst>
+                                  <p:childTnLst>
+                                    <p:set>
+                                      <p:cBhvr>
+                                        <p:cTn id="47" dur="1" fill="hold">
+                                          <p:stCondLst>
+                                            <p:cond delay="0"/>
+                                          </p:stCondLst>
+                                        </p:cTn>
+                                        <p:tgtEl>
+                                          <p:spTgt spid="14"/>
+                                        </p:tgtEl>
+                                        <p:attrNameLst>
+                                          <p:attrName>style.visibility</p:attrName>
+                                        </p:attrNameLst>
+                                      </p:cBhvr>
+                                      <p:to>
+                                        <p:strVal val="visible"/>
+                                      </p:to>
+                                    </p:set>
+                                    <p:animEffect transition="in" filter="fade">
+                                      <p:cBhvr>
+                                        <p:cTn id="48" dur="500"/>
+                                        <p:tgtEl>
+                                          <p:spTgt spid="14"/>
+                                        </p:tgtEl>
+                                      </p:cBhvr>
+                                    </p:animEffect>
+                                  </p:childTnLst>
+                                </p:cTn>
+                              </p:par>
+                            </p:childTnLst>
+                          </p:cTn>
+                        </p:par>
+                      </p:childTnLst>
+                    </p:cTn>
+                  </p:par>
+                  <p:par>
+                    <p:cTn id="49" fill="hold">
+                      <p:stCondLst>
+                        <p:cond delay="indefinite"/>
+                      </p:stCondLst>
+                      <p:childTnLst>
+                        <p:par>
+                          <p:cTn id="50" fill="hold">
+                            <p:stCondLst>
+                              <p:cond delay="0"/>
+                            </p:stCondLst>
+                            <p:childTnLst>
+                              <p:par>
+                                <p:cTn id="51" presetID="42" presetClass="entr" presetSubtype="0" fill="hold" nodeType="clickEffect">
+                                  <p:stCondLst>
+                                    <p:cond delay="0"/>
+                                  </p:stCondLst>
+                                  <p:childTnLst>
+                                    <p:set>
+                                      <p:cBhvr>
+                                        <p:cTn id="52" dur="1" fill="hold">
+                                          <p:stCondLst>
+                                            <p:cond delay="0"/>
+                                          </p:stCondLst>
+                                        </p:cTn>
+                                        <p:tgtEl>
+                                          <p:spTgt spid="16"/>
+                                        </p:tgtEl>
+                                        <p:attrNameLst>
+                                          <p:attrName>style.visibility</p:attrName>
+                                        </p:attrNameLst>
+                                      </p:cBhvr>
+                                      <p:to>
+                                        <p:strVal val="visible"/>
+                                      </p:to>
+                                    </p:set>
+                                    <p:animEffect transition="in" filter="fade">
+                                      <p:cBhvr>
+                                        <p:cTn id="53" dur="1000"/>
+                                        <p:tgtEl>
+                                          <p:spTgt spid="16"/>
+                                        </p:tgtEl>
+                                      </p:cBhvr>
+                                    </p:animEffect>
+                                    <p:anim calcmode="lin" valueType="num">
+                                      <p:cBhvr>
+                                        <p:cTn id="54" dur="1000" fill="hold"/>
+                                        <p:tgtEl>
+                                          <p:spTgt spid="16"/>
+                                        </p:tgtEl>
+                                        <p:attrNameLst>
+                                          <p:attrName>ppt_x</p:attrName>
+                                        </p:attrNameLst>
+                                      </p:cBhvr>
+                                      <p:tavLst>
+                                        <p:tav tm="0">
+                                          <p:val>
+                                            <p:strVal val="#ppt_x"/>
+                                          </p:val>
+                                        </p:tav>
+                                        <p:tav tm="100000">
+                                          <p:val>
+                                            <p:strVal val="#ppt_x"/>
+                                          </p:val>
+                                        </p:tav>
+                                      </p:tavLst>
+                                    </p:anim>
+                                    <p:anim calcmode="lin" valueType="num">
+                                      <p:cBhvr>
+                                        <p:cTn id="55" dur="1000" fill="hold"/>
+                                        <p:tgtEl>
+                                          <p:spTgt spid="16"/>
+                                        </p:tgtEl>
+                                        <p:attrNameLst>
+                                          <p:attrName>ppt_y</p:attrName>
+                                        </p:attrNameLst>
+                                      </p:cBhvr>
+                                      <p:tavLst>
+                                        <p:tav tm="0">
+                                          <p:val>
+                                            <p:strVal val="#ppt_y+.1"/>
+                                          </p:val>
+                                        </p:tav>
+                                        <p:tav tm="100000">
+                                          <p:val>
+                                            <p:strVal val="#ppt_y"/>
+                                          </p:val>
+                                        </p:tav>
+                                      </p:tavLst>
+                                    </p:anim>
+                                  </p:childTnLst>
+                                </p:cTn>
+                              </p:par>
+                            </p:childTnLst>
+                          </p:cTn>
+                        </p:par>
+                      </p:childTnLst>
+                    </p:cTn>
+                  </p:par>
+                  <p:par>
+                    <p:cTn id="56" fill="hold">
+                      <p:stCondLst>
+                        <p:cond delay="indefinite"/>
+                      </p:stCondLst>
+                      <p:childTnLst>
+                        <p:par>
+                          <p:cTn id="57" fill="hold">
+                            <p:stCondLst>
+                              <p:cond delay="0"/>
+                            </p:stCondLst>
+                            <p:childTnLst>
+                              <p:par>
+                                <p:cTn id="58" presetID="6" presetClass="entr" presetSubtype="16" fill="hold" nodeType="clickEffect">
+                                  <p:stCondLst>
+                                    <p:cond delay="0"/>
+                                  </p:stCondLst>
+                                  <p:childTnLst>
+                                    <p:set>
+                                      <p:cBhvr>
+                                        <p:cTn id="59" dur="1" fill="hold">
+                                          <p:stCondLst>
+                                            <p:cond delay="0"/>
+                                          </p:stCondLst>
+                                        </p:cTn>
+                                        <p:tgtEl>
+                                          <p:spTgt spid="18"/>
+                                        </p:tgtEl>
+                                        <p:attrNameLst>
+                                          <p:attrName>style.visibility</p:attrName>
+                                        </p:attrNameLst>
+                                      </p:cBhvr>
+                                      <p:to>
+                                        <p:strVal val="visible"/>
+                                      </p:to>
+                                    </p:set>
+                                    <p:animEffect transition="in" filter="circle(in)">
+                                      <p:cBhvr>
+                                        <p:cTn id="60" dur="2000"/>
+                                        <p:tgtEl>
+                                          <p:spTgt spid="18"/>
+                                        </p:tgtEl>
+                                      </p:cBhvr>
+                                    </p:animEffect>
+                                  </p:childTnLst>
+                                </p:cTn>
+                              </p:par>
+                            </p:childTnLst>
+                          </p:cTn>
+                        </p:par>
+                      </p:childTnLst>
+                    </p:cTn>
+                  </p:par>
+                </p:childTnLst>
+              </p:cTn>
+              <p:prevCondLst>
+                <p:cond evt="onPrev" delay="0">
+                  <p:tgtEl>
+                    <p:sldTgt/>
+                  </p:tgtEl>
+                </p:cond>
+              </p:prevCondLst>
+              <p:nextCondLst>
+                <p:cond evt="onNext" delay="0">
+                  <p:tgtEl>
+                    <p:sldTgt/>
+                  </p:tgtEl>
+                </p:cond>
+              </p:nextCondLst>
+            </p:seq>
+          </p:childTnLst>
+        </p:cTn>
+      </p:par>
+    </p:tnLst>
+    <p:bldLst>
+      <p:bldP spid="4" grpId="0"/>
+      <p:bldP spid="5" grpId="0"/>
+      <p:bldP spid="6" grpId="0"/>
+      <p:bldP spid="7" grpId="0"/>
+      <p:bldP spid="8" grpId="0"/>
+    </p:bldLst>
+  </p:timing>
+</p:sld>
+</file>
+
+<file path=ppt/slides/slide5.xml><?xml version="1.0" encoding="utf-8"?>
+<p:sld xmlns:a="http://schemas.openxmlformats.org/drawingml/2006/main" xmlns:r="http://schemas.openxmlformats.org/officeDocument/2006/relationships" xmlns:p="http://schemas.openxmlformats.org/presentationml/2006/main">
+  <p:cSld>
+    <p:spTree>
+      <p:nvGrpSpPr>
+        <p:cNvPr id="1" name=""/>
+        <p:cNvGrpSpPr/>
+        <p:nvPr/>
+      </p:nvGrpSpPr>
+      <p:grpSpPr>
+        <a:xfrm>
+          <a:off x="0" y="0"/>
+          <a:ext cx="0" cy="0"/>
+          <a:chOff x="0" y="0"/>
+          <a:chExt cx="0" cy="0"/>
+        </a:xfrm>
+      </p:grpSpPr>
+      <p:sp>
+        <p:nvSpPr>
+          <p:cNvPr id="2" name="标题 1">
+            <a:extLst>
+              <a:ext uri="{FF2B5EF4-FFF2-40B4-BE49-F238E27FC236}">
+                <a16:creationId xmlns:a16="http://schemas.microsoft.com/office/drawing/2014/main" id="{06D72D65-BB8A-4964-A818-7AE69577D1FC}"/>
+              </a:ext>
+            </a:extLst>
+          </p:cNvPr>
+          <p:cNvSpPr>
+            <a:spLocks noGrp="1"/>
+          </p:cNvSpPr>
+          <p:nvPr>
+            <p:ph type="title"/>
+          </p:nvPr>
+        </p:nvSpPr>
+        <p:spPr/>
+        <p:txBody>
+          <a:bodyPr/>
+          <a:lstStyle/>
+          <a:p>
+            <a:endParaRPr lang="zh-CN" altLang="en-US" dirty="0"/>
+          </a:p>
+        </p:txBody>
+      </p:sp>
+      <p:sp>
+        <p:nvSpPr>
+          <p:cNvPr id="3" name="内容占位符 2">
+            <a:extLst>
+              <a:ext uri="{FF2B5EF4-FFF2-40B4-BE49-F238E27FC236}">
+                <a16:creationId xmlns:a16="http://schemas.microsoft.com/office/drawing/2014/main" id="{7D894B45-9825-4AEF-B072-98F64FEE8CE4}"/>
+              </a:ext>
+            </a:extLst>
+          </p:cNvPr>
+          <p:cNvSpPr>
+            <a:spLocks noGrp="1"/>
+          </p:cNvSpPr>
+          <p:nvPr>
+            <p:ph idx="1"/>
+          </p:nvPr>
+        </p:nvSpPr>
+        <p:spPr/>
+        <p:txBody>
+          <a:bodyPr/>
+          <a:lstStyle/>
+          <a:p>
+            <a:endParaRPr lang="zh-CN" altLang="en-US"/>
+          </a:p>
+        </p:txBody>
+      </p:sp>
+    </p:spTree>
+    <p:extLst>
+      <p:ext uri="{BB962C8B-B14F-4D97-AF65-F5344CB8AC3E}">
+        <p14:creationId xmlns:p14="http://schemas.microsoft.com/office/powerpoint/2010/main" val="3227688031"/>
+      </p:ext>
+    </p:extLst>
+  </p:cSld>
+  <p:clrMapOvr>
+    <a:masterClrMapping/>
+  </p:clrMapOvr>
+</p:sld>
+</file>
+
 <file path=ppt/theme/theme1.xml><?xml version="1.0" encoding="utf-8"?>
-<a:theme xmlns:a="http://schemas.openxmlformats.org/drawingml/2006/main" name="回顾">
+<a:theme xmlns:a="http://schemas.openxmlformats.org/drawingml/2006/main" name="画廊">
   <a:themeElements>
-    <a:clrScheme name="回顾">
+    <a:clrScheme name="画廊">
       <a:dk1>
-        <a:srgbClr val="000000"/>
+        <a:sysClr val="windowText" lastClr="000000"/>
       </a:dk1>
       <a:lt1>
         <a:sysClr val="window" lastClr="FFFFFF"/>
       </a:lt1>
       <a:dk2>
-        <a:srgbClr val="637052"/>
+        <a:srgbClr val="454545"/>
       </a:dk2>
       <a:lt2>
-        <a:srgbClr val="CCDDEA"/>
+        <a:srgbClr val="DFDBD5"/>
       </a:lt2>
       <a:accent1>
-        <a:srgbClr val="E48312"/>
+        <a:srgbClr val="B71E42"/>
       </a:accent1>
       <a:accent2>
-        <a:srgbClr val="BD582C"/>
+        <a:srgbClr val="DE478E"/>
       </a:accent2>
       <a:accent3>
-        <a:srgbClr val="865640"/>
+        <a:srgbClr val="BC72F0"/>
       </a:accent3>
       <a:accent4>
-        <a:srgbClr val="9B8357"/>
+        <a:srgbClr val="795FAF"/>
       </a:accent4>
       <a:accent5>
-        <a:srgbClr val="C2BC80"/>
+        <a:srgbClr val="586EA6"/>
       </a:accent5>
       <a:accent6>
-        <a:srgbClr val="94A088"/>
+        <a:srgbClr val="6892A0"/>
       </a:accent6>
       <a:hlink>
-        <a:srgbClr val="2998E3"/>
+        <a:srgbClr val="FA2B5C"/>
       </a:hlink>
       <a:folHlink>
-        <a:srgbClr val="8C8C8C"/>
+        <a:srgbClr val="BC658E"/>
       </a:folHlink>
     </a:clrScheme>
-    <a:fontScheme name="回顾">
+    <a:fontScheme name="画廊">
       <a:majorFont>
-        <a:latin typeface="Calibri Light" panose="020F0302020204030204"/>
+        <a:latin typeface="Gill Sans MT" panose="020B0502020104020203"/>
         <a:ea typeface=""/>
         <a:cs typeface=""/>
-        <a:font script="Jpan" typeface="ＭＳ Ｐゴシック"/>
+        <a:font script="Jpan" typeface="游ゴシック Light"/>
         <a:font script="Hang" typeface="맑은 고딕"/>
-        <a:font script="Hans" typeface="宋体"/>
+        <a:font script="Hans" typeface="等线 Light"/>
         <a:font script="Hant" typeface="新細明體"/>
         <a:font script="Arab" typeface="Times New Roman"/>
         <a:font script="Hebr" typeface="Times New Roman"/>
@@ -3948,12 +6847,12 @@
         <a:font script="Geor" typeface="Sylfaen"/>
       </a:majorFont>
       <a:minorFont>
-        <a:latin typeface="Calibri" panose="020F0502020204030204"/>
+        <a:latin typeface="Gill Sans MT" panose="020B0502020104020203"/>
         <a:ea typeface=""/>
         <a:cs typeface=""/>
-        <a:font script="Jpan" typeface="ＭＳ Ｐゴシック"/>
+        <a:font script="Jpan" typeface="游ゴシック"/>
         <a:font script="Hang" typeface="맑은 고딕"/>
-        <a:font script="Hans" typeface="宋体"/>
+        <a:font script="Hans" typeface="等线"/>
         <a:font script="Hant" typeface="新細明體"/>
         <a:font script="Arab" typeface="Arial"/>
         <a:font script="Hebr" typeface="Arial"/>
@@ -3983,7 +6882,7 @@
         <a:font script="Geor" typeface="Sylfaen"/>
       </a:minorFont>
     </a:fontScheme>
-    <a:fmtScheme name="回顾">
+    <a:fmtScheme name="画廊">
       <a:fillStyleLst>
         <a:solidFill>
           <a:schemeClr val="phClr"/>
@@ -3992,65 +6891,52 @@
           <a:gsLst>
             <a:gs pos="0">
               <a:schemeClr val="phClr">
-                <a:tint val="65000"/>
-                <a:shade val="92000"/>
-                <a:satMod val="130000"/>
-              </a:schemeClr>
-            </a:gs>
-            <a:gs pos="45000">
-              <a:schemeClr val="phClr">
-                <a:tint val="60000"/>
-                <a:shade val="99000"/>
-                <a:satMod val="120000"/>
+                <a:tint val="54000"/>
+                <a:alpha val="100000"/>
+                <a:satMod val="105000"/>
+                <a:lumMod val="110000"/>
               </a:schemeClr>
             </a:gs>
             <a:gs pos="100000">
               <a:schemeClr val="phClr">
-                <a:tint val="55000"/>
-                <a:satMod val="140000"/>
+                <a:tint val="78000"/>
+                <a:alpha val="92000"/>
+                <a:satMod val="109000"/>
+                <a:lumMod val="100000"/>
               </a:schemeClr>
             </a:gs>
           </a:gsLst>
-          <a:path path="circle">
-            <a:fillToRect l="100000" t="100000" r="100000" b="100000"/>
-          </a:path>
+          <a:lin ang="5400000" scaled="0"/>
         </a:gradFill>
         <a:gradFill rotWithShape="1">
           <a:gsLst>
             <a:gs pos="0">
               <a:schemeClr val="phClr">
-                <a:shade val="85000"/>
-                <a:satMod val="130000"/>
+                <a:tint val="98000"/>
+                <a:satMod val="110000"/>
+                <a:lumMod val="104000"/>
               </a:schemeClr>
             </a:gs>
-            <a:gs pos="34000">
+            <a:gs pos="69000">
               <a:schemeClr val="phClr">
-                <a:shade val="87000"/>
-                <a:satMod val="125000"/>
-              </a:schemeClr>
-            </a:gs>
-            <a:gs pos="70000">
-              <a:schemeClr val="phClr">
-                <a:tint val="100000"/>
-                <a:shade val="90000"/>
+                <a:shade val="88000"/>
                 <a:satMod val="130000"/>
+                <a:lumMod val="92000"/>
               </a:schemeClr>
             </a:gs>
             <a:gs pos="100000">
               <a:schemeClr val="phClr">
-                <a:tint val="100000"/>
-                <a:shade val="100000"/>
-                <a:satMod val="110000"/>
+                <a:shade val="78000"/>
+                <a:satMod val="130000"/>
+                <a:lumMod val="92000"/>
               </a:schemeClr>
             </a:gs>
           </a:gsLst>
-          <a:path path="circle">
-            <a:fillToRect l="100000" t="100000" r="100000" b="100000"/>
-          </a:path>
+          <a:lin ang="5400000" scaled="0"/>
         </a:gradFill>
       </a:fillStyleLst>
       <a:lnStyleLst>
-        <a:ln w="12700" cap="flat" cmpd="sng" algn="ctr">
+        <a:ln w="9525" cap="flat" cmpd="sng" algn="ctr">
           <a:solidFill>
             <a:schemeClr val="phClr"/>
           </a:solidFill>
@@ -4062,7 +6948,7 @@
           </a:solidFill>
           <a:prstDash val="solid"/>
         </a:ln>
-        <a:ln w="25400" cap="flat" cmpd="sng" algn="ctr">
+        <a:ln w="22225" cap="flat" cmpd="sng" algn="ctr">
           <a:solidFill>
             <a:schemeClr val="phClr"/>
           </a:solidFill>
@@ -4074,19 +6960,13 @@
           <a:effectLst/>
         </a:effectStyle>
         <a:effectStyle>
-          <a:effectLst>
-            <a:outerShdw blurRad="38100" dist="25400" dir="2700000" algn="br" rotWithShape="0">
-              <a:srgbClr val="000000">
-                <a:alpha val="60000"/>
-              </a:srgbClr>
-            </a:outerShdw>
-          </a:effectLst>
+          <a:effectLst/>
         </a:effectStyle>
         <a:effectStyle>
           <a:effectLst>
-            <a:outerShdw blurRad="44450" dist="25400" dir="2700000" algn="br" rotWithShape="0">
+            <a:outerShdw blurRad="50800" dist="50800" dir="5400000" sx="96000" sy="96000" rotWithShape="0">
               <a:srgbClr val="000000">
-                <a:alpha val="60000"/>
+                <a:alpha val="48000"/>
               </a:srgbClr>
             </a:outerShdw>
           </a:effectLst>
@@ -4094,12 +6974,12 @@
             <a:camera prst="orthographicFront">
               <a:rot lat="0" lon="0" rev="0"/>
             </a:camera>
-            <a:lightRig rig="threePt" dir="t">
-              <a:rot lat="0" lon="0" rev="19800000"/>
+            <a:lightRig rig="balanced" dir="t">
+              <a:rot lat="0" lon="0" rev="1080000"/>
             </a:lightRig>
           </a:scene3d>
-          <a:sp3d prstMaterial="flat">
-            <a:bevelT w="25400" h="31750"/>
+          <a:sp3d>
+            <a:bevelT w="38100" h="12700" prst="softRound"/>
           </a:sp3d>
         </a:effectStyle>
       </a:effectStyleLst>
@@ -4108,37 +6988,26 @@
           <a:schemeClr val="phClr"/>
         </a:solidFill>
         <a:solidFill>
-          <a:schemeClr val="phClr">
-            <a:tint val="90000"/>
-            <a:shade val="97000"/>
-            <a:satMod val="130000"/>
-          </a:schemeClr>
+          <a:schemeClr val="phClr"/>
         </a:solidFill>
         <a:gradFill rotWithShape="1">
           <a:gsLst>
             <a:gs pos="0">
               <a:schemeClr val="phClr">
-                <a:tint val="96000"/>
-                <a:shade val="99000"/>
-                <a:satMod val="140000"/>
-              </a:schemeClr>
-            </a:gs>
-            <a:gs pos="65000">
-              <a:schemeClr val="phClr">
-                <a:tint val="100000"/>
-                <a:shade val="80000"/>
-                <a:satMod val="130000"/>
+                <a:tint val="94000"/>
+                <a:satMod val="80000"/>
+                <a:lumMod val="106000"/>
               </a:schemeClr>
             </a:gs>
             <a:gs pos="100000">
               <a:schemeClr val="phClr">
-                <a:tint val="100000"/>
-                <a:shade val="48000"/>
-                <a:satMod val="120000"/>
+                <a:shade val="80000"/>
               </a:schemeClr>
             </a:gs>
           </a:gsLst>
-          <a:lin ang="16200000" scaled="0"/>
+          <a:path path="circle">
+            <a:fillToRect l="43000" r="43000" b="100000"/>
+          </a:path>
         </a:gradFill>
       </a:bgFillStyleLst>
     </a:fmtScheme>
@@ -4147,7 +7016,7 @@
   <a:extraClrSchemeLst/>
   <a:extLst>
     <a:ext uri="{05A4C25C-085E-4340-85A3-A5531E510DB2}">
-      <thm15:themeFamily xmlns:thm15="http://schemas.microsoft.com/office/thememl/2012/main" name="Retrospect" id="{5F128B03-DCCA-4EEB-AB3B-CF2899314A46}" vid="{3F1AAB62-24C6-49D2-8E01-B56FAC9A3DCD}"/>
+      <thm15:themeFamily xmlns:thm15="http://schemas.microsoft.com/office/thememl/2012/main" name="Gallery" id="{BBFCD31E-59A1-489D-B089-A3EAD7CAE12E}" vid="{F5E91637-A7B6-4E27-B710-77DA7014EE1E}"/>
     </a:ext>
   </a:extLst>
 </a:theme>

--- a/寻路算法.pptx
+++ b/寻路算法.pptx
@@ -8,8 +8,11 @@
     <p:sldId id="256" r:id="rId2"/>
     <p:sldId id="257" r:id="rId3"/>
     <p:sldId id="258" r:id="rId4"/>
-    <p:sldId id="259" r:id="rId5"/>
-    <p:sldId id="260" r:id="rId6"/>
+    <p:sldId id="261" r:id="rId5"/>
+    <p:sldId id="259" r:id="rId6"/>
+    <p:sldId id="260" r:id="rId7"/>
+    <p:sldId id="262" r:id="rId8"/>
+    <p:sldId id="263" r:id="rId9"/>
   </p:sldIdLst>
   <p:sldSz cx="12192000" cy="6858000"/>
   <p:notesSz cx="6858000" cy="9144000"/>
@@ -255,7 +258,7 @@
           <a:p>
             <a:fld id="{CD4C7CB1-F3D1-44D9-8BCE-3B5093233591}" type="datetimeFigureOut">
               <a:rPr lang="zh-CN" altLang="en-US" smtClean="0"/>
-              <a:t>2018/12/3</a:t>
+              <a:t>2018/12/4</a:t>
             </a:fld>
             <a:endParaRPr lang="zh-CN" altLang="en-US"/>
           </a:p>
@@ -466,7 +469,7 @@
           <a:p>
             <a:fld id="{CD4C7CB1-F3D1-44D9-8BCE-3B5093233591}" type="datetimeFigureOut">
               <a:rPr lang="zh-CN" altLang="en-US" smtClean="0"/>
-              <a:t>2018/12/3</a:t>
+              <a:t>2018/12/4</a:t>
             </a:fld>
             <a:endParaRPr lang="zh-CN" altLang="en-US"/>
           </a:p>
@@ -681,7 +684,7 @@
           <a:p>
             <a:fld id="{CD4C7CB1-F3D1-44D9-8BCE-3B5093233591}" type="datetimeFigureOut">
               <a:rPr lang="zh-CN" altLang="en-US" smtClean="0"/>
-              <a:t>2018/12/3</a:t>
+              <a:t>2018/12/4</a:t>
             </a:fld>
             <a:endParaRPr lang="zh-CN" altLang="en-US"/>
           </a:p>
@@ -882,7 +885,7 @@
           <a:p>
             <a:fld id="{CD4C7CB1-F3D1-44D9-8BCE-3B5093233591}" type="datetimeFigureOut">
               <a:rPr lang="zh-CN" altLang="en-US" smtClean="0"/>
-              <a:t>2018/12/3</a:t>
+              <a:t>2018/12/4</a:t>
             </a:fld>
             <a:endParaRPr lang="zh-CN" altLang="en-US"/>
           </a:p>
@@ -1161,7 +1164,7 @@
           <a:p>
             <a:fld id="{CD4C7CB1-F3D1-44D9-8BCE-3B5093233591}" type="datetimeFigureOut">
               <a:rPr lang="zh-CN" altLang="en-US" smtClean="0"/>
-              <a:t>2018/12/3</a:t>
+              <a:t>2018/12/4</a:t>
             </a:fld>
             <a:endParaRPr lang="zh-CN" altLang="en-US"/>
           </a:p>
@@ -1429,7 +1432,7 @@
           <a:p>
             <a:fld id="{CD4C7CB1-F3D1-44D9-8BCE-3B5093233591}" type="datetimeFigureOut">
               <a:rPr lang="zh-CN" altLang="en-US" smtClean="0"/>
-              <a:t>2018/12/3</a:t>
+              <a:t>2018/12/4</a:t>
             </a:fld>
             <a:endParaRPr lang="zh-CN" altLang="en-US"/>
           </a:p>
@@ -1845,7 +1848,7 @@
           <a:p>
             <a:fld id="{CD4C7CB1-F3D1-44D9-8BCE-3B5093233591}" type="datetimeFigureOut">
               <a:rPr lang="zh-CN" altLang="en-US" smtClean="0"/>
-              <a:t>2018/12/3</a:t>
+              <a:t>2018/12/4</a:t>
             </a:fld>
             <a:endParaRPr lang="zh-CN" altLang="en-US"/>
           </a:p>
@@ -1994,7 +1997,7 @@
           <a:p>
             <a:fld id="{CD4C7CB1-F3D1-44D9-8BCE-3B5093233591}" type="datetimeFigureOut">
               <a:rPr lang="zh-CN" altLang="en-US" smtClean="0"/>
-              <a:t>2018/12/3</a:t>
+              <a:t>2018/12/4</a:t>
             </a:fld>
             <a:endParaRPr lang="zh-CN" altLang="en-US"/>
           </a:p>
@@ -2120,7 +2123,7 @@
           <a:p>
             <a:fld id="{CD4C7CB1-F3D1-44D9-8BCE-3B5093233591}" type="datetimeFigureOut">
               <a:rPr lang="zh-CN" altLang="en-US" smtClean="0"/>
-              <a:t>2018/12/3</a:t>
+              <a:t>2018/12/4</a:t>
             </a:fld>
             <a:endParaRPr lang="zh-CN" altLang="en-US"/>
           </a:p>
@@ -2371,7 +2374,7 @@
           <a:p>
             <a:fld id="{CD4C7CB1-F3D1-44D9-8BCE-3B5093233591}" type="datetimeFigureOut">
               <a:rPr lang="zh-CN" altLang="en-US" smtClean="0"/>
-              <a:t>2018/12/3</a:t>
+              <a:t>2018/12/4</a:t>
             </a:fld>
             <a:endParaRPr lang="zh-CN" altLang="en-US"/>
           </a:p>
@@ -2816,7 +2819,7 @@
           <a:p>
             <a:fld id="{CD4C7CB1-F3D1-44D9-8BCE-3B5093233591}" type="datetimeFigureOut">
               <a:rPr lang="zh-CN" altLang="en-US" smtClean="0"/>
-              <a:t>2018/12/3</a:t>
+              <a:t>2018/12/4</a:t>
             </a:fld>
             <a:endParaRPr lang="zh-CN" altLang="en-US"/>
           </a:p>
@@ -3142,7 +3145,7 @@
           <a:p>
             <a:fld id="{CD4C7CB1-F3D1-44D9-8BCE-3B5093233591}" type="datetimeFigureOut">
               <a:rPr lang="zh-CN" altLang="en-US" smtClean="0"/>
-              <a:t>2018/12/3</a:t>
+              <a:t>2018/12/4</a:t>
             </a:fld>
             <a:endParaRPr lang="zh-CN" altLang="en-US"/>
           </a:p>
@@ -4641,8 +4644,8 @@
         </p:blipFill>
         <p:spPr>
           <a:xfrm>
-            <a:off x="5950773" y="2249628"/>
-            <a:ext cx="4827100" cy="3620325"/>
+            <a:off x="6484781" y="2249628"/>
+            <a:ext cx="3759083" cy="3620325"/>
           </a:xfrm>
           <a:prstGeom prst="rect">
             <a:avLst/>
@@ -4677,7 +4680,7 @@
         </p:blipFill>
         <p:spPr>
           <a:xfrm>
-            <a:off x="1922063" y="62788"/>
+            <a:off x="1451579" y="62788"/>
             <a:ext cx="9278017" cy="6732424"/>
           </a:xfrm>
           <a:prstGeom prst="rect">
@@ -5444,6 +5447,583 @@
 </file>
 
 <file path=ppt/slides/slide4.xml><?xml version="1.0" encoding="utf-8"?>
+<p:sld xmlns:a="http://schemas.openxmlformats.org/drawingml/2006/main" xmlns:r="http://schemas.openxmlformats.org/officeDocument/2006/relationships" xmlns:p="http://schemas.openxmlformats.org/presentationml/2006/main">
+  <p:cSld>
+    <p:spTree>
+      <p:nvGrpSpPr>
+        <p:cNvPr id="1" name=""/>
+        <p:cNvGrpSpPr/>
+        <p:nvPr/>
+      </p:nvGrpSpPr>
+      <p:grpSpPr>
+        <a:xfrm>
+          <a:off x="0" y="0"/>
+          <a:ext cx="0" cy="0"/>
+          <a:chOff x="0" y="0"/>
+          <a:chExt cx="0" cy="0"/>
+        </a:xfrm>
+      </p:grpSpPr>
+      <p:sp>
+        <p:nvSpPr>
+          <p:cNvPr id="4" name="文本框 3">
+            <a:extLst>
+              <a:ext uri="{FF2B5EF4-FFF2-40B4-BE49-F238E27FC236}">
+                <a16:creationId xmlns:a16="http://schemas.microsoft.com/office/drawing/2014/main" id="{2723B4F1-2B9B-483A-88B2-A8D9EA10383E}"/>
+              </a:ext>
+            </a:extLst>
+          </p:cNvPr>
+          <p:cNvSpPr txBox="1"/>
+          <p:nvPr/>
+        </p:nvSpPr>
+        <p:spPr>
+          <a:xfrm>
+            <a:off x="1529862" y="1222131"/>
+            <a:ext cx="7666892" cy="369332"/>
+          </a:xfrm>
+          <a:prstGeom prst="rect">
+            <a:avLst/>
+          </a:prstGeom>
+          <a:noFill/>
+        </p:spPr>
+        <p:txBody>
+          <a:bodyPr wrap="square" rtlCol="0">
+            <a:spAutoFit/>
+          </a:bodyPr>
+          <a:lstStyle/>
+          <a:p>
+            <a:r>
+              <a:rPr lang="en-US" altLang="zh-CN" dirty="0"/>
+              <a:t>DFS</a:t>
+            </a:r>
+            <a:r>
+              <a:rPr lang="zh-CN" altLang="en-US" dirty="0"/>
+              <a:t>几个问题</a:t>
+            </a:r>
+            <a:r>
+              <a:rPr lang="en-US" altLang="zh-CN" dirty="0"/>
+              <a:t>:</a:t>
+            </a:r>
+            <a:endParaRPr lang="zh-CN" altLang="en-US" dirty="0"/>
+          </a:p>
+        </p:txBody>
+      </p:sp>
+      <p:sp>
+        <p:nvSpPr>
+          <p:cNvPr id="5" name="文本框 4">
+            <a:extLst>
+              <a:ext uri="{FF2B5EF4-FFF2-40B4-BE49-F238E27FC236}">
+                <a16:creationId xmlns:a16="http://schemas.microsoft.com/office/drawing/2014/main" id="{9D6952DE-1B43-42FB-9CF9-A63A2F927C82}"/>
+              </a:ext>
+            </a:extLst>
+          </p:cNvPr>
+          <p:cNvSpPr txBox="1"/>
+          <p:nvPr/>
+        </p:nvSpPr>
+        <p:spPr>
+          <a:xfrm>
+            <a:off x="1529862" y="2110154"/>
+            <a:ext cx="7482253" cy="369332"/>
+          </a:xfrm>
+          <a:prstGeom prst="rect">
+            <a:avLst/>
+          </a:prstGeom>
+          <a:noFill/>
+        </p:spPr>
+        <p:txBody>
+          <a:bodyPr wrap="square" rtlCol="0">
+            <a:spAutoFit/>
+          </a:bodyPr>
+          <a:lstStyle/>
+          <a:p>
+            <a:r>
+              <a:rPr lang="en-US" altLang="zh-CN" dirty="0"/>
+              <a:t>1.</a:t>
+            </a:r>
+            <a:r>
+              <a:rPr lang="zh-CN" altLang="en-US" dirty="0"/>
+              <a:t>搜索得到的路径不是最优解；</a:t>
+            </a:r>
+          </a:p>
+        </p:txBody>
+      </p:sp>
+      <p:sp>
+        <p:nvSpPr>
+          <p:cNvPr id="6" name="文本框 5">
+            <a:extLst>
+              <a:ext uri="{FF2B5EF4-FFF2-40B4-BE49-F238E27FC236}">
+                <a16:creationId xmlns:a16="http://schemas.microsoft.com/office/drawing/2014/main" id="{9BAC9850-5979-4754-97A0-4922170A41D6}"/>
+              </a:ext>
+            </a:extLst>
+          </p:cNvPr>
+          <p:cNvSpPr txBox="1"/>
+          <p:nvPr/>
+        </p:nvSpPr>
+        <p:spPr>
+          <a:xfrm>
+            <a:off x="1529863" y="2787162"/>
+            <a:ext cx="6646984" cy="369332"/>
+          </a:xfrm>
+          <a:prstGeom prst="rect">
+            <a:avLst/>
+          </a:prstGeom>
+          <a:noFill/>
+        </p:spPr>
+        <p:txBody>
+          <a:bodyPr wrap="square" rtlCol="0">
+            <a:spAutoFit/>
+          </a:bodyPr>
+          <a:lstStyle/>
+          <a:p>
+            <a:r>
+              <a:rPr lang="en-US" altLang="zh-CN" dirty="0"/>
+              <a:t>2.</a:t>
+            </a:r>
+            <a:r>
+              <a:rPr lang="zh-CN" altLang="en-US" dirty="0"/>
+              <a:t>盲目搜索，“不撞南墙不回头”；</a:t>
+            </a:r>
+          </a:p>
+        </p:txBody>
+      </p:sp>
+      <p:sp>
+        <p:nvSpPr>
+          <p:cNvPr id="8" name="文本框 7">
+            <a:extLst>
+              <a:ext uri="{FF2B5EF4-FFF2-40B4-BE49-F238E27FC236}">
+                <a16:creationId xmlns:a16="http://schemas.microsoft.com/office/drawing/2014/main" id="{D731C3B4-2905-497D-9B60-E9315445BDB9}"/>
+              </a:ext>
+            </a:extLst>
+          </p:cNvPr>
+          <p:cNvSpPr txBox="1"/>
+          <p:nvPr/>
+        </p:nvSpPr>
+        <p:spPr>
+          <a:xfrm>
+            <a:off x="1529862" y="3446585"/>
+            <a:ext cx="7183315" cy="369332"/>
+          </a:xfrm>
+          <a:prstGeom prst="rect">
+            <a:avLst/>
+          </a:prstGeom>
+          <a:noFill/>
+        </p:spPr>
+        <p:txBody>
+          <a:bodyPr wrap="square" rtlCol="0">
+            <a:spAutoFit/>
+          </a:bodyPr>
+          <a:lstStyle/>
+          <a:p>
+            <a:r>
+              <a:rPr lang="en-US" altLang="zh-CN" dirty="0"/>
+              <a:t>3.</a:t>
+            </a:r>
+            <a:r>
+              <a:rPr lang="zh-CN" altLang="en-US" dirty="0"/>
+              <a:t>有相交节点时，需要判重，不然会浪费大量的时间。</a:t>
+            </a:r>
+          </a:p>
+        </p:txBody>
+      </p:sp>
+    </p:spTree>
+    <p:extLst>
+      <p:ext uri="{BB962C8B-B14F-4D97-AF65-F5344CB8AC3E}">
+        <p14:creationId xmlns:p14="http://schemas.microsoft.com/office/powerpoint/2010/main" val="4227423231"/>
+      </p:ext>
+    </p:extLst>
+  </p:cSld>
+  <p:clrMapOvr>
+    <a:masterClrMapping/>
+  </p:clrMapOvr>
+  <p:timing>
+    <p:tnLst>
+      <p:par>
+        <p:cTn id="1" dur="indefinite" restart="never" nodeType="tmRoot">
+          <p:childTnLst>
+            <p:seq concurrent="1" nextAc="seek">
+              <p:cTn id="2" dur="indefinite" nodeType="mainSeq">
+                <p:childTnLst>
+                  <p:par>
+                    <p:cTn id="3" fill="hold">
+                      <p:stCondLst>
+                        <p:cond delay="indefinite"/>
+                      </p:stCondLst>
+                      <p:childTnLst>
+                        <p:par>
+                          <p:cTn id="4" fill="hold">
+                            <p:stCondLst>
+                              <p:cond delay="0"/>
+                            </p:stCondLst>
+                            <p:childTnLst>
+                              <p:par>
+                                <p:cTn id="5" presetID="10" presetClass="entr" presetSubtype="0" fill="hold" grpId="0" nodeType="clickEffect">
+                                  <p:stCondLst>
+                                    <p:cond delay="0"/>
+                                  </p:stCondLst>
+                                  <p:childTnLst>
+                                    <p:set>
+                                      <p:cBhvr>
+                                        <p:cTn id="6" dur="1" fill="hold">
+                                          <p:stCondLst>
+                                            <p:cond delay="0"/>
+                                          </p:stCondLst>
+                                        </p:cTn>
+                                        <p:tgtEl>
+                                          <p:spTgt spid="4"/>
+                                        </p:tgtEl>
+                                        <p:attrNameLst>
+                                          <p:attrName>style.visibility</p:attrName>
+                                        </p:attrNameLst>
+                                      </p:cBhvr>
+                                      <p:to>
+                                        <p:strVal val="visible"/>
+                                      </p:to>
+                                    </p:set>
+                                    <p:animEffect transition="in" filter="fade">
+                                      <p:cBhvr>
+                                        <p:cTn id="7" dur="500"/>
+                                        <p:tgtEl>
+                                          <p:spTgt spid="4"/>
+                                        </p:tgtEl>
+                                      </p:cBhvr>
+                                    </p:animEffect>
+                                  </p:childTnLst>
+                                </p:cTn>
+                              </p:par>
+                            </p:childTnLst>
+                          </p:cTn>
+                        </p:par>
+                      </p:childTnLst>
+                    </p:cTn>
+                  </p:par>
+                  <p:par>
+                    <p:cTn id="8" fill="hold">
+                      <p:stCondLst>
+                        <p:cond delay="indefinite"/>
+                      </p:stCondLst>
+                      <p:childTnLst>
+                        <p:par>
+                          <p:cTn id="9" fill="hold">
+                            <p:stCondLst>
+                              <p:cond delay="0"/>
+                            </p:stCondLst>
+                            <p:childTnLst>
+                              <p:par>
+                                <p:cTn id="10" presetID="42" presetClass="entr" presetSubtype="0" fill="hold" grpId="0" nodeType="clickEffect">
+                                  <p:stCondLst>
+                                    <p:cond delay="0"/>
+                                  </p:stCondLst>
+                                  <p:childTnLst>
+                                    <p:set>
+                                      <p:cBhvr>
+                                        <p:cTn id="11" dur="1" fill="hold">
+                                          <p:stCondLst>
+                                            <p:cond delay="0"/>
+                                          </p:stCondLst>
+                                        </p:cTn>
+                                        <p:tgtEl>
+                                          <p:spTgt spid="5"/>
+                                        </p:tgtEl>
+                                        <p:attrNameLst>
+                                          <p:attrName>style.visibility</p:attrName>
+                                        </p:attrNameLst>
+                                      </p:cBhvr>
+                                      <p:to>
+                                        <p:strVal val="visible"/>
+                                      </p:to>
+                                    </p:set>
+                                    <p:animEffect transition="in" filter="fade">
+                                      <p:cBhvr>
+                                        <p:cTn id="12" dur="1000"/>
+                                        <p:tgtEl>
+                                          <p:spTgt spid="5"/>
+                                        </p:tgtEl>
+                                      </p:cBhvr>
+                                    </p:animEffect>
+                                    <p:anim calcmode="lin" valueType="num">
+                                      <p:cBhvr>
+                                        <p:cTn id="13" dur="1000" fill="hold"/>
+                                        <p:tgtEl>
+                                          <p:spTgt spid="5"/>
+                                        </p:tgtEl>
+                                        <p:attrNameLst>
+                                          <p:attrName>ppt_x</p:attrName>
+                                        </p:attrNameLst>
+                                      </p:cBhvr>
+                                      <p:tavLst>
+                                        <p:tav tm="0">
+                                          <p:val>
+                                            <p:strVal val="#ppt_x"/>
+                                          </p:val>
+                                        </p:tav>
+                                        <p:tav tm="100000">
+                                          <p:val>
+                                            <p:strVal val="#ppt_x"/>
+                                          </p:val>
+                                        </p:tav>
+                                      </p:tavLst>
+                                    </p:anim>
+                                    <p:anim calcmode="lin" valueType="num">
+                                      <p:cBhvr>
+                                        <p:cTn id="14" dur="1000" fill="hold"/>
+                                        <p:tgtEl>
+                                          <p:spTgt spid="5"/>
+                                        </p:tgtEl>
+                                        <p:attrNameLst>
+                                          <p:attrName>ppt_y</p:attrName>
+                                        </p:attrNameLst>
+                                      </p:cBhvr>
+                                      <p:tavLst>
+                                        <p:tav tm="0">
+                                          <p:val>
+                                            <p:strVal val="#ppt_y+.1"/>
+                                          </p:val>
+                                        </p:tav>
+                                        <p:tav tm="100000">
+                                          <p:val>
+                                            <p:strVal val="#ppt_y"/>
+                                          </p:val>
+                                        </p:tav>
+                                      </p:tavLst>
+                                    </p:anim>
+                                  </p:childTnLst>
+                                </p:cTn>
+                              </p:par>
+                            </p:childTnLst>
+                          </p:cTn>
+                        </p:par>
+                      </p:childTnLst>
+                    </p:cTn>
+                  </p:par>
+                  <p:par>
+                    <p:cTn id="15" fill="hold">
+                      <p:stCondLst>
+                        <p:cond delay="indefinite"/>
+                      </p:stCondLst>
+                      <p:childTnLst>
+                        <p:par>
+                          <p:cTn id="16" fill="hold">
+                            <p:stCondLst>
+                              <p:cond delay="0"/>
+                            </p:stCondLst>
+                            <p:childTnLst>
+                              <p:par>
+                                <p:cTn id="17" presetID="42" presetClass="entr" presetSubtype="0" fill="hold" grpId="0" nodeType="clickEffect">
+                                  <p:stCondLst>
+                                    <p:cond delay="0"/>
+                                  </p:stCondLst>
+                                  <p:childTnLst>
+                                    <p:set>
+                                      <p:cBhvr>
+                                        <p:cTn id="18" dur="1" fill="hold">
+                                          <p:stCondLst>
+                                            <p:cond delay="0"/>
+                                          </p:stCondLst>
+                                        </p:cTn>
+                                        <p:tgtEl>
+                                          <p:spTgt spid="6"/>
+                                        </p:tgtEl>
+                                        <p:attrNameLst>
+                                          <p:attrName>style.visibility</p:attrName>
+                                        </p:attrNameLst>
+                                      </p:cBhvr>
+                                      <p:to>
+                                        <p:strVal val="visible"/>
+                                      </p:to>
+                                    </p:set>
+                                    <p:animEffect transition="in" filter="fade">
+                                      <p:cBhvr>
+                                        <p:cTn id="19" dur="1000"/>
+                                        <p:tgtEl>
+                                          <p:spTgt spid="6"/>
+                                        </p:tgtEl>
+                                      </p:cBhvr>
+                                    </p:animEffect>
+                                    <p:anim calcmode="lin" valueType="num">
+                                      <p:cBhvr>
+                                        <p:cTn id="20" dur="1000" fill="hold"/>
+                                        <p:tgtEl>
+                                          <p:spTgt spid="6"/>
+                                        </p:tgtEl>
+                                        <p:attrNameLst>
+                                          <p:attrName>ppt_x</p:attrName>
+                                        </p:attrNameLst>
+                                      </p:cBhvr>
+                                      <p:tavLst>
+                                        <p:tav tm="0">
+                                          <p:val>
+                                            <p:strVal val="#ppt_x"/>
+                                          </p:val>
+                                        </p:tav>
+                                        <p:tav tm="100000">
+                                          <p:val>
+                                            <p:strVal val="#ppt_x"/>
+                                          </p:val>
+                                        </p:tav>
+                                      </p:tavLst>
+                                    </p:anim>
+                                    <p:anim calcmode="lin" valueType="num">
+                                      <p:cBhvr>
+                                        <p:cTn id="21" dur="1000" fill="hold"/>
+                                        <p:tgtEl>
+                                          <p:spTgt spid="6"/>
+                                        </p:tgtEl>
+                                        <p:attrNameLst>
+                                          <p:attrName>ppt_y</p:attrName>
+                                        </p:attrNameLst>
+                                      </p:cBhvr>
+                                      <p:tavLst>
+                                        <p:tav tm="0">
+                                          <p:val>
+                                            <p:strVal val="#ppt_y+.1"/>
+                                          </p:val>
+                                        </p:tav>
+                                        <p:tav tm="100000">
+                                          <p:val>
+                                            <p:strVal val="#ppt_y"/>
+                                          </p:val>
+                                        </p:tav>
+                                      </p:tavLst>
+                                    </p:anim>
+                                  </p:childTnLst>
+                                </p:cTn>
+                              </p:par>
+                            </p:childTnLst>
+                          </p:cTn>
+                        </p:par>
+                      </p:childTnLst>
+                    </p:cTn>
+                  </p:par>
+                  <p:par>
+                    <p:cTn id="22" fill="hold">
+                      <p:stCondLst>
+                        <p:cond delay="indefinite"/>
+                      </p:stCondLst>
+                      <p:childTnLst>
+                        <p:par>
+                          <p:cTn id="23" fill="hold">
+                            <p:stCondLst>
+                              <p:cond delay="0"/>
+                            </p:stCondLst>
+                            <p:childTnLst>
+                              <p:par>
+                                <p:cTn id="24" presetID="42" presetClass="entr" presetSubtype="0" fill="hold" grpId="0" nodeType="clickEffect">
+                                  <p:stCondLst>
+                                    <p:cond delay="0"/>
+                                  </p:stCondLst>
+                                  <p:childTnLst>
+                                    <p:set>
+                                      <p:cBhvr>
+                                        <p:cTn id="25" dur="1" fill="hold">
+                                          <p:stCondLst>
+                                            <p:cond delay="0"/>
+                                          </p:stCondLst>
+                                        </p:cTn>
+                                        <p:tgtEl>
+                                          <p:spTgt spid="8"/>
+                                        </p:tgtEl>
+                                        <p:attrNameLst>
+                                          <p:attrName>style.visibility</p:attrName>
+                                        </p:attrNameLst>
+                                      </p:cBhvr>
+                                      <p:to>
+                                        <p:strVal val="visible"/>
+                                      </p:to>
+                                    </p:set>
+                                    <p:animEffect transition="in" filter="fade">
+                                      <p:cBhvr>
+                                        <p:cTn id="26" dur="1000"/>
+                                        <p:tgtEl>
+                                          <p:spTgt spid="8"/>
+                                        </p:tgtEl>
+                                      </p:cBhvr>
+                                    </p:animEffect>
+                                    <p:anim calcmode="lin" valueType="num">
+                                      <p:cBhvr>
+                                        <p:cTn id="27" dur="1000" fill="hold"/>
+                                        <p:tgtEl>
+                                          <p:spTgt spid="8"/>
+                                        </p:tgtEl>
+                                        <p:attrNameLst>
+                                          <p:attrName>ppt_x</p:attrName>
+                                        </p:attrNameLst>
+                                      </p:cBhvr>
+                                      <p:tavLst>
+                                        <p:tav tm="0">
+                                          <p:val>
+                                            <p:strVal val="#ppt_x"/>
+                                          </p:val>
+                                        </p:tav>
+                                        <p:tav tm="100000">
+                                          <p:val>
+                                            <p:strVal val="#ppt_x"/>
+                                          </p:val>
+                                        </p:tav>
+                                      </p:tavLst>
+                                    </p:anim>
+                                    <p:anim calcmode="lin" valueType="num">
+                                      <p:cBhvr>
+                                        <p:cTn id="28" dur="1000" fill="hold"/>
+                                        <p:tgtEl>
+                                          <p:spTgt spid="8"/>
+                                        </p:tgtEl>
+                                        <p:attrNameLst>
+                                          <p:attrName>ppt_y</p:attrName>
+                                        </p:attrNameLst>
+                                      </p:cBhvr>
+                                      <p:tavLst>
+                                        <p:tav tm="0">
+                                          <p:val>
+                                            <p:strVal val="#ppt_y+.1"/>
+                                          </p:val>
+                                        </p:tav>
+                                        <p:tav tm="100000">
+                                          <p:val>
+                                            <p:strVal val="#ppt_y"/>
+                                          </p:val>
+                                        </p:tav>
+                                      </p:tavLst>
+                                    </p:anim>
+                                  </p:childTnLst>
+                                </p:cTn>
+                              </p:par>
+                            </p:childTnLst>
+                          </p:cTn>
+                        </p:par>
+                      </p:childTnLst>
+                    </p:cTn>
+                  </p:par>
+                </p:childTnLst>
+              </p:cTn>
+              <p:prevCondLst>
+                <p:cond evt="onPrev" delay="0">
+                  <p:tgtEl>
+                    <p:sldTgt/>
+                  </p:tgtEl>
+                </p:cond>
+              </p:prevCondLst>
+              <p:nextCondLst>
+                <p:cond evt="onNext" delay="0">
+                  <p:tgtEl>
+                    <p:sldTgt/>
+                  </p:tgtEl>
+                </p:cond>
+              </p:nextCondLst>
+            </p:seq>
+          </p:childTnLst>
+        </p:cTn>
+      </p:par>
+    </p:tnLst>
+    <p:bldLst>
+      <p:bldP spid="4" grpId="0"/>
+      <p:bldP spid="5" grpId="0"/>
+      <p:bldP spid="6" grpId="0"/>
+      <p:bldP spid="8" grpId="0"/>
+    </p:bldLst>
+  </p:timing>
+</p:sld>
+</file>
+
+<file path=ppt/slides/slide5.xml><?xml version="1.0" encoding="utf-8"?>
 <p:sld xmlns:a="http://schemas.openxmlformats.org/drawingml/2006/main" xmlns:r="http://schemas.openxmlformats.org/officeDocument/2006/relationships" xmlns:p="http://schemas.openxmlformats.org/presentationml/2006/main">
   <p:cSld>
     <p:spTree>
@@ -6689,7 +7269,7 @@
 </p:sld>
 </file>
 
-<file path=ppt/slides/slide5.xml><?xml version="1.0" encoding="utf-8"?>
+<file path=ppt/slides/slide6.xml><?xml version="1.0" encoding="utf-8"?>
 <p:sld xmlns:a="http://schemas.openxmlformats.org/drawingml/2006/main" xmlns:r="http://schemas.openxmlformats.org/officeDocument/2006/relationships" xmlns:p="http://schemas.openxmlformats.org/presentationml/2006/main">
   <p:cSld>
     <p:spTree>
@@ -6708,10 +7288,2116 @@
       </p:grpSpPr>
       <p:sp>
         <p:nvSpPr>
+          <p:cNvPr id="4" name="文本框 3">
+            <a:extLst>
+              <a:ext uri="{FF2B5EF4-FFF2-40B4-BE49-F238E27FC236}">
+                <a16:creationId xmlns:a16="http://schemas.microsoft.com/office/drawing/2014/main" id="{95BD63B0-775A-441D-99B1-5EA9F83D7EB6}"/>
+              </a:ext>
+            </a:extLst>
+          </p:cNvPr>
+          <p:cNvSpPr txBox="1"/>
+          <p:nvPr/>
+        </p:nvSpPr>
+        <p:spPr>
+          <a:xfrm>
+            <a:off x="1406769" y="1362808"/>
+            <a:ext cx="7631723" cy="369332"/>
+          </a:xfrm>
+          <a:prstGeom prst="rect">
+            <a:avLst/>
+          </a:prstGeom>
+          <a:noFill/>
+        </p:spPr>
+        <p:txBody>
+          <a:bodyPr wrap="square" rtlCol="0">
+            <a:spAutoFit/>
+          </a:bodyPr>
+          <a:lstStyle/>
+          <a:p>
+            <a:r>
+              <a:rPr lang="en-US" altLang="zh-CN" dirty="0"/>
+              <a:t>BFS</a:t>
+            </a:r>
+            <a:r>
+              <a:rPr lang="zh-CN" altLang="en-US" dirty="0"/>
+              <a:t>的几个问题</a:t>
+            </a:r>
+            <a:r>
+              <a:rPr lang="en-US" altLang="zh-CN" dirty="0"/>
+              <a:t>:</a:t>
+            </a:r>
+            <a:endParaRPr lang="zh-CN" altLang="en-US" dirty="0"/>
+          </a:p>
+        </p:txBody>
+      </p:sp>
+      <p:sp>
+        <p:nvSpPr>
+          <p:cNvPr id="5" name="文本框 4">
+            <a:extLst>
+              <a:ext uri="{FF2B5EF4-FFF2-40B4-BE49-F238E27FC236}">
+                <a16:creationId xmlns:a16="http://schemas.microsoft.com/office/drawing/2014/main" id="{02FD914F-3138-4728-A8D2-CE83653B0BFD}"/>
+              </a:ext>
+            </a:extLst>
+          </p:cNvPr>
+          <p:cNvSpPr txBox="1"/>
+          <p:nvPr/>
+        </p:nvSpPr>
+        <p:spPr>
+          <a:xfrm>
+            <a:off x="1406769" y="2206869"/>
+            <a:ext cx="7200900" cy="369332"/>
+          </a:xfrm>
+          <a:prstGeom prst="rect">
+            <a:avLst/>
+          </a:prstGeom>
+          <a:noFill/>
+        </p:spPr>
+        <p:txBody>
+          <a:bodyPr wrap="square" rtlCol="0">
+            <a:spAutoFit/>
+          </a:bodyPr>
+          <a:lstStyle/>
+          <a:p>
+            <a:r>
+              <a:rPr lang="en-US" altLang="zh-CN" dirty="0"/>
+              <a:t>1.</a:t>
+            </a:r>
+            <a:r>
+              <a:rPr lang="zh-CN" altLang="en-US" dirty="0"/>
+              <a:t>得到的最短路径；</a:t>
+            </a:r>
+          </a:p>
+        </p:txBody>
+      </p:sp>
+      <p:sp>
+        <p:nvSpPr>
+          <p:cNvPr id="6" name="文本框 5">
+            <a:extLst>
+              <a:ext uri="{FF2B5EF4-FFF2-40B4-BE49-F238E27FC236}">
+                <a16:creationId xmlns:a16="http://schemas.microsoft.com/office/drawing/2014/main" id="{FAAC7D59-B66D-4004-820A-668F27688DAC}"/>
+              </a:ext>
+            </a:extLst>
+          </p:cNvPr>
+          <p:cNvSpPr txBox="1"/>
+          <p:nvPr/>
+        </p:nvSpPr>
+        <p:spPr>
+          <a:xfrm>
+            <a:off x="1406769" y="2804746"/>
+            <a:ext cx="5240215" cy="369332"/>
+          </a:xfrm>
+          <a:prstGeom prst="rect">
+            <a:avLst/>
+          </a:prstGeom>
+          <a:noFill/>
+        </p:spPr>
+        <p:txBody>
+          <a:bodyPr wrap="square" rtlCol="0">
+            <a:spAutoFit/>
+          </a:bodyPr>
+          <a:lstStyle/>
+          <a:p>
+            <a:r>
+              <a:rPr lang="en-US" altLang="zh-CN" dirty="0"/>
+              <a:t>2.</a:t>
+            </a:r>
+            <a:r>
+              <a:rPr lang="zh-CN" altLang="en-US" dirty="0"/>
+              <a:t>盲目式搜索；</a:t>
+            </a:r>
+          </a:p>
+        </p:txBody>
+      </p:sp>
+      <p:sp>
+        <p:nvSpPr>
+          <p:cNvPr id="7" name="文本框 6">
+            <a:extLst>
+              <a:ext uri="{FF2B5EF4-FFF2-40B4-BE49-F238E27FC236}">
+                <a16:creationId xmlns:a16="http://schemas.microsoft.com/office/drawing/2014/main" id="{912E2EE9-A528-48F1-A9CA-B84F0525C067}"/>
+              </a:ext>
+            </a:extLst>
+          </p:cNvPr>
+          <p:cNvSpPr txBox="1"/>
+          <p:nvPr/>
+        </p:nvSpPr>
+        <p:spPr>
+          <a:xfrm>
+            <a:off x="1406769" y="3402623"/>
+            <a:ext cx="9724293" cy="646331"/>
+          </a:xfrm>
+          <a:prstGeom prst="rect">
+            <a:avLst/>
+          </a:prstGeom>
+          <a:noFill/>
+        </p:spPr>
+        <p:txBody>
+          <a:bodyPr wrap="square" rtlCol="0">
+            <a:spAutoFit/>
+          </a:bodyPr>
+          <a:lstStyle/>
+          <a:p>
+            <a:r>
+              <a:rPr lang="en-US" altLang="zh-CN" dirty="0"/>
+              <a:t>3.</a:t>
+            </a:r>
+            <a:r>
+              <a:rPr lang="zh-CN" altLang="en-US" dirty="0"/>
+              <a:t>到邻接子节点的带价相同，无法考虑复杂的地形问题，比如在平地，草地，河流移动带价有所差别的寻路；</a:t>
+            </a:r>
+          </a:p>
+        </p:txBody>
+      </p:sp>
+    </p:spTree>
+    <p:extLst>
+      <p:ext uri="{BB962C8B-B14F-4D97-AF65-F5344CB8AC3E}">
+        <p14:creationId xmlns:p14="http://schemas.microsoft.com/office/powerpoint/2010/main" val="3227688031"/>
+      </p:ext>
+    </p:extLst>
+  </p:cSld>
+  <p:clrMapOvr>
+    <a:masterClrMapping/>
+  </p:clrMapOvr>
+  <p:timing>
+    <p:tnLst>
+      <p:par>
+        <p:cTn id="1" dur="indefinite" restart="never" nodeType="tmRoot">
+          <p:childTnLst>
+            <p:seq concurrent="1" nextAc="seek">
+              <p:cTn id="2" dur="indefinite" nodeType="mainSeq">
+                <p:childTnLst>
+                  <p:par>
+                    <p:cTn id="3" fill="hold">
+                      <p:stCondLst>
+                        <p:cond delay="indefinite"/>
+                      </p:stCondLst>
+                      <p:childTnLst>
+                        <p:par>
+                          <p:cTn id="4" fill="hold">
+                            <p:stCondLst>
+                              <p:cond delay="0"/>
+                            </p:stCondLst>
+                            <p:childTnLst>
+                              <p:par>
+                                <p:cTn id="5" presetID="10" presetClass="entr" presetSubtype="0" fill="hold" grpId="0" nodeType="clickEffect">
+                                  <p:stCondLst>
+                                    <p:cond delay="0"/>
+                                  </p:stCondLst>
+                                  <p:childTnLst>
+                                    <p:set>
+                                      <p:cBhvr>
+                                        <p:cTn id="6" dur="1" fill="hold">
+                                          <p:stCondLst>
+                                            <p:cond delay="0"/>
+                                          </p:stCondLst>
+                                        </p:cTn>
+                                        <p:tgtEl>
+                                          <p:spTgt spid="4"/>
+                                        </p:tgtEl>
+                                        <p:attrNameLst>
+                                          <p:attrName>style.visibility</p:attrName>
+                                        </p:attrNameLst>
+                                      </p:cBhvr>
+                                      <p:to>
+                                        <p:strVal val="visible"/>
+                                      </p:to>
+                                    </p:set>
+                                    <p:animEffect transition="in" filter="fade">
+                                      <p:cBhvr>
+                                        <p:cTn id="7" dur="500"/>
+                                        <p:tgtEl>
+                                          <p:spTgt spid="4"/>
+                                        </p:tgtEl>
+                                      </p:cBhvr>
+                                    </p:animEffect>
+                                  </p:childTnLst>
+                                </p:cTn>
+                              </p:par>
+                            </p:childTnLst>
+                          </p:cTn>
+                        </p:par>
+                      </p:childTnLst>
+                    </p:cTn>
+                  </p:par>
+                  <p:par>
+                    <p:cTn id="8" fill="hold">
+                      <p:stCondLst>
+                        <p:cond delay="indefinite"/>
+                      </p:stCondLst>
+                      <p:childTnLst>
+                        <p:par>
+                          <p:cTn id="9" fill="hold">
+                            <p:stCondLst>
+                              <p:cond delay="0"/>
+                            </p:stCondLst>
+                            <p:childTnLst>
+                              <p:par>
+                                <p:cTn id="10" presetID="42" presetClass="entr" presetSubtype="0" fill="hold" grpId="0" nodeType="clickEffect">
+                                  <p:stCondLst>
+                                    <p:cond delay="0"/>
+                                  </p:stCondLst>
+                                  <p:childTnLst>
+                                    <p:set>
+                                      <p:cBhvr>
+                                        <p:cTn id="11" dur="1" fill="hold">
+                                          <p:stCondLst>
+                                            <p:cond delay="0"/>
+                                          </p:stCondLst>
+                                        </p:cTn>
+                                        <p:tgtEl>
+                                          <p:spTgt spid="5"/>
+                                        </p:tgtEl>
+                                        <p:attrNameLst>
+                                          <p:attrName>style.visibility</p:attrName>
+                                        </p:attrNameLst>
+                                      </p:cBhvr>
+                                      <p:to>
+                                        <p:strVal val="visible"/>
+                                      </p:to>
+                                    </p:set>
+                                    <p:animEffect transition="in" filter="fade">
+                                      <p:cBhvr>
+                                        <p:cTn id="12" dur="1000"/>
+                                        <p:tgtEl>
+                                          <p:spTgt spid="5"/>
+                                        </p:tgtEl>
+                                      </p:cBhvr>
+                                    </p:animEffect>
+                                    <p:anim calcmode="lin" valueType="num">
+                                      <p:cBhvr>
+                                        <p:cTn id="13" dur="1000" fill="hold"/>
+                                        <p:tgtEl>
+                                          <p:spTgt spid="5"/>
+                                        </p:tgtEl>
+                                        <p:attrNameLst>
+                                          <p:attrName>ppt_x</p:attrName>
+                                        </p:attrNameLst>
+                                      </p:cBhvr>
+                                      <p:tavLst>
+                                        <p:tav tm="0">
+                                          <p:val>
+                                            <p:strVal val="#ppt_x"/>
+                                          </p:val>
+                                        </p:tav>
+                                        <p:tav tm="100000">
+                                          <p:val>
+                                            <p:strVal val="#ppt_x"/>
+                                          </p:val>
+                                        </p:tav>
+                                      </p:tavLst>
+                                    </p:anim>
+                                    <p:anim calcmode="lin" valueType="num">
+                                      <p:cBhvr>
+                                        <p:cTn id="14" dur="1000" fill="hold"/>
+                                        <p:tgtEl>
+                                          <p:spTgt spid="5"/>
+                                        </p:tgtEl>
+                                        <p:attrNameLst>
+                                          <p:attrName>ppt_y</p:attrName>
+                                        </p:attrNameLst>
+                                      </p:cBhvr>
+                                      <p:tavLst>
+                                        <p:tav tm="0">
+                                          <p:val>
+                                            <p:strVal val="#ppt_y+.1"/>
+                                          </p:val>
+                                        </p:tav>
+                                        <p:tav tm="100000">
+                                          <p:val>
+                                            <p:strVal val="#ppt_y"/>
+                                          </p:val>
+                                        </p:tav>
+                                      </p:tavLst>
+                                    </p:anim>
+                                  </p:childTnLst>
+                                </p:cTn>
+                              </p:par>
+                            </p:childTnLst>
+                          </p:cTn>
+                        </p:par>
+                      </p:childTnLst>
+                    </p:cTn>
+                  </p:par>
+                  <p:par>
+                    <p:cTn id="15" fill="hold">
+                      <p:stCondLst>
+                        <p:cond delay="indefinite"/>
+                      </p:stCondLst>
+                      <p:childTnLst>
+                        <p:par>
+                          <p:cTn id="16" fill="hold">
+                            <p:stCondLst>
+                              <p:cond delay="0"/>
+                            </p:stCondLst>
+                            <p:childTnLst>
+                              <p:par>
+                                <p:cTn id="17" presetID="42" presetClass="entr" presetSubtype="0" fill="hold" grpId="0" nodeType="clickEffect">
+                                  <p:stCondLst>
+                                    <p:cond delay="0"/>
+                                  </p:stCondLst>
+                                  <p:childTnLst>
+                                    <p:set>
+                                      <p:cBhvr>
+                                        <p:cTn id="18" dur="1" fill="hold">
+                                          <p:stCondLst>
+                                            <p:cond delay="0"/>
+                                          </p:stCondLst>
+                                        </p:cTn>
+                                        <p:tgtEl>
+                                          <p:spTgt spid="6"/>
+                                        </p:tgtEl>
+                                        <p:attrNameLst>
+                                          <p:attrName>style.visibility</p:attrName>
+                                        </p:attrNameLst>
+                                      </p:cBhvr>
+                                      <p:to>
+                                        <p:strVal val="visible"/>
+                                      </p:to>
+                                    </p:set>
+                                    <p:animEffect transition="in" filter="fade">
+                                      <p:cBhvr>
+                                        <p:cTn id="19" dur="1000"/>
+                                        <p:tgtEl>
+                                          <p:spTgt spid="6"/>
+                                        </p:tgtEl>
+                                      </p:cBhvr>
+                                    </p:animEffect>
+                                    <p:anim calcmode="lin" valueType="num">
+                                      <p:cBhvr>
+                                        <p:cTn id="20" dur="1000" fill="hold"/>
+                                        <p:tgtEl>
+                                          <p:spTgt spid="6"/>
+                                        </p:tgtEl>
+                                        <p:attrNameLst>
+                                          <p:attrName>ppt_x</p:attrName>
+                                        </p:attrNameLst>
+                                      </p:cBhvr>
+                                      <p:tavLst>
+                                        <p:tav tm="0">
+                                          <p:val>
+                                            <p:strVal val="#ppt_x"/>
+                                          </p:val>
+                                        </p:tav>
+                                        <p:tav tm="100000">
+                                          <p:val>
+                                            <p:strVal val="#ppt_x"/>
+                                          </p:val>
+                                        </p:tav>
+                                      </p:tavLst>
+                                    </p:anim>
+                                    <p:anim calcmode="lin" valueType="num">
+                                      <p:cBhvr>
+                                        <p:cTn id="21" dur="1000" fill="hold"/>
+                                        <p:tgtEl>
+                                          <p:spTgt spid="6"/>
+                                        </p:tgtEl>
+                                        <p:attrNameLst>
+                                          <p:attrName>ppt_y</p:attrName>
+                                        </p:attrNameLst>
+                                      </p:cBhvr>
+                                      <p:tavLst>
+                                        <p:tav tm="0">
+                                          <p:val>
+                                            <p:strVal val="#ppt_y+.1"/>
+                                          </p:val>
+                                        </p:tav>
+                                        <p:tav tm="100000">
+                                          <p:val>
+                                            <p:strVal val="#ppt_y"/>
+                                          </p:val>
+                                        </p:tav>
+                                      </p:tavLst>
+                                    </p:anim>
+                                  </p:childTnLst>
+                                </p:cTn>
+                              </p:par>
+                            </p:childTnLst>
+                          </p:cTn>
+                        </p:par>
+                      </p:childTnLst>
+                    </p:cTn>
+                  </p:par>
+                  <p:par>
+                    <p:cTn id="22" fill="hold">
+                      <p:stCondLst>
+                        <p:cond delay="indefinite"/>
+                      </p:stCondLst>
+                      <p:childTnLst>
+                        <p:par>
+                          <p:cTn id="23" fill="hold">
+                            <p:stCondLst>
+                              <p:cond delay="0"/>
+                            </p:stCondLst>
+                            <p:childTnLst>
+                              <p:par>
+                                <p:cTn id="24" presetID="42" presetClass="entr" presetSubtype="0" fill="hold" grpId="0" nodeType="clickEffect">
+                                  <p:stCondLst>
+                                    <p:cond delay="0"/>
+                                  </p:stCondLst>
+                                  <p:childTnLst>
+                                    <p:set>
+                                      <p:cBhvr>
+                                        <p:cTn id="25" dur="1" fill="hold">
+                                          <p:stCondLst>
+                                            <p:cond delay="0"/>
+                                          </p:stCondLst>
+                                        </p:cTn>
+                                        <p:tgtEl>
+                                          <p:spTgt spid="7"/>
+                                        </p:tgtEl>
+                                        <p:attrNameLst>
+                                          <p:attrName>style.visibility</p:attrName>
+                                        </p:attrNameLst>
+                                      </p:cBhvr>
+                                      <p:to>
+                                        <p:strVal val="visible"/>
+                                      </p:to>
+                                    </p:set>
+                                    <p:animEffect transition="in" filter="fade">
+                                      <p:cBhvr>
+                                        <p:cTn id="26" dur="1000"/>
+                                        <p:tgtEl>
+                                          <p:spTgt spid="7"/>
+                                        </p:tgtEl>
+                                      </p:cBhvr>
+                                    </p:animEffect>
+                                    <p:anim calcmode="lin" valueType="num">
+                                      <p:cBhvr>
+                                        <p:cTn id="27" dur="1000" fill="hold"/>
+                                        <p:tgtEl>
+                                          <p:spTgt spid="7"/>
+                                        </p:tgtEl>
+                                        <p:attrNameLst>
+                                          <p:attrName>ppt_x</p:attrName>
+                                        </p:attrNameLst>
+                                      </p:cBhvr>
+                                      <p:tavLst>
+                                        <p:tav tm="0">
+                                          <p:val>
+                                            <p:strVal val="#ppt_x"/>
+                                          </p:val>
+                                        </p:tav>
+                                        <p:tav tm="100000">
+                                          <p:val>
+                                            <p:strVal val="#ppt_x"/>
+                                          </p:val>
+                                        </p:tav>
+                                      </p:tavLst>
+                                    </p:anim>
+                                    <p:anim calcmode="lin" valueType="num">
+                                      <p:cBhvr>
+                                        <p:cTn id="28" dur="1000" fill="hold"/>
+                                        <p:tgtEl>
+                                          <p:spTgt spid="7"/>
+                                        </p:tgtEl>
+                                        <p:attrNameLst>
+                                          <p:attrName>ppt_y</p:attrName>
+                                        </p:attrNameLst>
+                                      </p:cBhvr>
+                                      <p:tavLst>
+                                        <p:tav tm="0">
+                                          <p:val>
+                                            <p:strVal val="#ppt_y+.1"/>
+                                          </p:val>
+                                        </p:tav>
+                                        <p:tav tm="100000">
+                                          <p:val>
+                                            <p:strVal val="#ppt_y"/>
+                                          </p:val>
+                                        </p:tav>
+                                      </p:tavLst>
+                                    </p:anim>
+                                  </p:childTnLst>
+                                </p:cTn>
+                              </p:par>
+                            </p:childTnLst>
+                          </p:cTn>
+                        </p:par>
+                      </p:childTnLst>
+                    </p:cTn>
+                  </p:par>
+                </p:childTnLst>
+              </p:cTn>
+              <p:prevCondLst>
+                <p:cond evt="onPrev" delay="0">
+                  <p:tgtEl>
+                    <p:sldTgt/>
+                  </p:tgtEl>
+                </p:cond>
+              </p:prevCondLst>
+              <p:nextCondLst>
+                <p:cond evt="onNext" delay="0">
+                  <p:tgtEl>
+                    <p:sldTgt/>
+                  </p:tgtEl>
+                </p:cond>
+              </p:nextCondLst>
+            </p:seq>
+          </p:childTnLst>
+        </p:cTn>
+      </p:par>
+    </p:tnLst>
+    <p:bldLst>
+      <p:bldP spid="4" grpId="0"/>
+      <p:bldP spid="5" grpId="0"/>
+      <p:bldP spid="6" grpId="0"/>
+      <p:bldP spid="7" grpId="0"/>
+    </p:bldLst>
+  </p:timing>
+</p:sld>
+</file>
+
+<file path=ppt/slides/slide7.xml><?xml version="1.0" encoding="utf-8"?>
+<p:sld xmlns:a="http://schemas.openxmlformats.org/drawingml/2006/main" xmlns:r="http://schemas.openxmlformats.org/officeDocument/2006/relationships" xmlns:p="http://schemas.openxmlformats.org/presentationml/2006/main">
+  <p:cSld>
+    <p:spTree>
+      <p:nvGrpSpPr>
+        <p:cNvPr id="1" name=""/>
+        <p:cNvGrpSpPr/>
+        <p:nvPr/>
+      </p:nvGrpSpPr>
+      <p:grpSpPr>
+        <a:xfrm>
+          <a:off x="0" y="0"/>
+          <a:ext cx="0" cy="0"/>
+          <a:chOff x="0" y="0"/>
+          <a:chExt cx="0" cy="0"/>
+        </a:xfrm>
+      </p:grpSpPr>
+      <p:sp>
+        <p:nvSpPr>
+          <p:cNvPr id="5" name="文本框 4">
+            <a:extLst>
+              <a:ext uri="{FF2B5EF4-FFF2-40B4-BE49-F238E27FC236}">
+                <a16:creationId xmlns:a16="http://schemas.microsoft.com/office/drawing/2014/main" id="{F41C535F-173E-410D-B379-18B4DAD28091}"/>
+              </a:ext>
+            </a:extLst>
+          </p:cNvPr>
+          <p:cNvSpPr txBox="1"/>
+          <p:nvPr/>
+        </p:nvSpPr>
+        <p:spPr>
+          <a:xfrm>
+            <a:off x="1459523" y="1138581"/>
+            <a:ext cx="7851531" cy="523220"/>
+          </a:xfrm>
+          <a:prstGeom prst="rect">
+            <a:avLst/>
+          </a:prstGeom>
+          <a:noFill/>
+        </p:spPr>
+        <p:txBody>
+          <a:bodyPr wrap="square" rtlCol="0">
+            <a:spAutoFit/>
+          </a:bodyPr>
+          <a:lstStyle/>
+          <a:p>
+            <a:r>
+              <a:rPr lang="zh-CN" altLang="en-US" sz="2800" dirty="0"/>
+              <a:t>三、</a:t>
+            </a:r>
+            <a:r>
+              <a:rPr lang="en-US" altLang="zh-CN" sz="2800" dirty="0"/>
+              <a:t>Dijkstra</a:t>
+            </a:r>
+            <a:r>
+              <a:rPr lang="zh-CN" altLang="en-US" sz="2800" b="1" dirty="0"/>
+              <a:t>迪杰斯特拉寻路算法</a:t>
+            </a:r>
+          </a:p>
+        </p:txBody>
+      </p:sp>
+      <p:sp>
+        <p:nvSpPr>
+          <p:cNvPr id="7" name="文本框 6">
+            <a:extLst>
+              <a:ext uri="{FF2B5EF4-FFF2-40B4-BE49-F238E27FC236}">
+                <a16:creationId xmlns:a16="http://schemas.microsoft.com/office/drawing/2014/main" id="{47B7D535-0222-44DB-BD0F-D3B426C663EB}"/>
+              </a:ext>
+            </a:extLst>
+          </p:cNvPr>
+          <p:cNvSpPr txBox="1"/>
+          <p:nvPr/>
+        </p:nvSpPr>
+        <p:spPr>
+          <a:xfrm>
+            <a:off x="1459523" y="2168434"/>
+            <a:ext cx="8520500" cy="369332"/>
+          </a:xfrm>
+          <a:prstGeom prst="rect">
+            <a:avLst/>
+          </a:prstGeom>
+          <a:noFill/>
+        </p:spPr>
+        <p:txBody>
+          <a:bodyPr wrap="square" rtlCol="0">
+            <a:spAutoFit/>
+          </a:bodyPr>
+          <a:lstStyle/>
+          <a:p>
+            <a:r>
+              <a:rPr lang="zh-CN" altLang="en-US" dirty="0"/>
+              <a:t>思路：模拟真实环境的寻路问题，为顶点之间增加权重</a:t>
+            </a:r>
+          </a:p>
+        </p:txBody>
+      </p:sp>
+      <p:sp>
+        <p:nvSpPr>
+          <p:cNvPr id="8" name="文本框 7">
+            <a:extLst>
+              <a:ext uri="{FF2B5EF4-FFF2-40B4-BE49-F238E27FC236}">
+                <a16:creationId xmlns:a16="http://schemas.microsoft.com/office/drawing/2014/main" id="{D8A9A3A0-8EA4-462B-B1D2-DF0F7815C881}"/>
+              </a:ext>
+            </a:extLst>
+          </p:cNvPr>
+          <p:cNvSpPr txBox="1"/>
+          <p:nvPr/>
+        </p:nvSpPr>
+        <p:spPr>
+          <a:xfrm>
+            <a:off x="1459523" y="2756261"/>
+            <a:ext cx="9957414" cy="646331"/>
+          </a:xfrm>
+          <a:prstGeom prst="rect">
+            <a:avLst/>
+          </a:prstGeom>
+          <a:noFill/>
+        </p:spPr>
+        <p:txBody>
+          <a:bodyPr wrap="square" rtlCol="0">
+            <a:spAutoFit/>
+          </a:bodyPr>
+          <a:lstStyle/>
+          <a:p>
+            <a:r>
+              <a:rPr lang="en-US" altLang="zh-CN" dirty="0"/>
+              <a:t>1</a:t>
+            </a:r>
+            <a:r>
+              <a:rPr lang="zh-CN" altLang="en-US" dirty="0"/>
+              <a:t>、每个顶点都包含一个预估值</a:t>
+            </a:r>
+            <a:r>
+              <a:rPr lang="en-US" altLang="zh-CN" dirty="0"/>
+              <a:t>cost(</a:t>
+            </a:r>
+            <a:r>
+              <a:rPr lang="zh-CN" altLang="en-US" dirty="0"/>
+              <a:t>起点到当前顶点的距离</a:t>
+            </a:r>
+            <a:r>
+              <a:rPr lang="en-US" altLang="zh-CN" dirty="0"/>
+              <a:t>)</a:t>
+            </a:r>
+            <a:r>
+              <a:rPr lang="zh-CN" altLang="en-US" dirty="0"/>
+              <a:t>，每条边都有权值</a:t>
+            </a:r>
+            <a:r>
+              <a:rPr lang="en-US" altLang="zh-CN" dirty="0"/>
+              <a:t>v </a:t>
+            </a:r>
+            <a:r>
+              <a:rPr lang="zh-CN" altLang="en-US" dirty="0"/>
+              <a:t>，初始时，只有起始顶点的预估值</a:t>
+            </a:r>
+            <a:r>
+              <a:rPr lang="en-US" altLang="zh-CN" dirty="0"/>
+              <a:t>cost</a:t>
+            </a:r>
+            <a:r>
+              <a:rPr lang="zh-CN" altLang="en-US" dirty="0"/>
+              <a:t>为</a:t>
+            </a:r>
+            <a:r>
+              <a:rPr lang="en-US" altLang="zh-CN" dirty="0"/>
+              <a:t>0</a:t>
+            </a:r>
+            <a:r>
+              <a:rPr lang="zh-CN" altLang="en-US" dirty="0"/>
+              <a:t>，其他顶点的预估值</a:t>
+            </a:r>
+            <a:r>
+              <a:rPr lang="en-US" altLang="zh-CN" dirty="0"/>
+              <a:t>d</a:t>
+            </a:r>
+            <a:r>
+              <a:rPr lang="zh-CN" altLang="en-US" dirty="0"/>
+              <a:t>都为无穷大 ∞。</a:t>
+            </a:r>
+          </a:p>
+        </p:txBody>
+      </p:sp>
+      <p:sp>
+        <p:nvSpPr>
+          <p:cNvPr id="9" name="文本框 8">
+            <a:extLst>
+              <a:ext uri="{FF2B5EF4-FFF2-40B4-BE49-F238E27FC236}">
+                <a16:creationId xmlns:a16="http://schemas.microsoft.com/office/drawing/2014/main" id="{8A0EEF7C-6A84-4C34-8E19-59B9896FD928}"/>
+              </a:ext>
+            </a:extLst>
+          </p:cNvPr>
+          <p:cNvSpPr txBox="1"/>
+          <p:nvPr/>
+        </p:nvSpPr>
+        <p:spPr>
+          <a:xfrm>
+            <a:off x="1459523" y="3631472"/>
+            <a:ext cx="9539403" cy="369332"/>
+          </a:xfrm>
+          <a:prstGeom prst="rect">
+            <a:avLst/>
+          </a:prstGeom>
+          <a:noFill/>
+        </p:spPr>
+        <p:txBody>
+          <a:bodyPr wrap="square" rtlCol="0">
+            <a:spAutoFit/>
+          </a:bodyPr>
+          <a:lstStyle/>
+          <a:p>
+            <a:r>
+              <a:rPr lang="en-US" altLang="zh-CN" i="1" dirty="0"/>
+              <a:t>2.</a:t>
+            </a:r>
+            <a:r>
+              <a:rPr lang="zh-CN" altLang="en-US" dirty="0"/>
+              <a:t>将起点顶点</a:t>
+            </a:r>
+            <a:r>
+              <a:rPr lang="en-US" altLang="zh-CN" dirty="0"/>
+              <a:t>A</a:t>
+            </a:r>
+            <a:r>
+              <a:rPr lang="zh-CN" altLang="en-US" dirty="0"/>
+              <a:t>，放入队列；</a:t>
+            </a:r>
+          </a:p>
+        </p:txBody>
+      </p:sp>
+      <p:sp>
+        <p:nvSpPr>
+          <p:cNvPr id="10" name="文本框 9">
+            <a:extLst>
+              <a:ext uri="{FF2B5EF4-FFF2-40B4-BE49-F238E27FC236}">
+                <a16:creationId xmlns:a16="http://schemas.microsoft.com/office/drawing/2014/main" id="{90578FC5-87D6-4052-BFAD-AFB3DC701881}"/>
+              </a:ext>
+            </a:extLst>
+          </p:cNvPr>
+          <p:cNvSpPr txBox="1"/>
+          <p:nvPr/>
+        </p:nvSpPr>
+        <p:spPr>
+          <a:xfrm>
+            <a:off x="1459523" y="4229684"/>
+            <a:ext cx="10362363" cy="646331"/>
+          </a:xfrm>
+          <a:prstGeom prst="rect">
+            <a:avLst/>
+          </a:prstGeom>
+          <a:noFill/>
+        </p:spPr>
+        <p:txBody>
+          <a:bodyPr wrap="square" rtlCol="0">
+            <a:spAutoFit/>
+          </a:bodyPr>
+          <a:lstStyle/>
+          <a:p>
+            <a:r>
+              <a:rPr lang="en-US" altLang="zh-CN" dirty="0"/>
+              <a:t>3.</a:t>
+            </a:r>
+            <a:r>
+              <a:rPr lang="zh-CN" altLang="en-US" dirty="0"/>
+              <a:t>从队列中取出</a:t>
+            </a:r>
+            <a:r>
+              <a:rPr lang="en-US" altLang="zh-CN" dirty="0"/>
+              <a:t>cost</a:t>
+            </a:r>
+            <a:r>
+              <a:rPr lang="zh-CN" altLang="en-US" dirty="0"/>
+              <a:t>值最小的顶点，循环顶点的直接子节点，计算顶点到子节点的权值，并得到该节点的最小</a:t>
+            </a:r>
+            <a:r>
+              <a:rPr lang="en-US" altLang="zh-CN" dirty="0"/>
+              <a:t>cost,</a:t>
+            </a:r>
+            <a:r>
+              <a:rPr lang="zh-CN" altLang="en-US" dirty="0"/>
+              <a:t>加入队列；</a:t>
+            </a:r>
+          </a:p>
+        </p:txBody>
+      </p:sp>
+      <p:sp>
+        <p:nvSpPr>
+          <p:cNvPr id="11" name="文本框 10">
+            <a:extLst>
+              <a:ext uri="{FF2B5EF4-FFF2-40B4-BE49-F238E27FC236}">
+                <a16:creationId xmlns:a16="http://schemas.microsoft.com/office/drawing/2014/main" id="{09638A63-8BAA-47E1-B4EF-73D311BCF93B}"/>
+              </a:ext>
+            </a:extLst>
+          </p:cNvPr>
+          <p:cNvSpPr txBox="1"/>
+          <p:nvPr/>
+        </p:nvSpPr>
+        <p:spPr>
+          <a:xfrm>
+            <a:off x="1459523" y="5107573"/>
+            <a:ext cx="10074980" cy="369332"/>
+          </a:xfrm>
+          <a:prstGeom prst="rect">
+            <a:avLst/>
+          </a:prstGeom>
+          <a:noFill/>
+        </p:spPr>
+        <p:txBody>
+          <a:bodyPr wrap="square" rtlCol="0">
+            <a:spAutoFit/>
+          </a:bodyPr>
+          <a:lstStyle/>
+          <a:p>
+            <a:r>
+              <a:rPr lang="en-US" altLang="zh-CN" dirty="0"/>
+              <a:t>4.</a:t>
+            </a:r>
+            <a:r>
+              <a:rPr lang="zh-CN" altLang="en-US" dirty="0"/>
+              <a:t>重复进行</a:t>
+            </a:r>
+            <a:r>
+              <a:rPr lang="en-US" altLang="zh-CN" dirty="0"/>
+              <a:t>3</a:t>
+            </a:r>
+            <a:r>
+              <a:rPr lang="zh-CN" altLang="en-US" dirty="0"/>
+              <a:t>操作，直到没有顶点访问或找到终点。</a:t>
+            </a:r>
+          </a:p>
+        </p:txBody>
+      </p:sp>
+      <p:pic>
+        <p:nvPicPr>
+          <p:cNvPr id="13" name="图片 12">
+            <a:extLst>
+              <a:ext uri="{FF2B5EF4-FFF2-40B4-BE49-F238E27FC236}">
+                <a16:creationId xmlns:a16="http://schemas.microsoft.com/office/drawing/2014/main" id="{6C30F0F3-C0E8-453B-AC9C-D3CB492AD87D}"/>
+              </a:ext>
+            </a:extLst>
+          </p:cNvPr>
+          <p:cNvPicPr>
+            <a:picLocks noChangeAspect="1"/>
+          </p:cNvPicPr>
+          <p:nvPr/>
+        </p:nvPicPr>
+        <p:blipFill>
+          <a:blip r:embed="rId2">
+            <a:extLst>
+              <a:ext uri="{28A0092B-C50C-407E-A947-70E740481C1C}">
+                <a14:useLocalDpi xmlns:a14="http://schemas.microsoft.com/office/drawing/2010/main" val="0"/>
+              </a:ext>
+            </a:extLst>
+          </a:blip>
+          <a:stretch>
+            <a:fillRect/>
+          </a:stretch>
+        </p:blipFill>
+        <p:spPr>
+          <a:xfrm>
+            <a:off x="370114" y="73908"/>
+            <a:ext cx="7611292" cy="5792950"/>
+          </a:xfrm>
+          <a:prstGeom prst="rect">
+            <a:avLst/>
+          </a:prstGeom>
+        </p:spPr>
+      </p:pic>
+      <p:pic>
+        <p:nvPicPr>
+          <p:cNvPr id="15" name="图片 14">
+            <a:extLst>
+              <a:ext uri="{FF2B5EF4-FFF2-40B4-BE49-F238E27FC236}">
+                <a16:creationId xmlns:a16="http://schemas.microsoft.com/office/drawing/2014/main" id="{83C54DF9-96ED-40E9-9037-F40065CFFC49}"/>
+              </a:ext>
+            </a:extLst>
+          </p:cNvPr>
+          <p:cNvPicPr>
+            <a:picLocks noChangeAspect="1"/>
+          </p:cNvPicPr>
+          <p:nvPr/>
+        </p:nvPicPr>
+        <p:blipFill>
+          <a:blip r:embed="rId3">
+            <a:extLst>
+              <a:ext uri="{28A0092B-C50C-407E-A947-70E740481C1C}">
+                <a14:useLocalDpi xmlns:a14="http://schemas.microsoft.com/office/drawing/2010/main" val="0"/>
+              </a:ext>
+            </a:extLst>
+          </a:blip>
+          <a:stretch>
+            <a:fillRect/>
+          </a:stretch>
+        </p:blipFill>
+        <p:spPr>
+          <a:xfrm>
+            <a:off x="213997" y="1536519"/>
+            <a:ext cx="11764005" cy="3455275"/>
+          </a:xfrm>
+          <a:prstGeom prst="rect">
+            <a:avLst/>
+          </a:prstGeom>
+        </p:spPr>
+      </p:pic>
+      <p:pic>
+        <p:nvPicPr>
+          <p:cNvPr id="17" name="图片 16">
+            <a:extLst>
+              <a:ext uri="{FF2B5EF4-FFF2-40B4-BE49-F238E27FC236}">
+                <a16:creationId xmlns:a16="http://schemas.microsoft.com/office/drawing/2014/main" id="{CF99BAF7-9028-478B-B8BF-9175081812CE}"/>
+              </a:ext>
+            </a:extLst>
+          </p:cNvPr>
+          <p:cNvPicPr>
+            <a:picLocks noChangeAspect="1"/>
+          </p:cNvPicPr>
+          <p:nvPr/>
+        </p:nvPicPr>
+        <p:blipFill>
+          <a:blip r:embed="rId4">
+            <a:extLst>
+              <a:ext uri="{28A0092B-C50C-407E-A947-70E740481C1C}">
+                <a14:useLocalDpi xmlns:a14="http://schemas.microsoft.com/office/drawing/2010/main" val="0"/>
+              </a:ext>
+            </a:extLst>
+          </a:blip>
+          <a:stretch>
+            <a:fillRect/>
+          </a:stretch>
+        </p:blipFill>
+        <p:spPr>
+          <a:xfrm>
+            <a:off x="1780022" y="73908"/>
+            <a:ext cx="8740497" cy="6710184"/>
+          </a:xfrm>
+          <a:prstGeom prst="rect">
+            <a:avLst/>
+          </a:prstGeom>
+        </p:spPr>
+      </p:pic>
+      <p:pic>
+        <p:nvPicPr>
+          <p:cNvPr id="19" name="图片 18">
+            <a:extLst>
+              <a:ext uri="{FF2B5EF4-FFF2-40B4-BE49-F238E27FC236}">
+                <a16:creationId xmlns:a16="http://schemas.microsoft.com/office/drawing/2014/main" id="{48A1725C-FEB9-4D6B-99DE-0F7CF512C076}"/>
+              </a:ext>
+            </a:extLst>
+          </p:cNvPr>
+          <p:cNvPicPr>
+            <a:picLocks noChangeAspect="1"/>
+          </p:cNvPicPr>
+          <p:nvPr/>
+        </p:nvPicPr>
+        <p:blipFill>
+          <a:blip r:embed="rId5">
+            <a:extLst>
+              <a:ext uri="{28A0092B-C50C-407E-A947-70E740481C1C}">
+                <a14:useLocalDpi xmlns:a14="http://schemas.microsoft.com/office/drawing/2010/main" val="0"/>
+              </a:ext>
+            </a:extLst>
+          </a:blip>
+          <a:stretch>
+            <a:fillRect/>
+          </a:stretch>
+        </p:blipFill>
+        <p:spPr>
+          <a:xfrm>
+            <a:off x="1193074" y="1119965"/>
+            <a:ext cx="9100275" cy="4565254"/>
+          </a:xfrm>
+          <a:prstGeom prst="rect">
+            <a:avLst/>
+          </a:prstGeom>
+        </p:spPr>
+      </p:pic>
+    </p:spTree>
+    <p:extLst>
+      <p:ext uri="{BB962C8B-B14F-4D97-AF65-F5344CB8AC3E}">
+        <p14:creationId xmlns:p14="http://schemas.microsoft.com/office/powerpoint/2010/main" val="2185949119"/>
+      </p:ext>
+    </p:extLst>
+  </p:cSld>
+  <p:clrMapOvr>
+    <a:masterClrMapping/>
+  </p:clrMapOvr>
+  <p:timing>
+    <p:tnLst>
+      <p:par>
+        <p:cTn id="1" dur="indefinite" restart="never" nodeType="tmRoot">
+          <p:childTnLst>
+            <p:seq concurrent="1" nextAc="seek">
+              <p:cTn id="2" dur="indefinite" nodeType="mainSeq">
+                <p:childTnLst>
+                  <p:par>
+                    <p:cTn id="3" fill="hold">
+                      <p:stCondLst>
+                        <p:cond delay="indefinite"/>
+                      </p:stCondLst>
+                      <p:childTnLst>
+                        <p:par>
+                          <p:cTn id="4" fill="hold">
+                            <p:stCondLst>
+                              <p:cond delay="0"/>
+                            </p:stCondLst>
+                            <p:childTnLst>
+                              <p:par>
+                                <p:cTn id="5" presetID="10" presetClass="entr" presetSubtype="0" fill="hold" grpId="0" nodeType="clickEffect">
+                                  <p:stCondLst>
+                                    <p:cond delay="0"/>
+                                  </p:stCondLst>
+                                  <p:childTnLst>
+                                    <p:set>
+                                      <p:cBhvr>
+                                        <p:cTn id="6" dur="1" fill="hold">
+                                          <p:stCondLst>
+                                            <p:cond delay="0"/>
+                                          </p:stCondLst>
+                                        </p:cTn>
+                                        <p:tgtEl>
+                                          <p:spTgt spid="5"/>
+                                        </p:tgtEl>
+                                        <p:attrNameLst>
+                                          <p:attrName>style.visibility</p:attrName>
+                                        </p:attrNameLst>
+                                      </p:cBhvr>
+                                      <p:to>
+                                        <p:strVal val="visible"/>
+                                      </p:to>
+                                    </p:set>
+                                    <p:animEffect transition="in" filter="fade">
+                                      <p:cBhvr>
+                                        <p:cTn id="7" dur="500"/>
+                                        <p:tgtEl>
+                                          <p:spTgt spid="5"/>
+                                        </p:tgtEl>
+                                      </p:cBhvr>
+                                    </p:animEffect>
+                                  </p:childTnLst>
+                                </p:cTn>
+                              </p:par>
+                            </p:childTnLst>
+                          </p:cTn>
+                        </p:par>
+                      </p:childTnLst>
+                    </p:cTn>
+                  </p:par>
+                  <p:par>
+                    <p:cTn id="8" fill="hold">
+                      <p:stCondLst>
+                        <p:cond delay="indefinite"/>
+                      </p:stCondLst>
+                      <p:childTnLst>
+                        <p:par>
+                          <p:cTn id="9" fill="hold">
+                            <p:stCondLst>
+                              <p:cond delay="0"/>
+                            </p:stCondLst>
+                            <p:childTnLst>
+                              <p:par>
+                                <p:cTn id="10" presetID="42" presetClass="entr" presetSubtype="0" fill="hold" grpId="0" nodeType="clickEffect">
+                                  <p:stCondLst>
+                                    <p:cond delay="0"/>
+                                  </p:stCondLst>
+                                  <p:childTnLst>
+                                    <p:set>
+                                      <p:cBhvr>
+                                        <p:cTn id="11" dur="1" fill="hold">
+                                          <p:stCondLst>
+                                            <p:cond delay="0"/>
+                                          </p:stCondLst>
+                                        </p:cTn>
+                                        <p:tgtEl>
+                                          <p:spTgt spid="7"/>
+                                        </p:tgtEl>
+                                        <p:attrNameLst>
+                                          <p:attrName>style.visibility</p:attrName>
+                                        </p:attrNameLst>
+                                      </p:cBhvr>
+                                      <p:to>
+                                        <p:strVal val="visible"/>
+                                      </p:to>
+                                    </p:set>
+                                    <p:animEffect transition="in" filter="fade">
+                                      <p:cBhvr>
+                                        <p:cTn id="12" dur="1000"/>
+                                        <p:tgtEl>
+                                          <p:spTgt spid="7"/>
+                                        </p:tgtEl>
+                                      </p:cBhvr>
+                                    </p:animEffect>
+                                    <p:anim calcmode="lin" valueType="num">
+                                      <p:cBhvr>
+                                        <p:cTn id="13" dur="1000" fill="hold"/>
+                                        <p:tgtEl>
+                                          <p:spTgt spid="7"/>
+                                        </p:tgtEl>
+                                        <p:attrNameLst>
+                                          <p:attrName>ppt_x</p:attrName>
+                                        </p:attrNameLst>
+                                      </p:cBhvr>
+                                      <p:tavLst>
+                                        <p:tav tm="0">
+                                          <p:val>
+                                            <p:strVal val="#ppt_x"/>
+                                          </p:val>
+                                        </p:tav>
+                                        <p:tav tm="100000">
+                                          <p:val>
+                                            <p:strVal val="#ppt_x"/>
+                                          </p:val>
+                                        </p:tav>
+                                      </p:tavLst>
+                                    </p:anim>
+                                    <p:anim calcmode="lin" valueType="num">
+                                      <p:cBhvr>
+                                        <p:cTn id="14" dur="1000" fill="hold"/>
+                                        <p:tgtEl>
+                                          <p:spTgt spid="7"/>
+                                        </p:tgtEl>
+                                        <p:attrNameLst>
+                                          <p:attrName>ppt_y</p:attrName>
+                                        </p:attrNameLst>
+                                      </p:cBhvr>
+                                      <p:tavLst>
+                                        <p:tav tm="0">
+                                          <p:val>
+                                            <p:strVal val="#ppt_y+.1"/>
+                                          </p:val>
+                                        </p:tav>
+                                        <p:tav tm="100000">
+                                          <p:val>
+                                            <p:strVal val="#ppt_y"/>
+                                          </p:val>
+                                        </p:tav>
+                                      </p:tavLst>
+                                    </p:anim>
+                                  </p:childTnLst>
+                                </p:cTn>
+                              </p:par>
+                            </p:childTnLst>
+                          </p:cTn>
+                        </p:par>
+                      </p:childTnLst>
+                    </p:cTn>
+                  </p:par>
+                  <p:par>
+                    <p:cTn id="15" fill="hold">
+                      <p:stCondLst>
+                        <p:cond delay="indefinite"/>
+                      </p:stCondLst>
+                      <p:childTnLst>
+                        <p:par>
+                          <p:cTn id="16" fill="hold">
+                            <p:stCondLst>
+                              <p:cond delay="0"/>
+                            </p:stCondLst>
+                            <p:childTnLst>
+                              <p:par>
+                                <p:cTn id="17" presetID="42" presetClass="entr" presetSubtype="0" fill="hold" grpId="0" nodeType="clickEffect">
+                                  <p:stCondLst>
+                                    <p:cond delay="0"/>
+                                  </p:stCondLst>
+                                  <p:childTnLst>
+                                    <p:set>
+                                      <p:cBhvr>
+                                        <p:cTn id="18" dur="1" fill="hold">
+                                          <p:stCondLst>
+                                            <p:cond delay="0"/>
+                                          </p:stCondLst>
+                                        </p:cTn>
+                                        <p:tgtEl>
+                                          <p:spTgt spid="8"/>
+                                        </p:tgtEl>
+                                        <p:attrNameLst>
+                                          <p:attrName>style.visibility</p:attrName>
+                                        </p:attrNameLst>
+                                      </p:cBhvr>
+                                      <p:to>
+                                        <p:strVal val="visible"/>
+                                      </p:to>
+                                    </p:set>
+                                    <p:animEffect transition="in" filter="fade">
+                                      <p:cBhvr>
+                                        <p:cTn id="19" dur="1000"/>
+                                        <p:tgtEl>
+                                          <p:spTgt spid="8"/>
+                                        </p:tgtEl>
+                                      </p:cBhvr>
+                                    </p:animEffect>
+                                    <p:anim calcmode="lin" valueType="num">
+                                      <p:cBhvr>
+                                        <p:cTn id="20" dur="1000" fill="hold"/>
+                                        <p:tgtEl>
+                                          <p:spTgt spid="8"/>
+                                        </p:tgtEl>
+                                        <p:attrNameLst>
+                                          <p:attrName>ppt_x</p:attrName>
+                                        </p:attrNameLst>
+                                      </p:cBhvr>
+                                      <p:tavLst>
+                                        <p:tav tm="0">
+                                          <p:val>
+                                            <p:strVal val="#ppt_x"/>
+                                          </p:val>
+                                        </p:tav>
+                                        <p:tav tm="100000">
+                                          <p:val>
+                                            <p:strVal val="#ppt_x"/>
+                                          </p:val>
+                                        </p:tav>
+                                      </p:tavLst>
+                                    </p:anim>
+                                    <p:anim calcmode="lin" valueType="num">
+                                      <p:cBhvr>
+                                        <p:cTn id="21" dur="1000" fill="hold"/>
+                                        <p:tgtEl>
+                                          <p:spTgt spid="8"/>
+                                        </p:tgtEl>
+                                        <p:attrNameLst>
+                                          <p:attrName>ppt_y</p:attrName>
+                                        </p:attrNameLst>
+                                      </p:cBhvr>
+                                      <p:tavLst>
+                                        <p:tav tm="0">
+                                          <p:val>
+                                            <p:strVal val="#ppt_y+.1"/>
+                                          </p:val>
+                                        </p:tav>
+                                        <p:tav tm="100000">
+                                          <p:val>
+                                            <p:strVal val="#ppt_y"/>
+                                          </p:val>
+                                        </p:tav>
+                                      </p:tavLst>
+                                    </p:anim>
+                                  </p:childTnLst>
+                                </p:cTn>
+                              </p:par>
+                            </p:childTnLst>
+                          </p:cTn>
+                        </p:par>
+                      </p:childTnLst>
+                    </p:cTn>
+                  </p:par>
+                  <p:par>
+                    <p:cTn id="22" fill="hold">
+                      <p:stCondLst>
+                        <p:cond delay="indefinite"/>
+                      </p:stCondLst>
+                      <p:childTnLst>
+                        <p:par>
+                          <p:cTn id="23" fill="hold">
+                            <p:stCondLst>
+                              <p:cond delay="0"/>
+                            </p:stCondLst>
+                            <p:childTnLst>
+                              <p:par>
+                                <p:cTn id="24" presetID="42" presetClass="entr" presetSubtype="0" fill="hold" grpId="0" nodeType="clickEffect">
+                                  <p:stCondLst>
+                                    <p:cond delay="0"/>
+                                  </p:stCondLst>
+                                  <p:childTnLst>
+                                    <p:set>
+                                      <p:cBhvr>
+                                        <p:cTn id="25" dur="1" fill="hold">
+                                          <p:stCondLst>
+                                            <p:cond delay="0"/>
+                                          </p:stCondLst>
+                                        </p:cTn>
+                                        <p:tgtEl>
+                                          <p:spTgt spid="9"/>
+                                        </p:tgtEl>
+                                        <p:attrNameLst>
+                                          <p:attrName>style.visibility</p:attrName>
+                                        </p:attrNameLst>
+                                      </p:cBhvr>
+                                      <p:to>
+                                        <p:strVal val="visible"/>
+                                      </p:to>
+                                    </p:set>
+                                    <p:animEffect transition="in" filter="fade">
+                                      <p:cBhvr>
+                                        <p:cTn id="26" dur="1000"/>
+                                        <p:tgtEl>
+                                          <p:spTgt spid="9"/>
+                                        </p:tgtEl>
+                                      </p:cBhvr>
+                                    </p:animEffect>
+                                    <p:anim calcmode="lin" valueType="num">
+                                      <p:cBhvr>
+                                        <p:cTn id="27" dur="1000" fill="hold"/>
+                                        <p:tgtEl>
+                                          <p:spTgt spid="9"/>
+                                        </p:tgtEl>
+                                        <p:attrNameLst>
+                                          <p:attrName>ppt_x</p:attrName>
+                                        </p:attrNameLst>
+                                      </p:cBhvr>
+                                      <p:tavLst>
+                                        <p:tav tm="0">
+                                          <p:val>
+                                            <p:strVal val="#ppt_x"/>
+                                          </p:val>
+                                        </p:tav>
+                                        <p:tav tm="100000">
+                                          <p:val>
+                                            <p:strVal val="#ppt_x"/>
+                                          </p:val>
+                                        </p:tav>
+                                      </p:tavLst>
+                                    </p:anim>
+                                    <p:anim calcmode="lin" valueType="num">
+                                      <p:cBhvr>
+                                        <p:cTn id="28" dur="1000" fill="hold"/>
+                                        <p:tgtEl>
+                                          <p:spTgt spid="9"/>
+                                        </p:tgtEl>
+                                        <p:attrNameLst>
+                                          <p:attrName>ppt_y</p:attrName>
+                                        </p:attrNameLst>
+                                      </p:cBhvr>
+                                      <p:tavLst>
+                                        <p:tav tm="0">
+                                          <p:val>
+                                            <p:strVal val="#ppt_y+.1"/>
+                                          </p:val>
+                                        </p:tav>
+                                        <p:tav tm="100000">
+                                          <p:val>
+                                            <p:strVal val="#ppt_y"/>
+                                          </p:val>
+                                        </p:tav>
+                                      </p:tavLst>
+                                    </p:anim>
+                                  </p:childTnLst>
+                                </p:cTn>
+                              </p:par>
+                            </p:childTnLst>
+                          </p:cTn>
+                        </p:par>
+                      </p:childTnLst>
+                    </p:cTn>
+                  </p:par>
+                  <p:par>
+                    <p:cTn id="29" fill="hold">
+                      <p:stCondLst>
+                        <p:cond delay="indefinite"/>
+                      </p:stCondLst>
+                      <p:childTnLst>
+                        <p:par>
+                          <p:cTn id="30" fill="hold">
+                            <p:stCondLst>
+                              <p:cond delay="0"/>
+                            </p:stCondLst>
+                            <p:childTnLst>
+                              <p:par>
+                                <p:cTn id="31" presetID="42" presetClass="entr" presetSubtype="0" fill="hold" grpId="0" nodeType="clickEffect">
+                                  <p:stCondLst>
+                                    <p:cond delay="0"/>
+                                  </p:stCondLst>
+                                  <p:childTnLst>
+                                    <p:set>
+                                      <p:cBhvr>
+                                        <p:cTn id="32" dur="1" fill="hold">
+                                          <p:stCondLst>
+                                            <p:cond delay="0"/>
+                                          </p:stCondLst>
+                                        </p:cTn>
+                                        <p:tgtEl>
+                                          <p:spTgt spid="10"/>
+                                        </p:tgtEl>
+                                        <p:attrNameLst>
+                                          <p:attrName>style.visibility</p:attrName>
+                                        </p:attrNameLst>
+                                      </p:cBhvr>
+                                      <p:to>
+                                        <p:strVal val="visible"/>
+                                      </p:to>
+                                    </p:set>
+                                    <p:animEffect transition="in" filter="fade">
+                                      <p:cBhvr>
+                                        <p:cTn id="33" dur="1000"/>
+                                        <p:tgtEl>
+                                          <p:spTgt spid="10"/>
+                                        </p:tgtEl>
+                                      </p:cBhvr>
+                                    </p:animEffect>
+                                    <p:anim calcmode="lin" valueType="num">
+                                      <p:cBhvr>
+                                        <p:cTn id="34" dur="1000" fill="hold"/>
+                                        <p:tgtEl>
+                                          <p:spTgt spid="10"/>
+                                        </p:tgtEl>
+                                        <p:attrNameLst>
+                                          <p:attrName>ppt_x</p:attrName>
+                                        </p:attrNameLst>
+                                      </p:cBhvr>
+                                      <p:tavLst>
+                                        <p:tav tm="0">
+                                          <p:val>
+                                            <p:strVal val="#ppt_x"/>
+                                          </p:val>
+                                        </p:tav>
+                                        <p:tav tm="100000">
+                                          <p:val>
+                                            <p:strVal val="#ppt_x"/>
+                                          </p:val>
+                                        </p:tav>
+                                      </p:tavLst>
+                                    </p:anim>
+                                    <p:anim calcmode="lin" valueType="num">
+                                      <p:cBhvr>
+                                        <p:cTn id="35" dur="1000" fill="hold"/>
+                                        <p:tgtEl>
+                                          <p:spTgt spid="10"/>
+                                        </p:tgtEl>
+                                        <p:attrNameLst>
+                                          <p:attrName>ppt_y</p:attrName>
+                                        </p:attrNameLst>
+                                      </p:cBhvr>
+                                      <p:tavLst>
+                                        <p:tav tm="0">
+                                          <p:val>
+                                            <p:strVal val="#ppt_y+.1"/>
+                                          </p:val>
+                                        </p:tav>
+                                        <p:tav tm="100000">
+                                          <p:val>
+                                            <p:strVal val="#ppt_y"/>
+                                          </p:val>
+                                        </p:tav>
+                                      </p:tavLst>
+                                    </p:anim>
+                                  </p:childTnLst>
+                                </p:cTn>
+                              </p:par>
+                            </p:childTnLst>
+                          </p:cTn>
+                        </p:par>
+                      </p:childTnLst>
+                    </p:cTn>
+                  </p:par>
+                  <p:par>
+                    <p:cTn id="36" fill="hold">
+                      <p:stCondLst>
+                        <p:cond delay="indefinite"/>
+                      </p:stCondLst>
+                      <p:childTnLst>
+                        <p:par>
+                          <p:cTn id="37" fill="hold">
+                            <p:stCondLst>
+                              <p:cond delay="0"/>
+                            </p:stCondLst>
+                            <p:childTnLst>
+                              <p:par>
+                                <p:cTn id="38" presetID="42" presetClass="entr" presetSubtype="0" fill="hold" grpId="0" nodeType="clickEffect">
+                                  <p:stCondLst>
+                                    <p:cond delay="0"/>
+                                  </p:stCondLst>
+                                  <p:childTnLst>
+                                    <p:set>
+                                      <p:cBhvr>
+                                        <p:cTn id="39" dur="1" fill="hold">
+                                          <p:stCondLst>
+                                            <p:cond delay="0"/>
+                                          </p:stCondLst>
+                                        </p:cTn>
+                                        <p:tgtEl>
+                                          <p:spTgt spid="11"/>
+                                        </p:tgtEl>
+                                        <p:attrNameLst>
+                                          <p:attrName>style.visibility</p:attrName>
+                                        </p:attrNameLst>
+                                      </p:cBhvr>
+                                      <p:to>
+                                        <p:strVal val="visible"/>
+                                      </p:to>
+                                    </p:set>
+                                    <p:animEffect transition="in" filter="fade">
+                                      <p:cBhvr>
+                                        <p:cTn id="40" dur="1000"/>
+                                        <p:tgtEl>
+                                          <p:spTgt spid="11"/>
+                                        </p:tgtEl>
+                                      </p:cBhvr>
+                                    </p:animEffect>
+                                    <p:anim calcmode="lin" valueType="num">
+                                      <p:cBhvr>
+                                        <p:cTn id="41" dur="1000" fill="hold"/>
+                                        <p:tgtEl>
+                                          <p:spTgt spid="11"/>
+                                        </p:tgtEl>
+                                        <p:attrNameLst>
+                                          <p:attrName>ppt_x</p:attrName>
+                                        </p:attrNameLst>
+                                      </p:cBhvr>
+                                      <p:tavLst>
+                                        <p:tav tm="0">
+                                          <p:val>
+                                            <p:strVal val="#ppt_x"/>
+                                          </p:val>
+                                        </p:tav>
+                                        <p:tav tm="100000">
+                                          <p:val>
+                                            <p:strVal val="#ppt_x"/>
+                                          </p:val>
+                                        </p:tav>
+                                      </p:tavLst>
+                                    </p:anim>
+                                    <p:anim calcmode="lin" valueType="num">
+                                      <p:cBhvr>
+                                        <p:cTn id="42" dur="1000" fill="hold"/>
+                                        <p:tgtEl>
+                                          <p:spTgt spid="11"/>
+                                        </p:tgtEl>
+                                        <p:attrNameLst>
+                                          <p:attrName>ppt_y</p:attrName>
+                                        </p:attrNameLst>
+                                      </p:cBhvr>
+                                      <p:tavLst>
+                                        <p:tav tm="0">
+                                          <p:val>
+                                            <p:strVal val="#ppt_y+.1"/>
+                                          </p:val>
+                                        </p:tav>
+                                        <p:tav tm="100000">
+                                          <p:val>
+                                            <p:strVal val="#ppt_y"/>
+                                          </p:val>
+                                        </p:tav>
+                                      </p:tavLst>
+                                    </p:anim>
+                                  </p:childTnLst>
+                                </p:cTn>
+                              </p:par>
+                            </p:childTnLst>
+                          </p:cTn>
+                        </p:par>
+                      </p:childTnLst>
+                    </p:cTn>
+                  </p:par>
+                  <p:par>
+                    <p:cTn id="43" fill="hold">
+                      <p:stCondLst>
+                        <p:cond delay="indefinite"/>
+                      </p:stCondLst>
+                      <p:childTnLst>
+                        <p:par>
+                          <p:cTn id="44" fill="hold">
+                            <p:stCondLst>
+                              <p:cond delay="0"/>
+                            </p:stCondLst>
+                            <p:childTnLst>
+                              <p:par>
+                                <p:cTn id="45" presetID="22" presetClass="entr" presetSubtype="4" fill="hold" nodeType="clickEffect">
+                                  <p:stCondLst>
+                                    <p:cond delay="0"/>
+                                  </p:stCondLst>
+                                  <p:childTnLst>
+                                    <p:set>
+                                      <p:cBhvr>
+                                        <p:cTn id="46" dur="1" fill="hold">
+                                          <p:stCondLst>
+                                            <p:cond delay="0"/>
+                                          </p:stCondLst>
+                                        </p:cTn>
+                                        <p:tgtEl>
+                                          <p:spTgt spid="13"/>
+                                        </p:tgtEl>
+                                        <p:attrNameLst>
+                                          <p:attrName>style.visibility</p:attrName>
+                                        </p:attrNameLst>
+                                      </p:cBhvr>
+                                      <p:to>
+                                        <p:strVal val="visible"/>
+                                      </p:to>
+                                    </p:set>
+                                    <p:animEffect transition="in" filter="wipe(down)">
+                                      <p:cBhvr>
+                                        <p:cTn id="47" dur="500"/>
+                                        <p:tgtEl>
+                                          <p:spTgt spid="13"/>
+                                        </p:tgtEl>
+                                      </p:cBhvr>
+                                    </p:animEffect>
+                                  </p:childTnLst>
+                                </p:cTn>
+                              </p:par>
+                            </p:childTnLst>
+                          </p:cTn>
+                        </p:par>
+                      </p:childTnLst>
+                    </p:cTn>
+                  </p:par>
+                  <p:par>
+                    <p:cTn id="48" fill="hold">
+                      <p:stCondLst>
+                        <p:cond delay="indefinite"/>
+                      </p:stCondLst>
+                      <p:childTnLst>
+                        <p:par>
+                          <p:cTn id="49" fill="hold">
+                            <p:stCondLst>
+                              <p:cond delay="0"/>
+                            </p:stCondLst>
+                            <p:childTnLst>
+                              <p:par>
+                                <p:cTn id="50" presetID="6" presetClass="entr" presetSubtype="16" fill="hold" nodeType="clickEffect">
+                                  <p:stCondLst>
+                                    <p:cond delay="0"/>
+                                  </p:stCondLst>
+                                  <p:childTnLst>
+                                    <p:set>
+                                      <p:cBhvr>
+                                        <p:cTn id="51" dur="1" fill="hold">
+                                          <p:stCondLst>
+                                            <p:cond delay="0"/>
+                                          </p:stCondLst>
+                                        </p:cTn>
+                                        <p:tgtEl>
+                                          <p:spTgt spid="15"/>
+                                        </p:tgtEl>
+                                        <p:attrNameLst>
+                                          <p:attrName>style.visibility</p:attrName>
+                                        </p:attrNameLst>
+                                      </p:cBhvr>
+                                      <p:to>
+                                        <p:strVal val="visible"/>
+                                      </p:to>
+                                    </p:set>
+                                    <p:animEffect transition="in" filter="circle(in)">
+                                      <p:cBhvr>
+                                        <p:cTn id="52" dur="2000"/>
+                                        <p:tgtEl>
+                                          <p:spTgt spid="15"/>
+                                        </p:tgtEl>
+                                      </p:cBhvr>
+                                    </p:animEffect>
+                                  </p:childTnLst>
+                                </p:cTn>
+                              </p:par>
+                            </p:childTnLst>
+                          </p:cTn>
+                        </p:par>
+                      </p:childTnLst>
+                    </p:cTn>
+                  </p:par>
+                  <p:par>
+                    <p:cTn id="53" fill="hold">
+                      <p:stCondLst>
+                        <p:cond delay="indefinite"/>
+                      </p:stCondLst>
+                      <p:childTnLst>
+                        <p:par>
+                          <p:cTn id="54" fill="hold">
+                            <p:stCondLst>
+                              <p:cond delay="0"/>
+                            </p:stCondLst>
+                            <p:childTnLst>
+                              <p:par>
+                                <p:cTn id="55" presetID="26" presetClass="entr" presetSubtype="0" fill="hold" nodeType="clickEffect">
+                                  <p:stCondLst>
+                                    <p:cond delay="0"/>
+                                  </p:stCondLst>
+                                  <p:childTnLst>
+                                    <p:set>
+                                      <p:cBhvr>
+                                        <p:cTn id="56" dur="1" fill="hold">
+                                          <p:stCondLst>
+                                            <p:cond delay="0"/>
+                                          </p:stCondLst>
+                                        </p:cTn>
+                                        <p:tgtEl>
+                                          <p:spTgt spid="17"/>
+                                        </p:tgtEl>
+                                        <p:attrNameLst>
+                                          <p:attrName>style.visibility</p:attrName>
+                                        </p:attrNameLst>
+                                      </p:cBhvr>
+                                      <p:to>
+                                        <p:strVal val="visible"/>
+                                      </p:to>
+                                    </p:set>
+                                    <p:animEffect transition="in" filter="wipe(down)">
+                                      <p:cBhvr>
+                                        <p:cTn id="57" dur="580">
+                                          <p:stCondLst>
+                                            <p:cond delay="0"/>
+                                          </p:stCondLst>
+                                        </p:cTn>
+                                        <p:tgtEl>
+                                          <p:spTgt spid="17"/>
+                                        </p:tgtEl>
+                                      </p:cBhvr>
+                                    </p:animEffect>
+                                    <p:anim calcmode="lin" valueType="num">
+                                      <p:cBhvr>
+                                        <p:cTn id="58" dur="1822" tmFilter="0,0; 0.14,0.36; 0.43,0.73; 0.71,0.91; 1.0,1.0">
+                                          <p:stCondLst>
+                                            <p:cond delay="0"/>
+                                          </p:stCondLst>
+                                        </p:cTn>
+                                        <p:tgtEl>
+                                          <p:spTgt spid="17"/>
+                                        </p:tgtEl>
+                                        <p:attrNameLst>
+                                          <p:attrName>ppt_x</p:attrName>
+                                        </p:attrNameLst>
+                                      </p:cBhvr>
+                                      <p:tavLst>
+                                        <p:tav tm="0">
+                                          <p:val>
+                                            <p:strVal val="#ppt_x-0.25"/>
+                                          </p:val>
+                                        </p:tav>
+                                        <p:tav tm="100000">
+                                          <p:val>
+                                            <p:strVal val="#ppt_x"/>
+                                          </p:val>
+                                        </p:tav>
+                                      </p:tavLst>
+                                    </p:anim>
+                                    <p:anim calcmode="lin" valueType="num">
+                                      <p:cBhvr>
+                                        <p:cTn id="59" dur="664" tmFilter="0.0,0.0; 0.25,0.07; 0.50,0.2; 0.75,0.467; 1.0,1.0">
+                                          <p:stCondLst>
+                                            <p:cond delay="0"/>
+                                          </p:stCondLst>
+                                        </p:cTn>
+                                        <p:tgtEl>
+                                          <p:spTgt spid="17"/>
+                                        </p:tgtEl>
+                                        <p:attrNameLst>
+                                          <p:attrName>ppt_y</p:attrName>
+                                        </p:attrNameLst>
+                                      </p:cBhvr>
+                                      <p:tavLst>
+                                        <p:tav tm="0" fmla="#ppt_y-sin(pi*$)/3">
+                                          <p:val>
+                                            <p:fltVal val="0.5"/>
+                                          </p:val>
+                                        </p:tav>
+                                        <p:tav tm="100000">
+                                          <p:val>
+                                            <p:fltVal val="1"/>
+                                          </p:val>
+                                        </p:tav>
+                                      </p:tavLst>
+                                    </p:anim>
+                                    <p:anim calcmode="lin" valueType="num">
+                                      <p:cBhvr>
+                                        <p:cTn id="60" dur="664" tmFilter="0, 0; 0.125,0.2665; 0.25,0.4; 0.375,0.465; 0.5,0.5;  0.625,0.535; 0.75,0.6; 0.875,0.7335; 1,1">
+                                          <p:stCondLst>
+                                            <p:cond delay="664"/>
+                                          </p:stCondLst>
+                                        </p:cTn>
+                                        <p:tgtEl>
+                                          <p:spTgt spid="17"/>
+                                        </p:tgtEl>
+                                        <p:attrNameLst>
+                                          <p:attrName>ppt_y</p:attrName>
+                                        </p:attrNameLst>
+                                      </p:cBhvr>
+                                      <p:tavLst>
+                                        <p:tav tm="0" fmla="#ppt_y-sin(pi*$)/9">
+                                          <p:val>
+                                            <p:fltVal val="0"/>
+                                          </p:val>
+                                        </p:tav>
+                                        <p:tav tm="100000">
+                                          <p:val>
+                                            <p:fltVal val="1"/>
+                                          </p:val>
+                                        </p:tav>
+                                      </p:tavLst>
+                                    </p:anim>
+                                    <p:anim calcmode="lin" valueType="num">
+                                      <p:cBhvr>
+                                        <p:cTn id="61" dur="332" tmFilter="0, 0; 0.125,0.2665; 0.25,0.4; 0.375,0.465; 0.5,0.5;  0.625,0.535; 0.75,0.6; 0.875,0.7335; 1,1">
+                                          <p:stCondLst>
+                                            <p:cond delay="1324"/>
+                                          </p:stCondLst>
+                                        </p:cTn>
+                                        <p:tgtEl>
+                                          <p:spTgt spid="17"/>
+                                        </p:tgtEl>
+                                        <p:attrNameLst>
+                                          <p:attrName>ppt_y</p:attrName>
+                                        </p:attrNameLst>
+                                      </p:cBhvr>
+                                      <p:tavLst>
+                                        <p:tav tm="0" fmla="#ppt_y-sin(pi*$)/27">
+                                          <p:val>
+                                            <p:fltVal val="0"/>
+                                          </p:val>
+                                        </p:tav>
+                                        <p:tav tm="100000">
+                                          <p:val>
+                                            <p:fltVal val="1"/>
+                                          </p:val>
+                                        </p:tav>
+                                      </p:tavLst>
+                                    </p:anim>
+                                    <p:anim calcmode="lin" valueType="num">
+                                      <p:cBhvr>
+                                        <p:cTn id="62" dur="164" tmFilter="0, 0; 0.125,0.2665; 0.25,0.4; 0.375,0.465; 0.5,0.5;  0.625,0.535; 0.75,0.6; 0.875,0.7335; 1,1">
+                                          <p:stCondLst>
+                                            <p:cond delay="1656"/>
+                                          </p:stCondLst>
+                                        </p:cTn>
+                                        <p:tgtEl>
+                                          <p:spTgt spid="17"/>
+                                        </p:tgtEl>
+                                        <p:attrNameLst>
+                                          <p:attrName>ppt_y</p:attrName>
+                                        </p:attrNameLst>
+                                      </p:cBhvr>
+                                      <p:tavLst>
+                                        <p:tav tm="0" fmla="#ppt_y-sin(pi*$)/81">
+                                          <p:val>
+                                            <p:fltVal val="0"/>
+                                          </p:val>
+                                        </p:tav>
+                                        <p:tav tm="100000">
+                                          <p:val>
+                                            <p:fltVal val="1"/>
+                                          </p:val>
+                                        </p:tav>
+                                      </p:tavLst>
+                                    </p:anim>
+                                    <p:animScale>
+                                      <p:cBhvr>
+                                        <p:cTn id="63" dur="26">
+                                          <p:stCondLst>
+                                            <p:cond delay="650"/>
+                                          </p:stCondLst>
+                                        </p:cTn>
+                                        <p:tgtEl>
+                                          <p:spTgt spid="17"/>
+                                        </p:tgtEl>
+                                      </p:cBhvr>
+                                      <p:to x="100000" y="60000"/>
+                                    </p:animScale>
+                                    <p:animScale>
+                                      <p:cBhvr>
+                                        <p:cTn id="64" dur="166" decel="50000">
+                                          <p:stCondLst>
+                                            <p:cond delay="676"/>
+                                          </p:stCondLst>
+                                        </p:cTn>
+                                        <p:tgtEl>
+                                          <p:spTgt spid="17"/>
+                                        </p:tgtEl>
+                                      </p:cBhvr>
+                                      <p:to x="100000" y="100000"/>
+                                    </p:animScale>
+                                    <p:animScale>
+                                      <p:cBhvr>
+                                        <p:cTn id="65" dur="26">
+                                          <p:stCondLst>
+                                            <p:cond delay="1312"/>
+                                          </p:stCondLst>
+                                        </p:cTn>
+                                        <p:tgtEl>
+                                          <p:spTgt spid="17"/>
+                                        </p:tgtEl>
+                                      </p:cBhvr>
+                                      <p:to x="100000" y="80000"/>
+                                    </p:animScale>
+                                    <p:animScale>
+                                      <p:cBhvr>
+                                        <p:cTn id="66" dur="166" decel="50000">
+                                          <p:stCondLst>
+                                            <p:cond delay="1338"/>
+                                          </p:stCondLst>
+                                        </p:cTn>
+                                        <p:tgtEl>
+                                          <p:spTgt spid="17"/>
+                                        </p:tgtEl>
+                                      </p:cBhvr>
+                                      <p:to x="100000" y="100000"/>
+                                    </p:animScale>
+                                    <p:animScale>
+                                      <p:cBhvr>
+                                        <p:cTn id="67" dur="26">
+                                          <p:stCondLst>
+                                            <p:cond delay="1642"/>
+                                          </p:stCondLst>
+                                        </p:cTn>
+                                        <p:tgtEl>
+                                          <p:spTgt spid="17"/>
+                                        </p:tgtEl>
+                                      </p:cBhvr>
+                                      <p:to x="100000" y="90000"/>
+                                    </p:animScale>
+                                    <p:animScale>
+                                      <p:cBhvr>
+                                        <p:cTn id="68" dur="166" decel="50000">
+                                          <p:stCondLst>
+                                            <p:cond delay="1668"/>
+                                          </p:stCondLst>
+                                        </p:cTn>
+                                        <p:tgtEl>
+                                          <p:spTgt spid="17"/>
+                                        </p:tgtEl>
+                                      </p:cBhvr>
+                                      <p:to x="100000" y="100000"/>
+                                    </p:animScale>
+                                    <p:animScale>
+                                      <p:cBhvr>
+                                        <p:cTn id="69" dur="26">
+                                          <p:stCondLst>
+                                            <p:cond delay="1808"/>
+                                          </p:stCondLst>
+                                        </p:cTn>
+                                        <p:tgtEl>
+                                          <p:spTgt spid="17"/>
+                                        </p:tgtEl>
+                                      </p:cBhvr>
+                                      <p:to x="100000" y="95000"/>
+                                    </p:animScale>
+                                    <p:animScale>
+                                      <p:cBhvr>
+                                        <p:cTn id="70" dur="166" decel="50000">
+                                          <p:stCondLst>
+                                            <p:cond delay="1834"/>
+                                          </p:stCondLst>
+                                        </p:cTn>
+                                        <p:tgtEl>
+                                          <p:spTgt spid="17"/>
+                                        </p:tgtEl>
+                                      </p:cBhvr>
+                                      <p:to x="100000" y="100000"/>
+                                    </p:animScale>
+                                  </p:childTnLst>
+                                </p:cTn>
+                              </p:par>
+                            </p:childTnLst>
+                          </p:cTn>
+                        </p:par>
+                      </p:childTnLst>
+                    </p:cTn>
+                  </p:par>
+                  <p:par>
+                    <p:cTn id="71" fill="hold">
+                      <p:stCondLst>
+                        <p:cond delay="indefinite"/>
+                      </p:stCondLst>
+                      <p:childTnLst>
+                        <p:par>
+                          <p:cTn id="72" fill="hold">
+                            <p:stCondLst>
+                              <p:cond delay="0"/>
+                            </p:stCondLst>
+                            <p:childTnLst>
+                              <p:par>
+                                <p:cTn id="73" presetID="22" presetClass="entr" presetSubtype="4" fill="hold" nodeType="clickEffect">
+                                  <p:stCondLst>
+                                    <p:cond delay="0"/>
+                                  </p:stCondLst>
+                                  <p:childTnLst>
+                                    <p:set>
+                                      <p:cBhvr>
+                                        <p:cTn id="74" dur="1" fill="hold">
+                                          <p:stCondLst>
+                                            <p:cond delay="0"/>
+                                          </p:stCondLst>
+                                        </p:cTn>
+                                        <p:tgtEl>
+                                          <p:spTgt spid="19"/>
+                                        </p:tgtEl>
+                                        <p:attrNameLst>
+                                          <p:attrName>style.visibility</p:attrName>
+                                        </p:attrNameLst>
+                                      </p:cBhvr>
+                                      <p:to>
+                                        <p:strVal val="visible"/>
+                                      </p:to>
+                                    </p:set>
+                                    <p:animEffect transition="in" filter="wipe(down)">
+                                      <p:cBhvr>
+                                        <p:cTn id="75" dur="500"/>
+                                        <p:tgtEl>
+                                          <p:spTgt spid="19"/>
+                                        </p:tgtEl>
+                                      </p:cBhvr>
+                                    </p:animEffect>
+                                  </p:childTnLst>
+                                </p:cTn>
+                              </p:par>
+                            </p:childTnLst>
+                          </p:cTn>
+                        </p:par>
+                      </p:childTnLst>
+                    </p:cTn>
+                  </p:par>
+                </p:childTnLst>
+              </p:cTn>
+              <p:prevCondLst>
+                <p:cond evt="onPrev" delay="0">
+                  <p:tgtEl>
+                    <p:sldTgt/>
+                  </p:tgtEl>
+                </p:cond>
+              </p:prevCondLst>
+              <p:nextCondLst>
+                <p:cond evt="onNext" delay="0">
+                  <p:tgtEl>
+                    <p:sldTgt/>
+                  </p:tgtEl>
+                </p:cond>
+              </p:nextCondLst>
+            </p:seq>
+          </p:childTnLst>
+        </p:cTn>
+      </p:par>
+    </p:tnLst>
+    <p:bldLst>
+      <p:bldP spid="5" grpId="0"/>
+      <p:bldP spid="7" grpId="0"/>
+      <p:bldP spid="8" grpId="0"/>
+      <p:bldP spid="9" grpId="0"/>
+      <p:bldP spid="10" grpId="0"/>
+      <p:bldP spid="11" grpId="0"/>
+    </p:bldLst>
+  </p:timing>
+</p:sld>
+</file>
+
+<file path=ppt/slides/slide8.xml><?xml version="1.0" encoding="utf-8"?>
+<p:sld xmlns:a="http://schemas.openxmlformats.org/drawingml/2006/main" xmlns:r="http://schemas.openxmlformats.org/officeDocument/2006/relationships" xmlns:p="http://schemas.openxmlformats.org/presentationml/2006/main">
+  <p:cSld>
+    <p:spTree>
+      <p:nvGrpSpPr>
+        <p:cNvPr id="1" name=""/>
+        <p:cNvGrpSpPr/>
+        <p:nvPr/>
+      </p:nvGrpSpPr>
+      <p:grpSpPr>
+        <a:xfrm>
+          <a:off x="0" y="0"/>
+          <a:ext cx="0" cy="0"/>
+          <a:chOff x="0" y="0"/>
+          <a:chExt cx="0" cy="0"/>
+        </a:xfrm>
+      </p:grpSpPr>
+      <p:sp>
+        <p:nvSpPr>
           <p:cNvPr id="2" name="标题 1">
             <a:extLst>
               <a:ext uri="{FF2B5EF4-FFF2-40B4-BE49-F238E27FC236}">
-                <a16:creationId xmlns:a16="http://schemas.microsoft.com/office/drawing/2014/main" id="{06D72D65-BB8A-4964-A818-7AE69577D1FC}"/>
+                <a16:creationId xmlns:a16="http://schemas.microsoft.com/office/drawing/2014/main" id="{7597E284-D2B3-426F-A8F6-7C36DDAC804C}"/>
               </a:ext>
             </a:extLst>
           </p:cNvPr>
@@ -6727,39 +9413,25 @@
           <a:bodyPr/>
           <a:lstStyle/>
           <a:p>
-            <a:endParaRPr lang="zh-CN" altLang="en-US" dirty="0"/>
-          </a:p>
-        </p:txBody>
-      </p:sp>
-      <p:sp>
-        <p:nvSpPr>
-          <p:cNvPr id="3" name="内容占位符 2">
-            <a:extLst>
-              <a:ext uri="{FF2B5EF4-FFF2-40B4-BE49-F238E27FC236}">
-                <a16:creationId xmlns:a16="http://schemas.microsoft.com/office/drawing/2014/main" id="{7D894B45-9825-4AEF-B072-98F64FEE8CE4}"/>
-              </a:ext>
-            </a:extLst>
-          </p:cNvPr>
-          <p:cNvSpPr>
-            <a:spLocks noGrp="1"/>
-          </p:cNvSpPr>
-          <p:nvPr>
-            <p:ph idx="1"/>
-          </p:nvPr>
-        </p:nvSpPr>
-        <p:spPr/>
-        <p:txBody>
-          <a:bodyPr/>
-          <a:lstStyle/>
-          <a:p>
-            <a:endParaRPr lang="zh-CN" altLang="en-US"/>
+            <a:r>
+              <a:rPr lang="zh-CN" altLang="en-US" dirty="0"/>
+              <a:t>四、</a:t>
+            </a:r>
+            <a:r>
+              <a:rPr lang="en-US" altLang="zh-CN" dirty="0"/>
+              <a:t>A*</a:t>
+            </a:r>
+            <a:r>
+              <a:rPr lang="zh-CN" altLang="en-US" dirty="0"/>
+              <a:t>寻路算法</a:t>
+            </a:r>
           </a:p>
         </p:txBody>
       </p:sp>
     </p:spTree>
     <p:extLst>
       <p:ext uri="{BB962C8B-B14F-4D97-AF65-F5344CB8AC3E}">
-        <p14:creationId xmlns:p14="http://schemas.microsoft.com/office/powerpoint/2010/main" val="3227688031"/>
+        <p14:creationId xmlns:p14="http://schemas.microsoft.com/office/powerpoint/2010/main" val="1460737406"/>
       </p:ext>
     </p:extLst>
   </p:cSld>

--- a/寻路算法.pptx
+++ b/寻路算法.pptx
@@ -9428,6 +9428,361 @@
           </a:p>
         </p:txBody>
       </p:sp>
+      <p:sp>
+        <p:nvSpPr>
+          <p:cNvPr id="3" name="文本框 2">
+            <a:extLst>
+              <a:ext uri="{FF2B5EF4-FFF2-40B4-BE49-F238E27FC236}">
+                <a16:creationId xmlns:a16="http://schemas.microsoft.com/office/drawing/2014/main" id="{AA579608-3218-446A-97C2-495BEEE7D5BC}"/>
+              </a:ext>
+            </a:extLst>
+          </p:cNvPr>
+          <p:cNvSpPr txBox="1"/>
+          <p:nvPr/>
+        </p:nvSpPr>
+        <p:spPr>
+          <a:xfrm>
+            <a:off x="1451579" y="1978269"/>
+            <a:ext cx="9178321" cy="923330"/>
+          </a:xfrm>
+          <a:prstGeom prst="rect">
+            <a:avLst/>
+          </a:prstGeom>
+          <a:noFill/>
+        </p:spPr>
+        <p:txBody>
+          <a:bodyPr wrap="square" rtlCol="0">
+            <a:spAutoFit/>
+          </a:bodyPr>
+          <a:lstStyle/>
+          <a:p>
+            <a:r>
+              <a:rPr lang="zh-CN" altLang="en-US" dirty="0"/>
+              <a:t>路径点评分：</a:t>
+            </a:r>
+            <a:r>
+              <a:rPr lang="en-US" altLang="zh-CN" dirty="0"/>
+              <a:t>F=G+H</a:t>
+            </a:r>
+          </a:p>
+          <a:p>
+            <a:r>
+              <a:rPr lang="zh-CN" altLang="en-US" dirty="0"/>
+              <a:t>代价</a:t>
+            </a:r>
+            <a:r>
+              <a:rPr lang="en-US" altLang="zh-CN" dirty="0"/>
+              <a:t>G:</a:t>
+            </a:r>
+            <a:r>
+              <a:rPr lang="zh-CN" altLang="en-US" dirty="0"/>
+              <a:t>起点移动到当前节点的代价，这个可以说和</a:t>
+            </a:r>
+            <a:r>
+              <a:rPr lang="en-US" altLang="zh-CN" dirty="0"/>
+              <a:t>Dijkstra</a:t>
+            </a:r>
+            <a:r>
+              <a:rPr lang="zh-CN" altLang="en-US" dirty="0"/>
+              <a:t>一致的；</a:t>
+            </a:r>
+            <a:endParaRPr lang="en-US" altLang="zh-CN" dirty="0"/>
+          </a:p>
+          <a:p>
+            <a:r>
+              <a:rPr lang="zh-CN" altLang="en-US" u="sng" dirty="0">
+                <a:solidFill>
+                  <a:srgbClr val="FF0000"/>
+                </a:solidFill>
+              </a:rPr>
+              <a:t>启发函数</a:t>
+            </a:r>
+            <a:r>
+              <a:rPr lang="en-US" altLang="zh-CN" u="sng" dirty="0">
+                <a:solidFill>
+                  <a:srgbClr val="FF0000"/>
+                </a:solidFill>
+              </a:rPr>
+              <a:t>H:</a:t>
+            </a:r>
+            <a:r>
+              <a:rPr lang="zh-CN" altLang="en-US" u="sng" dirty="0">
+                <a:solidFill>
+                  <a:srgbClr val="FF0000"/>
+                </a:solidFill>
+              </a:rPr>
+              <a:t>当前节点到终点移动估值；</a:t>
+            </a:r>
+          </a:p>
+        </p:txBody>
+      </p:sp>
+      <p:sp>
+        <p:nvSpPr>
+          <p:cNvPr id="4" name="文本框 3">
+            <a:extLst>
+              <a:ext uri="{FF2B5EF4-FFF2-40B4-BE49-F238E27FC236}">
+                <a16:creationId xmlns:a16="http://schemas.microsoft.com/office/drawing/2014/main" id="{3684E12A-A1B7-484C-A8AC-95DE5C111975}"/>
+              </a:ext>
+            </a:extLst>
+          </p:cNvPr>
+          <p:cNvSpPr txBox="1"/>
+          <p:nvPr/>
+        </p:nvSpPr>
+        <p:spPr>
+          <a:xfrm>
+            <a:off x="1580606" y="3317966"/>
+            <a:ext cx="8451668" cy="369332"/>
+          </a:xfrm>
+          <a:prstGeom prst="rect">
+            <a:avLst/>
+          </a:prstGeom>
+          <a:noFill/>
+        </p:spPr>
+        <p:txBody>
+          <a:bodyPr wrap="square" rtlCol="0">
+            <a:spAutoFit/>
+          </a:bodyPr>
+          <a:lstStyle/>
+          <a:p>
+            <a:r>
+              <a:rPr lang="en-US" altLang="zh-CN" dirty="0"/>
+              <a:t>1.</a:t>
+            </a:r>
+            <a:r>
+              <a:rPr lang="zh-CN" altLang="en-US" dirty="0"/>
+              <a:t>哈曼顿距离：</a:t>
+            </a:r>
+            <a:r>
+              <a:rPr lang="en-US" altLang="zh-CN" dirty="0"/>
+              <a:t>H(n) = D * (abs(</a:t>
+            </a:r>
+            <a:r>
+              <a:rPr lang="en-US" altLang="zh-CN" dirty="0" err="1"/>
+              <a:t>current.x</a:t>
+            </a:r>
+            <a:r>
+              <a:rPr lang="en-US" altLang="zh-CN" dirty="0"/>
+              <a:t> – </a:t>
+            </a:r>
+            <a:r>
+              <a:rPr lang="en-US" altLang="zh-CN" dirty="0" err="1"/>
+              <a:t>goal.x</a:t>
+            </a:r>
+            <a:r>
+              <a:rPr lang="en-US" altLang="zh-CN" dirty="0"/>
+              <a:t>) + abs(</a:t>
+            </a:r>
+            <a:r>
+              <a:rPr lang="en-US" altLang="zh-CN" dirty="0" err="1"/>
+              <a:t>current.y</a:t>
+            </a:r>
+            <a:r>
+              <a:rPr lang="en-US" altLang="zh-CN" dirty="0"/>
+              <a:t> – </a:t>
+            </a:r>
+            <a:r>
+              <a:rPr lang="en-US" altLang="zh-CN" dirty="0" err="1"/>
+              <a:t>goal.y</a:t>
+            </a:r>
+            <a:r>
+              <a:rPr lang="en-US" altLang="zh-CN" dirty="0"/>
+              <a:t>))</a:t>
+            </a:r>
+            <a:endParaRPr lang="zh-CN" altLang="en-US" dirty="0"/>
+          </a:p>
+        </p:txBody>
+      </p:sp>
+      <p:sp>
+        <p:nvSpPr>
+          <p:cNvPr id="5" name="文本框 4">
+            <a:extLst>
+              <a:ext uri="{FF2B5EF4-FFF2-40B4-BE49-F238E27FC236}">
+                <a16:creationId xmlns:a16="http://schemas.microsoft.com/office/drawing/2014/main" id="{674CEFFA-EE9C-4A9C-9115-00DFD29E586B}"/>
+              </a:ext>
+            </a:extLst>
+          </p:cNvPr>
+          <p:cNvSpPr txBox="1"/>
+          <p:nvPr/>
+        </p:nvSpPr>
+        <p:spPr>
+          <a:xfrm>
+            <a:off x="1580606" y="3879668"/>
+            <a:ext cx="7798525" cy="369332"/>
+          </a:xfrm>
+          <a:prstGeom prst="rect">
+            <a:avLst/>
+          </a:prstGeom>
+          <a:noFill/>
+        </p:spPr>
+        <p:txBody>
+          <a:bodyPr wrap="square" rtlCol="0">
+            <a:spAutoFit/>
+          </a:bodyPr>
+          <a:lstStyle/>
+          <a:p>
+            <a:r>
+              <a:rPr lang="en-US" altLang="zh-CN" dirty="0"/>
+              <a:t>2.</a:t>
+            </a:r>
+            <a:r>
+              <a:rPr lang="zh-CN" altLang="en-US" dirty="0"/>
+              <a:t>对角线距离：</a:t>
+            </a:r>
+            <a:r>
+              <a:rPr lang="en-US" altLang="zh-CN" dirty="0"/>
+              <a:t>H(n) = D * max (abs(</a:t>
+            </a:r>
+            <a:r>
+              <a:rPr lang="en-US" altLang="zh-CN" dirty="0" err="1"/>
+              <a:t>current.x</a:t>
+            </a:r>
+            <a:r>
+              <a:rPr lang="en-US" altLang="zh-CN" dirty="0"/>
+              <a:t> – </a:t>
+            </a:r>
+            <a:r>
+              <a:rPr lang="en-US" altLang="zh-CN" dirty="0" err="1"/>
+              <a:t>goal.x</a:t>
+            </a:r>
+            <a:r>
+              <a:rPr lang="en-US" altLang="zh-CN" dirty="0"/>
+              <a:t>), abs(</a:t>
+            </a:r>
+            <a:r>
+              <a:rPr lang="en-US" altLang="zh-CN" dirty="0" err="1"/>
+              <a:t>current.y</a:t>
+            </a:r>
+            <a:r>
+              <a:rPr lang="en-US" altLang="zh-CN" dirty="0"/>
+              <a:t> – </a:t>
+            </a:r>
+            <a:r>
+              <a:rPr lang="en-US" altLang="zh-CN" dirty="0" err="1"/>
+              <a:t>goal.y</a:t>
+            </a:r>
+            <a:r>
+              <a:rPr lang="en-US" altLang="zh-CN" dirty="0"/>
+              <a:t>))</a:t>
+            </a:r>
+            <a:endParaRPr lang="zh-CN" altLang="en-US" dirty="0"/>
+          </a:p>
+        </p:txBody>
+      </p:sp>
+      <p:sp>
+        <p:nvSpPr>
+          <p:cNvPr id="6" name="文本框 5">
+            <a:extLst>
+              <a:ext uri="{FF2B5EF4-FFF2-40B4-BE49-F238E27FC236}">
+                <a16:creationId xmlns:a16="http://schemas.microsoft.com/office/drawing/2014/main" id="{D580BBF8-7516-4F28-97FA-7D79363204FA}"/>
+              </a:ext>
+            </a:extLst>
+          </p:cNvPr>
+          <p:cNvSpPr txBox="1"/>
+          <p:nvPr/>
+        </p:nvSpPr>
+        <p:spPr>
+          <a:xfrm>
+            <a:off x="1580606" y="4415243"/>
+            <a:ext cx="8451668" cy="369332"/>
+          </a:xfrm>
+          <a:prstGeom prst="rect">
+            <a:avLst/>
+          </a:prstGeom>
+          <a:noFill/>
+        </p:spPr>
+        <p:txBody>
+          <a:bodyPr wrap="square" rtlCol="0">
+            <a:spAutoFit/>
+          </a:bodyPr>
+          <a:lstStyle/>
+          <a:p>
+            <a:r>
+              <a:rPr lang="en-US" altLang="zh-CN" dirty="0"/>
+              <a:t>3.</a:t>
+            </a:r>
+            <a:r>
+              <a:rPr lang="zh-CN" altLang="en-US" dirty="0"/>
+              <a:t>欧几里得距离：</a:t>
+            </a:r>
+            <a:r>
+              <a:rPr lang="en-US" altLang="zh-CN" dirty="0"/>
+              <a:t>H(n) = D * sqrt((</a:t>
+            </a:r>
+            <a:r>
+              <a:rPr lang="en-US" altLang="zh-CN" dirty="0" err="1"/>
+              <a:t>current.x</a:t>
+            </a:r>
+            <a:r>
+              <a:rPr lang="en-US" altLang="zh-CN" dirty="0"/>
+              <a:t> – </a:t>
+            </a:r>
+            <a:r>
+              <a:rPr lang="en-US" altLang="zh-CN" dirty="0" err="1"/>
+              <a:t>goal.x</a:t>
+            </a:r>
+            <a:r>
+              <a:rPr lang="en-US" altLang="zh-CN" dirty="0"/>
+              <a:t>)^2 + (</a:t>
+            </a:r>
+            <a:r>
+              <a:rPr lang="en-US" altLang="zh-CN" dirty="0" err="1"/>
+              <a:t>current.y</a:t>
+            </a:r>
+            <a:r>
+              <a:rPr lang="en-US" altLang="zh-CN" dirty="0"/>
+              <a:t> – </a:t>
+            </a:r>
+            <a:r>
+              <a:rPr lang="en-US" altLang="zh-CN" dirty="0" err="1"/>
+              <a:t>goal.y</a:t>
+            </a:r>
+            <a:r>
+              <a:rPr lang="en-US" altLang="zh-CN" dirty="0"/>
+              <a:t>)^2)</a:t>
+            </a:r>
+            <a:endParaRPr lang="zh-CN" altLang="en-US" dirty="0"/>
+          </a:p>
+        </p:txBody>
+      </p:sp>
+      <p:sp>
+        <p:nvSpPr>
+          <p:cNvPr id="7" name="文本框 6">
+            <a:extLst>
+              <a:ext uri="{FF2B5EF4-FFF2-40B4-BE49-F238E27FC236}">
+                <a16:creationId xmlns:a16="http://schemas.microsoft.com/office/drawing/2014/main" id="{7875D574-B988-4649-BA49-D2B8770A158A}"/>
+              </a:ext>
+            </a:extLst>
+          </p:cNvPr>
+          <p:cNvSpPr txBox="1"/>
+          <p:nvPr/>
+        </p:nvSpPr>
+        <p:spPr>
+          <a:xfrm>
+            <a:off x="1580606" y="4976945"/>
+            <a:ext cx="7889965" cy="369332"/>
+          </a:xfrm>
+          <a:prstGeom prst="rect">
+            <a:avLst/>
+          </a:prstGeom>
+          <a:noFill/>
+        </p:spPr>
+        <p:txBody>
+          <a:bodyPr wrap="square" rtlCol="0">
+            <a:spAutoFit/>
+          </a:bodyPr>
+          <a:lstStyle/>
+          <a:p>
+            <a:r>
+              <a:rPr lang="en-US" altLang="zh-CN" dirty="0"/>
+              <a:t>4.</a:t>
+            </a:r>
+            <a:r>
+              <a:rPr lang="zh-CN" altLang="en-US" dirty="0"/>
+              <a:t>还有很多，以及可以自定义估值函数</a:t>
+            </a:r>
+          </a:p>
+        </p:txBody>
+      </p:sp>
     </p:spTree>
     <p:extLst>
       <p:ext uri="{BB962C8B-B14F-4D97-AF65-F5344CB8AC3E}">
